--- a/End-Term Presentation (4-1).pptx
+++ b/End-Term Presentation (4-1).pptx
@@ -1,53 +1,55 @@
 
 <file path=ppt/presentation.xml><?xml version="1.0" encoding="utf-8"?>
-<p:presentation xmlns:a="http://schemas.openxmlformats.org/drawingml/2006/main" xmlns:r="http://schemas.openxmlformats.org/officeDocument/2006/relationships" xmlns:mc="http://schemas.openxmlformats.org/markup-compatibility/2006" xmlns:mv="urn:schemas-microsoft-com:mac:vml" xmlns:p="http://schemas.openxmlformats.org/presentationml/2006/main" xmlns:c="http://schemas.openxmlformats.org/drawingml/2006/chart" xmlns:dgm="http://schemas.openxmlformats.org/drawingml/2006/diagram" xmlns:o="urn:schemas-microsoft-com:office:office" xmlns:v="urn:schemas-microsoft-com:vml" xmlns:pvml="urn:schemas-microsoft-com:office:powerpoint" xmlns:com="http://schemas.openxmlformats.org/drawingml/2006/compatibility" xmlns:p14="http://schemas.microsoft.com/office/powerpoint/2010/main" autoCompressPictures="0" embedTrueTypeFonts="1" strictFirstAndLastChars="0" saveSubsetFonts="1">
+<p:presentation xmlns:a="http://schemas.openxmlformats.org/drawingml/2006/main" xmlns:r="http://schemas.openxmlformats.org/officeDocument/2006/relationships" xmlns:p="http://schemas.openxmlformats.org/presentationml/2006/main" strictFirstAndLastChars="0" embedTrueTypeFonts="1" saveSubsetFonts="1" autoCompressPictures="0">
   <p:sldMasterIdLst>
-    <p:sldMasterId id="2147483659" r:id="rId3"/>
+    <p:sldMasterId id="2147483659" r:id="rId1"/>
   </p:sldMasterIdLst>
   <p:notesMasterIdLst>
-    <p:notesMasterId r:id="rId4"/>
+    <p:notesMasterId r:id="rId21"/>
   </p:notesMasterIdLst>
   <p:sldIdLst>
-    <p:sldId id="256" r:id="rId5"/>
-    <p:sldId id="257" r:id="rId6"/>
-    <p:sldId id="258" r:id="rId7"/>
-    <p:sldId id="259" r:id="rId8"/>
-    <p:sldId id="260" r:id="rId9"/>
-    <p:sldId id="261" r:id="rId10"/>
-    <p:sldId id="262" r:id="rId11"/>
-    <p:sldId id="263" r:id="rId12"/>
-    <p:sldId id="264" r:id="rId13"/>
-    <p:sldId id="265" r:id="rId14"/>
-    <p:sldId id="266" r:id="rId15"/>
-    <p:sldId id="267" r:id="rId16"/>
-    <p:sldId id="268" r:id="rId17"/>
-    <p:sldId id="269" r:id="rId18"/>
-    <p:sldId id="270" r:id="rId19"/>
-    <p:sldId id="271" r:id="rId20"/>
-    <p:sldId id="272" r:id="rId21"/>
+    <p:sldId id="256" r:id="rId2"/>
+    <p:sldId id="257" r:id="rId3"/>
+    <p:sldId id="258" r:id="rId4"/>
+    <p:sldId id="259" r:id="rId5"/>
+    <p:sldId id="260" r:id="rId6"/>
+    <p:sldId id="261" r:id="rId7"/>
+    <p:sldId id="262" r:id="rId8"/>
+    <p:sldId id="263" r:id="rId9"/>
+    <p:sldId id="264" r:id="rId10"/>
+    <p:sldId id="265" r:id="rId11"/>
+    <p:sldId id="266" r:id="rId12"/>
+    <p:sldId id="267" r:id="rId13"/>
+    <p:sldId id="268" r:id="rId14"/>
+    <p:sldId id="269" r:id="rId15"/>
+    <p:sldId id="270" r:id="rId16"/>
+    <p:sldId id="272" r:id="rId17"/>
+    <p:sldId id="275" r:id="rId18"/>
+    <p:sldId id="276" r:id="rId19"/>
+    <p:sldId id="274" r:id="rId20"/>
   </p:sldIdLst>
-  <p:sldSz cy="5143500" cx="9144000"/>
+  <p:sldSz cx="9144000" cy="5143500" type="screen16x9"/>
   <p:notesSz cx="6858000" cy="9144000"/>
   <p:embeddedFontLst>
     <p:embeddedFont>
-      <p:font typeface="Roboto"/>
+      <p:font typeface="Oswald" panose="020B0604020202020204" charset="0"/>
       <p:regular r:id="rId22"/>
       <p:bold r:id="rId23"/>
-      <p:italic r:id="rId24"/>
-      <p:boldItalic r:id="rId25"/>
     </p:embeddedFont>
     <p:embeddedFont>
-      <p:font typeface="Average"/>
-      <p:regular r:id="rId26"/>
+      <p:font typeface="Average" panose="020B0604020202020204" charset="0"/>
+      <p:regular r:id="rId24"/>
     </p:embeddedFont>
     <p:embeddedFont>
-      <p:font typeface="Oswald"/>
-      <p:regular r:id="rId27"/>
-      <p:bold r:id="rId28"/>
+      <p:font typeface="Roboto" panose="020B0604020202020204" charset="0"/>
+      <p:regular r:id="rId25"/>
+      <p:bold r:id="rId26"/>
+      <p:italic r:id="rId27"/>
+      <p:boldItalic r:id="rId28"/>
     </p:embeddedFont>
   </p:embeddedFontLst>
   <p:defaultTextStyle>
-    <a:defPPr lvl="0" marR="0" rtl="0" algn="l">
+    <a:defPPr marR="0" lvl="0" algn="l" rtl="0">
       <a:lnSpc>
         <a:spcPct val="100000"/>
       </a:lnSpc>
@@ -58,7 +60,7 @@
         <a:spcPts val="0"/>
       </a:spcAft>
     </a:defPPr>
-    <a:lvl1pPr lvl="0" marR="0" rtl="0" algn="l">
+    <a:lvl1pPr marR="0" lvl="0" algn="l" rtl="0">
       <a:lnSpc>
         <a:spcPct val="100000"/>
       </a:lnSpc>
@@ -69,7 +71,7 @@
         <a:spcPts val="0"/>
       </a:spcAft>
       <a:buNone/>
-      <a:defRPr b="0" i="0" sz="1400" u="none" cap="none" strike="noStrike">
+      <a:defRPr sz="1400" b="0" i="0" u="none" strike="noStrike" cap="none">
         <a:solidFill>
           <a:srgbClr val="000000"/>
         </a:solidFill>
@@ -79,7 +81,7 @@
         <a:sym typeface="Arial"/>
       </a:defRPr>
     </a:lvl1pPr>
-    <a:lvl2pPr lvl="1" marR="0" rtl="0" algn="l">
+    <a:lvl2pPr marR="0" lvl="1" algn="l" rtl="0">
       <a:lnSpc>
         <a:spcPct val="100000"/>
       </a:lnSpc>
@@ -90,7 +92,7 @@
         <a:spcPts val="0"/>
       </a:spcAft>
       <a:buNone/>
-      <a:defRPr b="0" i="0" sz="1400" u="none" cap="none" strike="noStrike">
+      <a:defRPr sz="1400" b="0" i="0" u="none" strike="noStrike" cap="none">
         <a:solidFill>
           <a:srgbClr val="000000"/>
         </a:solidFill>
@@ -100,7 +102,7 @@
         <a:sym typeface="Arial"/>
       </a:defRPr>
     </a:lvl2pPr>
-    <a:lvl3pPr lvl="2" marR="0" rtl="0" algn="l">
+    <a:lvl3pPr marR="0" lvl="2" algn="l" rtl="0">
       <a:lnSpc>
         <a:spcPct val="100000"/>
       </a:lnSpc>
@@ -111,7 +113,7 @@
         <a:spcPts val="0"/>
       </a:spcAft>
       <a:buNone/>
-      <a:defRPr b="0" i="0" sz="1400" u="none" cap="none" strike="noStrike">
+      <a:defRPr sz="1400" b="0" i="0" u="none" strike="noStrike" cap="none">
         <a:solidFill>
           <a:srgbClr val="000000"/>
         </a:solidFill>
@@ -121,7 +123,7 @@
         <a:sym typeface="Arial"/>
       </a:defRPr>
     </a:lvl3pPr>
-    <a:lvl4pPr lvl="3" marR="0" rtl="0" algn="l">
+    <a:lvl4pPr marR="0" lvl="3" algn="l" rtl="0">
       <a:lnSpc>
         <a:spcPct val="100000"/>
       </a:lnSpc>
@@ -132,7 +134,7 @@
         <a:spcPts val="0"/>
       </a:spcAft>
       <a:buNone/>
-      <a:defRPr b="0" i="0" sz="1400" u="none" cap="none" strike="noStrike">
+      <a:defRPr sz="1400" b="0" i="0" u="none" strike="noStrike" cap="none">
         <a:solidFill>
           <a:srgbClr val="000000"/>
         </a:solidFill>
@@ -142,7 +144,7 @@
         <a:sym typeface="Arial"/>
       </a:defRPr>
     </a:lvl4pPr>
-    <a:lvl5pPr lvl="4" marR="0" rtl="0" algn="l">
+    <a:lvl5pPr marR="0" lvl="4" algn="l" rtl="0">
       <a:lnSpc>
         <a:spcPct val="100000"/>
       </a:lnSpc>
@@ -153,7 +155,7 @@
         <a:spcPts val="0"/>
       </a:spcAft>
       <a:buNone/>
-      <a:defRPr b="0" i="0" sz="1400" u="none" cap="none" strike="noStrike">
+      <a:defRPr sz="1400" b="0" i="0" u="none" strike="noStrike" cap="none">
         <a:solidFill>
           <a:srgbClr val="000000"/>
         </a:solidFill>
@@ -163,7 +165,7 @@
         <a:sym typeface="Arial"/>
       </a:defRPr>
     </a:lvl5pPr>
-    <a:lvl6pPr lvl="5" marR="0" rtl="0" algn="l">
+    <a:lvl6pPr marR="0" lvl="5" algn="l" rtl="0">
       <a:lnSpc>
         <a:spcPct val="100000"/>
       </a:lnSpc>
@@ -174,7 +176,7 @@
         <a:spcPts val="0"/>
       </a:spcAft>
       <a:buNone/>
-      <a:defRPr b="0" i="0" sz="1400" u="none" cap="none" strike="noStrike">
+      <a:defRPr sz="1400" b="0" i="0" u="none" strike="noStrike" cap="none">
         <a:solidFill>
           <a:srgbClr val="000000"/>
         </a:solidFill>
@@ -184,7 +186,7 @@
         <a:sym typeface="Arial"/>
       </a:defRPr>
     </a:lvl6pPr>
-    <a:lvl7pPr lvl="6" marR="0" rtl="0" algn="l">
+    <a:lvl7pPr marR="0" lvl="6" algn="l" rtl="0">
       <a:lnSpc>
         <a:spcPct val="100000"/>
       </a:lnSpc>
@@ -195,7 +197,7 @@
         <a:spcPts val="0"/>
       </a:spcAft>
       <a:buNone/>
-      <a:defRPr b="0" i="0" sz="1400" u="none" cap="none" strike="noStrike">
+      <a:defRPr sz="1400" b="0" i="0" u="none" strike="noStrike" cap="none">
         <a:solidFill>
           <a:srgbClr val="000000"/>
         </a:solidFill>
@@ -205,7 +207,7 @@
         <a:sym typeface="Arial"/>
       </a:defRPr>
     </a:lvl7pPr>
-    <a:lvl8pPr lvl="7" marR="0" rtl="0" algn="l">
+    <a:lvl8pPr marR="0" lvl="7" algn="l" rtl="0">
       <a:lnSpc>
         <a:spcPct val="100000"/>
       </a:lnSpc>
@@ -216,7 +218,7 @@
         <a:spcPts val="0"/>
       </a:spcAft>
       <a:buNone/>
-      <a:defRPr b="0" i="0" sz="1400" u="none" cap="none" strike="noStrike">
+      <a:defRPr sz="1400" b="0" i="0" u="none" strike="noStrike" cap="none">
         <a:solidFill>
           <a:srgbClr val="000000"/>
         </a:solidFill>
@@ -226,7 +228,7 @@
         <a:sym typeface="Arial"/>
       </a:defRPr>
     </a:lvl8pPr>
-    <a:lvl9pPr lvl="8" marR="0" rtl="0" algn="l">
+    <a:lvl9pPr marR="0" lvl="8" algn="l" rtl="0">
       <a:lnSpc>
         <a:spcPct val="100000"/>
       </a:lnSpc>
@@ -237,7 +239,7 @@
         <a:spcPts val="0"/>
       </a:spcAft>
       <a:buNone/>
-      <a:defRPr b="0" i="0" sz="1400" u="none" cap="none" strike="noStrike">
+      <a:defRPr sz="1400" b="0" i="0" u="none" strike="noStrike" cap="none">
         <a:solidFill>
           <a:srgbClr val="000000"/>
         </a:solidFill>
@@ -252,11 +254,16 @@
 </file>
 
 <file path=ppt/notesMasters/notesMaster1.xml><?xml version="1.0" encoding="utf-8"?>
-<p:notesMaster xmlns:a="http://schemas.openxmlformats.org/drawingml/2006/main" xmlns:r="http://schemas.openxmlformats.org/officeDocument/2006/relationships" xmlns:mc="http://schemas.openxmlformats.org/markup-compatibility/2006" xmlns:mv="urn:schemas-microsoft-com:mac:vml" xmlns:p="http://schemas.openxmlformats.org/presentationml/2006/main" xmlns:c="http://schemas.openxmlformats.org/drawingml/2006/chart" xmlns:dgm="http://schemas.openxmlformats.org/drawingml/2006/diagram" xmlns:o="urn:schemas-microsoft-com:office:office" xmlns:v="urn:schemas-microsoft-com:vml" xmlns:pvml="urn:schemas-microsoft-com:office:powerpoint" xmlns:com="http://schemas.openxmlformats.org/drawingml/2006/compatibility" xmlns:p14="http://schemas.microsoft.com/office/powerpoint/2010/main">
+<p:notesMaster xmlns:a="http://schemas.openxmlformats.org/drawingml/2006/main" xmlns:r="http://schemas.openxmlformats.org/officeDocument/2006/relationships" xmlns:p="http://schemas.openxmlformats.org/presentationml/2006/main">
   <p:cSld>
+    <p:bg>
+      <p:bgRef idx="1001">
+        <a:schemeClr val="bg1"/>
+      </p:bgRef>
+    </p:bg>
     <p:spTree>
       <p:nvGrpSpPr>
-        <p:cNvPr id="2" name="Shape 2"/>
+        <p:cNvPr id="1" name="Shape 2"/>
         <p:cNvGrpSpPr/>
         <p:nvPr/>
       </p:nvGrpSpPr>
@@ -271,9 +278,11 @@
       <p:sp>
         <p:nvSpPr>
           <p:cNvPr id="3" name="Shape 3"/>
-          <p:cNvSpPr/>
+          <p:cNvSpPr>
+            <a:spLocks noGrp="1" noRot="1" noChangeAspect="1"/>
+          </p:cNvSpPr>
           <p:nvPr>
-            <p:ph idx="2" type="sldImg"/>
+            <p:ph type="sldImg" idx="2"/>
           </p:nvPr>
         </p:nvSpPr>
         <p:spPr>
@@ -282,8 +291,13 @@
             <a:ext cx="6096075" cy="3429000"/>
           </a:xfrm>
           <a:custGeom>
+            <a:avLst/>
+            <a:gdLst/>
+            <a:ahLst/>
+            <a:cxnLst/>
+            <a:rect l="0" t="0" r="0" b="0"/>
             <a:pathLst>
-              <a:path extrusionOk="0" h="120000" w="120000">
+              <a:path w="120000" h="120000" extrusionOk="0">
                 <a:moveTo>
                   <a:pt x="0" y="0"/>
                 </a:moveTo>
@@ -301,23 +315,25 @@
             </a:pathLst>
           </a:custGeom>
           <a:noFill/>
-          <a:ln cap="flat" cmpd="sng" w="9525">
+          <a:ln w="9525" cap="flat" cmpd="sng">
             <a:solidFill>
               <a:srgbClr val="000000"/>
             </a:solidFill>
             <a:prstDash val="solid"/>
             <a:round/>
-            <a:headEnd len="med" w="med" type="none"/>
-            <a:tailEnd len="med" w="med" type="none"/>
+            <a:headEnd type="none" w="med" len="med"/>
+            <a:tailEnd type="none" w="med" len="med"/>
           </a:ln>
         </p:spPr>
       </p:sp>
       <p:sp>
         <p:nvSpPr>
           <p:cNvPr id="4" name="Shape 4"/>
-          <p:cNvSpPr txBox="1"/>
+          <p:cNvSpPr txBox="1">
+            <a:spLocks noGrp="1"/>
+          </p:cNvSpPr>
           <p:nvPr>
-            <p:ph idx="1" type="body"/>
+            <p:ph type="body" idx="1"/>
           </p:nvPr>
         </p:nvSpPr>
         <p:spPr>
@@ -334,7 +350,7 @@
           </a:ln>
         </p:spPr>
         <p:txBody>
-          <a:bodyPr anchorCtr="0" anchor="t" bIns="91425" lIns="91425" rIns="91425" tIns="91425"/>
+          <a:bodyPr lIns="91425" tIns="91425" rIns="91425" bIns="91425" anchor="t" anchorCtr="0"/>
           <a:lstStyle>
             <a:lvl1pPr lvl="0">
               <a:spcBef>
@@ -391,21 +407,115 @@
               <a:defRPr sz="1100"/>
             </a:lvl9pPr>
           </a:lstStyle>
-          <a:p/>
+          <a:p>
+            <a:endParaRPr/>
+          </a:p>
         </p:txBody>
       </p:sp>
     </p:spTree>
   </p:cSld>
-  <p:clrMap accent1="accent1" accent2="accent2" accent3="accent3" accent4="accent4" accent5="accent5" accent6="accent6" bg1="lt1" bg2="dk2" tx1="dk1" tx2="lt2" folHlink="folHlink" hlink="hlink"/>
+  <p:clrMap bg1="lt1" tx1="dk1" bg2="dk2" tx2="lt2" accent1="accent1" accent2="accent2" accent3="accent3" accent4="accent4" accent5="accent5" accent6="accent6" hlink="hlink" folHlink="folHlink"/>
+  <p:notesStyle>
+    <a:lvl1pPr marL="0" algn="l" defTabSz="914400" rtl="0" eaLnBrk="1" latinLnBrk="0" hangingPunct="1">
+      <a:defRPr sz="1200" kern="1200">
+        <a:solidFill>
+          <a:schemeClr val="tx1"/>
+        </a:solidFill>
+        <a:latin typeface="+mn-lt"/>
+        <a:ea typeface="+mn-ea"/>
+        <a:cs typeface="+mn-cs"/>
+      </a:defRPr>
+    </a:lvl1pPr>
+    <a:lvl2pPr marL="457200" algn="l" defTabSz="914400" rtl="0" eaLnBrk="1" latinLnBrk="0" hangingPunct="1">
+      <a:defRPr sz="1200" kern="1200">
+        <a:solidFill>
+          <a:schemeClr val="tx1"/>
+        </a:solidFill>
+        <a:latin typeface="+mn-lt"/>
+        <a:ea typeface="+mn-ea"/>
+        <a:cs typeface="+mn-cs"/>
+      </a:defRPr>
+    </a:lvl2pPr>
+    <a:lvl3pPr marL="914400" algn="l" defTabSz="914400" rtl="0" eaLnBrk="1" latinLnBrk="0" hangingPunct="1">
+      <a:defRPr sz="1200" kern="1200">
+        <a:solidFill>
+          <a:schemeClr val="tx1"/>
+        </a:solidFill>
+        <a:latin typeface="+mn-lt"/>
+        <a:ea typeface="+mn-ea"/>
+        <a:cs typeface="+mn-cs"/>
+      </a:defRPr>
+    </a:lvl3pPr>
+    <a:lvl4pPr marL="1371600" algn="l" defTabSz="914400" rtl="0" eaLnBrk="1" latinLnBrk="0" hangingPunct="1">
+      <a:defRPr sz="1200" kern="1200">
+        <a:solidFill>
+          <a:schemeClr val="tx1"/>
+        </a:solidFill>
+        <a:latin typeface="+mn-lt"/>
+        <a:ea typeface="+mn-ea"/>
+        <a:cs typeface="+mn-cs"/>
+      </a:defRPr>
+    </a:lvl4pPr>
+    <a:lvl5pPr marL="1828800" algn="l" defTabSz="914400" rtl="0" eaLnBrk="1" latinLnBrk="0" hangingPunct="1">
+      <a:defRPr sz="1200" kern="1200">
+        <a:solidFill>
+          <a:schemeClr val="tx1"/>
+        </a:solidFill>
+        <a:latin typeface="+mn-lt"/>
+        <a:ea typeface="+mn-ea"/>
+        <a:cs typeface="+mn-cs"/>
+      </a:defRPr>
+    </a:lvl5pPr>
+    <a:lvl6pPr marL="2286000" algn="l" defTabSz="914400" rtl="0" eaLnBrk="1" latinLnBrk="0" hangingPunct="1">
+      <a:defRPr sz="1200" kern="1200">
+        <a:solidFill>
+          <a:schemeClr val="tx1"/>
+        </a:solidFill>
+        <a:latin typeface="+mn-lt"/>
+        <a:ea typeface="+mn-ea"/>
+        <a:cs typeface="+mn-cs"/>
+      </a:defRPr>
+    </a:lvl6pPr>
+    <a:lvl7pPr marL="2743200" algn="l" defTabSz="914400" rtl="0" eaLnBrk="1" latinLnBrk="0" hangingPunct="1">
+      <a:defRPr sz="1200" kern="1200">
+        <a:solidFill>
+          <a:schemeClr val="tx1"/>
+        </a:solidFill>
+        <a:latin typeface="+mn-lt"/>
+        <a:ea typeface="+mn-ea"/>
+        <a:cs typeface="+mn-cs"/>
+      </a:defRPr>
+    </a:lvl7pPr>
+    <a:lvl8pPr marL="3200400" algn="l" defTabSz="914400" rtl="0" eaLnBrk="1" latinLnBrk="0" hangingPunct="1">
+      <a:defRPr sz="1200" kern="1200">
+        <a:solidFill>
+          <a:schemeClr val="tx1"/>
+        </a:solidFill>
+        <a:latin typeface="+mn-lt"/>
+        <a:ea typeface="+mn-ea"/>
+        <a:cs typeface="+mn-cs"/>
+      </a:defRPr>
+    </a:lvl8pPr>
+    <a:lvl9pPr marL="3657600" algn="l" defTabSz="914400" rtl="0" eaLnBrk="1" latinLnBrk="0" hangingPunct="1">
+      <a:defRPr sz="1200" kern="1200">
+        <a:solidFill>
+          <a:schemeClr val="tx1"/>
+        </a:solidFill>
+        <a:latin typeface="+mn-lt"/>
+        <a:ea typeface="+mn-ea"/>
+        <a:cs typeface="+mn-cs"/>
+      </a:defRPr>
+    </a:lvl9pPr>
+  </p:notesStyle>
 </p:notesMaster>
 </file>
 
 <file path=ppt/notesSlides/notesSlide1.xml><?xml version="1.0" encoding="utf-8"?>
-<p:notes xmlns:a="http://schemas.openxmlformats.org/drawingml/2006/main" xmlns:r="http://schemas.openxmlformats.org/officeDocument/2006/relationships" xmlns:mc="http://schemas.openxmlformats.org/markup-compatibility/2006" xmlns:mv="urn:schemas-microsoft-com:mac:vml" xmlns:p="http://schemas.openxmlformats.org/presentationml/2006/main" xmlns:c="http://schemas.openxmlformats.org/drawingml/2006/chart" xmlns:dgm="http://schemas.openxmlformats.org/drawingml/2006/diagram" xmlns:o="urn:schemas-microsoft-com:office:office" xmlns:v="urn:schemas-microsoft-com:vml" xmlns:pvml="urn:schemas-microsoft-com:office:powerpoint" xmlns:com="http://schemas.openxmlformats.org/drawingml/2006/compatibility" xmlns:p14="http://schemas.microsoft.com/office/powerpoint/2010/main" showMasterPhAnim="0" showMasterSp="0">
+<p:notes xmlns:a="http://schemas.openxmlformats.org/drawingml/2006/main" xmlns:r="http://schemas.openxmlformats.org/officeDocument/2006/relationships" xmlns:p="http://schemas.openxmlformats.org/presentationml/2006/main" showMasterSp="0" showMasterPhAnim="0">
   <p:cSld>
     <p:spTree>
       <p:nvGrpSpPr>
-        <p:cNvPr id="55" name="Shape 55"/>
+        <p:cNvPr id="1" name="Shape 55"/>
         <p:cNvGrpSpPr/>
         <p:nvPr/>
       </p:nvGrpSpPr>
@@ -420,19 +530,26 @@
       <p:sp>
         <p:nvSpPr>
           <p:cNvPr id="56" name="Shape 56"/>
-          <p:cNvSpPr/>
+          <p:cNvSpPr>
+            <a:spLocks noGrp="1" noRot="1" noChangeAspect="1"/>
+          </p:cNvSpPr>
           <p:nvPr>
-            <p:ph idx="2" type="sldImg"/>
+            <p:ph type="sldImg" idx="2"/>
           </p:nvPr>
         </p:nvSpPr>
         <p:spPr>
           <a:xfrm>
-            <a:off x="381187" y="685800"/>
-            <a:ext cx="6096299" cy="3429000"/>
+            <a:off x="381000" y="685800"/>
+            <a:ext cx="6096000" cy="3429000"/>
           </a:xfrm>
           <a:custGeom>
+            <a:avLst/>
+            <a:gdLst/>
+            <a:ahLst/>
+            <a:cxnLst/>
+            <a:rect l="0" t="0" r="0" b="0"/>
             <a:pathLst>
-              <a:path extrusionOk="0" h="120000" w="120000">
+              <a:path w="120000" h="120000" extrusionOk="0">
                 <a:moveTo>
                   <a:pt x="0" y="0"/>
                 </a:moveTo>
@@ -454,9 +571,11 @@
       <p:sp>
         <p:nvSpPr>
           <p:cNvPr id="57" name="Shape 57"/>
-          <p:cNvSpPr txBox="1"/>
+          <p:cNvSpPr txBox="1">
+            <a:spLocks noGrp="1"/>
+          </p:cNvSpPr>
           <p:nvPr>
-            <p:ph idx="1" type="body"/>
+            <p:ph type="body" idx="1"/>
           </p:nvPr>
         </p:nvSpPr>
         <p:spPr>
@@ -469,7 +588,7 @@
           </a:prstGeom>
         </p:spPr>
         <p:txBody>
-          <a:bodyPr anchorCtr="0" anchor="t" bIns="91425" lIns="91425" rIns="91425" tIns="91425">
+          <a:bodyPr lIns="91425" tIns="91425" rIns="91425" bIns="91425" anchor="t" anchorCtr="0">
             <a:noAutofit/>
           </a:bodyPr>
           <a:lstStyle/>
@@ -480,9 +599,6 @@
               </a:spcBef>
               <a:buNone/>
             </a:pPr>
-            <a:r>
-              <a:t/>
-            </a:r>
             <a:endParaRPr/>
           </a:p>
         </p:txBody>
@@ -496,11 +612,11 @@
 </file>
 
 <file path=ppt/notesSlides/notesSlide10.xml><?xml version="1.0" encoding="utf-8"?>
-<p:notes xmlns:a="http://schemas.openxmlformats.org/drawingml/2006/main" xmlns:r="http://schemas.openxmlformats.org/officeDocument/2006/relationships" xmlns:mc="http://schemas.openxmlformats.org/markup-compatibility/2006" xmlns:mv="urn:schemas-microsoft-com:mac:vml" xmlns:p="http://schemas.openxmlformats.org/presentationml/2006/main" xmlns:c="http://schemas.openxmlformats.org/drawingml/2006/chart" xmlns:dgm="http://schemas.openxmlformats.org/drawingml/2006/diagram" xmlns:o="urn:schemas-microsoft-com:office:office" xmlns:v="urn:schemas-microsoft-com:vml" xmlns:pvml="urn:schemas-microsoft-com:office:powerpoint" xmlns:com="http://schemas.openxmlformats.org/drawingml/2006/compatibility" xmlns:p14="http://schemas.microsoft.com/office/powerpoint/2010/main" showMasterPhAnim="0" showMasterSp="0">
+<p:notes xmlns:a="http://schemas.openxmlformats.org/drawingml/2006/main" xmlns:r="http://schemas.openxmlformats.org/officeDocument/2006/relationships" xmlns:p="http://schemas.openxmlformats.org/presentationml/2006/main" showMasterSp="0" showMasterPhAnim="0">
   <p:cSld>
     <p:spTree>
       <p:nvGrpSpPr>
-        <p:cNvPr id="142" name="Shape 142"/>
+        <p:cNvPr id="1" name="Shape 142"/>
         <p:cNvGrpSpPr/>
         <p:nvPr/>
       </p:nvGrpSpPr>
@@ -515,19 +631,26 @@
       <p:sp>
         <p:nvSpPr>
           <p:cNvPr id="143" name="Shape 143"/>
-          <p:cNvSpPr/>
+          <p:cNvSpPr>
+            <a:spLocks noGrp="1" noRot="1" noChangeAspect="1"/>
+          </p:cNvSpPr>
           <p:nvPr>
-            <p:ph idx="2" type="sldImg"/>
+            <p:ph type="sldImg" idx="2"/>
           </p:nvPr>
         </p:nvSpPr>
         <p:spPr>
           <a:xfrm>
-            <a:off x="381187" y="685800"/>
-            <a:ext cx="6096299" cy="3429000"/>
+            <a:off x="381000" y="685800"/>
+            <a:ext cx="6096000" cy="3429000"/>
           </a:xfrm>
           <a:custGeom>
+            <a:avLst/>
+            <a:gdLst/>
+            <a:ahLst/>
+            <a:cxnLst/>
+            <a:rect l="0" t="0" r="0" b="0"/>
             <a:pathLst>
-              <a:path extrusionOk="0" h="120000" w="120000">
+              <a:path w="120000" h="120000" extrusionOk="0">
                 <a:moveTo>
                   <a:pt x="0" y="0"/>
                 </a:moveTo>
@@ -549,9 +672,11 @@
       <p:sp>
         <p:nvSpPr>
           <p:cNvPr id="144" name="Shape 144"/>
-          <p:cNvSpPr txBox="1"/>
+          <p:cNvSpPr txBox="1">
+            <a:spLocks noGrp="1"/>
+          </p:cNvSpPr>
           <p:nvPr>
-            <p:ph idx="1" type="body"/>
+            <p:ph type="body" idx="1"/>
           </p:nvPr>
         </p:nvSpPr>
         <p:spPr>
@@ -564,7 +689,7 @@
           </a:prstGeom>
         </p:spPr>
         <p:txBody>
-          <a:bodyPr anchorCtr="0" anchor="t" bIns="91425" lIns="91425" rIns="91425" tIns="91425">
+          <a:bodyPr lIns="91425" tIns="91425" rIns="91425" bIns="91425" anchor="t" anchorCtr="0">
             <a:noAutofit/>
           </a:bodyPr>
           <a:lstStyle/>
@@ -575,9 +700,6 @@
               </a:spcBef>
               <a:buNone/>
             </a:pPr>
-            <a:r>
-              <a:t/>
-            </a:r>
             <a:endParaRPr/>
           </a:p>
         </p:txBody>
@@ -591,11 +713,11 @@
 </file>
 
 <file path=ppt/notesSlides/notesSlide11.xml><?xml version="1.0" encoding="utf-8"?>
-<p:notes xmlns:a="http://schemas.openxmlformats.org/drawingml/2006/main" xmlns:r="http://schemas.openxmlformats.org/officeDocument/2006/relationships" xmlns:mc="http://schemas.openxmlformats.org/markup-compatibility/2006" xmlns:mv="urn:schemas-microsoft-com:mac:vml" xmlns:p="http://schemas.openxmlformats.org/presentationml/2006/main" xmlns:c="http://schemas.openxmlformats.org/drawingml/2006/chart" xmlns:dgm="http://schemas.openxmlformats.org/drawingml/2006/diagram" xmlns:o="urn:schemas-microsoft-com:office:office" xmlns:v="urn:schemas-microsoft-com:vml" xmlns:pvml="urn:schemas-microsoft-com:office:powerpoint" xmlns:com="http://schemas.openxmlformats.org/drawingml/2006/compatibility" xmlns:p14="http://schemas.microsoft.com/office/powerpoint/2010/main" showMasterPhAnim="0" showMasterSp="0">
+<p:notes xmlns:a="http://schemas.openxmlformats.org/drawingml/2006/main" xmlns:r="http://schemas.openxmlformats.org/officeDocument/2006/relationships" xmlns:p="http://schemas.openxmlformats.org/presentationml/2006/main" showMasterSp="0" showMasterPhAnim="0">
   <p:cSld>
     <p:spTree>
       <p:nvGrpSpPr>
-        <p:cNvPr id="165" name="Shape 165"/>
+        <p:cNvPr id="1" name="Shape 165"/>
         <p:cNvGrpSpPr/>
         <p:nvPr/>
       </p:nvGrpSpPr>
@@ -610,19 +732,26 @@
       <p:sp>
         <p:nvSpPr>
           <p:cNvPr id="166" name="Shape 166"/>
-          <p:cNvSpPr/>
+          <p:cNvSpPr>
+            <a:spLocks noGrp="1" noRot="1" noChangeAspect="1"/>
+          </p:cNvSpPr>
           <p:nvPr>
-            <p:ph idx="2" type="sldImg"/>
+            <p:ph type="sldImg" idx="2"/>
           </p:nvPr>
         </p:nvSpPr>
         <p:spPr>
           <a:xfrm>
-            <a:off x="381187" y="685800"/>
-            <a:ext cx="6096299" cy="3429000"/>
+            <a:off x="381000" y="685800"/>
+            <a:ext cx="6096000" cy="3429000"/>
           </a:xfrm>
           <a:custGeom>
+            <a:avLst/>
+            <a:gdLst/>
+            <a:ahLst/>
+            <a:cxnLst/>
+            <a:rect l="0" t="0" r="0" b="0"/>
             <a:pathLst>
-              <a:path extrusionOk="0" h="120000" w="120000">
+              <a:path w="120000" h="120000" extrusionOk="0">
                 <a:moveTo>
                   <a:pt x="0" y="0"/>
                 </a:moveTo>
@@ -644,9 +773,11 @@
       <p:sp>
         <p:nvSpPr>
           <p:cNvPr id="167" name="Shape 167"/>
-          <p:cNvSpPr txBox="1"/>
+          <p:cNvSpPr txBox="1">
+            <a:spLocks noGrp="1"/>
+          </p:cNvSpPr>
           <p:nvPr>
-            <p:ph idx="1" type="body"/>
+            <p:ph type="body" idx="1"/>
           </p:nvPr>
         </p:nvSpPr>
         <p:spPr>
@@ -659,7 +790,7 @@
           </a:prstGeom>
         </p:spPr>
         <p:txBody>
-          <a:bodyPr anchorCtr="0" anchor="t" bIns="91425" lIns="91425" rIns="91425" tIns="91425">
+          <a:bodyPr lIns="91425" tIns="91425" rIns="91425" bIns="91425" anchor="t" anchorCtr="0">
             <a:noAutofit/>
           </a:bodyPr>
           <a:lstStyle/>
@@ -670,9 +801,6 @@
               </a:spcBef>
               <a:buNone/>
             </a:pPr>
-            <a:r>
-              <a:t/>
-            </a:r>
             <a:endParaRPr/>
           </a:p>
         </p:txBody>
@@ -686,11 +814,11 @@
 </file>
 
 <file path=ppt/notesSlides/notesSlide12.xml><?xml version="1.0" encoding="utf-8"?>
-<p:notes xmlns:a="http://schemas.openxmlformats.org/drawingml/2006/main" xmlns:r="http://schemas.openxmlformats.org/officeDocument/2006/relationships" xmlns:mc="http://schemas.openxmlformats.org/markup-compatibility/2006" xmlns:mv="urn:schemas-microsoft-com:mac:vml" xmlns:p="http://schemas.openxmlformats.org/presentationml/2006/main" xmlns:c="http://schemas.openxmlformats.org/drawingml/2006/chart" xmlns:dgm="http://schemas.openxmlformats.org/drawingml/2006/diagram" xmlns:o="urn:schemas-microsoft-com:office:office" xmlns:v="urn:schemas-microsoft-com:vml" xmlns:pvml="urn:schemas-microsoft-com:office:powerpoint" xmlns:com="http://schemas.openxmlformats.org/drawingml/2006/compatibility" xmlns:p14="http://schemas.microsoft.com/office/powerpoint/2010/main" showMasterPhAnim="0" showMasterSp="0">
+<p:notes xmlns:a="http://schemas.openxmlformats.org/drawingml/2006/main" xmlns:r="http://schemas.openxmlformats.org/officeDocument/2006/relationships" xmlns:p="http://schemas.openxmlformats.org/presentationml/2006/main" showMasterSp="0" showMasterPhAnim="0">
   <p:cSld>
     <p:spTree>
       <p:nvGrpSpPr>
-        <p:cNvPr id="171" name="Shape 171"/>
+        <p:cNvPr id="1" name="Shape 171"/>
         <p:cNvGrpSpPr/>
         <p:nvPr/>
       </p:nvGrpSpPr>
@@ -705,19 +833,26 @@
       <p:sp>
         <p:nvSpPr>
           <p:cNvPr id="172" name="Shape 172"/>
-          <p:cNvSpPr/>
+          <p:cNvSpPr>
+            <a:spLocks noGrp="1" noRot="1" noChangeAspect="1"/>
+          </p:cNvSpPr>
           <p:nvPr>
-            <p:ph idx="2" type="sldImg"/>
+            <p:ph type="sldImg" idx="2"/>
           </p:nvPr>
         </p:nvSpPr>
         <p:spPr>
           <a:xfrm>
-            <a:off x="381187" y="685800"/>
-            <a:ext cx="6096299" cy="3429000"/>
+            <a:off x="381000" y="685800"/>
+            <a:ext cx="6096000" cy="3429000"/>
           </a:xfrm>
           <a:custGeom>
+            <a:avLst/>
+            <a:gdLst/>
+            <a:ahLst/>
+            <a:cxnLst/>
+            <a:rect l="0" t="0" r="0" b="0"/>
             <a:pathLst>
-              <a:path extrusionOk="0" h="120000" w="120000">
+              <a:path w="120000" h="120000" extrusionOk="0">
                 <a:moveTo>
                   <a:pt x="0" y="0"/>
                 </a:moveTo>
@@ -739,9 +874,11 @@
       <p:sp>
         <p:nvSpPr>
           <p:cNvPr id="173" name="Shape 173"/>
-          <p:cNvSpPr txBox="1"/>
+          <p:cNvSpPr txBox="1">
+            <a:spLocks noGrp="1"/>
+          </p:cNvSpPr>
           <p:nvPr>
-            <p:ph idx="1" type="body"/>
+            <p:ph type="body" idx="1"/>
           </p:nvPr>
         </p:nvSpPr>
         <p:spPr>
@@ -754,7 +891,7 @@
           </a:prstGeom>
         </p:spPr>
         <p:txBody>
-          <a:bodyPr anchorCtr="0" anchor="t" bIns="91425" lIns="91425" rIns="91425" tIns="91425">
+          <a:bodyPr lIns="91425" tIns="91425" rIns="91425" bIns="91425" anchor="t" anchorCtr="0">
             <a:noAutofit/>
           </a:bodyPr>
           <a:lstStyle/>
@@ -765,9 +902,6 @@
               </a:spcBef>
               <a:buNone/>
             </a:pPr>
-            <a:r>
-              <a:t/>
-            </a:r>
             <a:endParaRPr/>
           </a:p>
         </p:txBody>
@@ -781,11 +915,11 @@
 </file>
 
 <file path=ppt/notesSlides/notesSlide13.xml><?xml version="1.0" encoding="utf-8"?>
-<p:notes xmlns:a="http://schemas.openxmlformats.org/drawingml/2006/main" xmlns:r="http://schemas.openxmlformats.org/officeDocument/2006/relationships" xmlns:mc="http://schemas.openxmlformats.org/markup-compatibility/2006" xmlns:mv="urn:schemas-microsoft-com:mac:vml" xmlns:p="http://schemas.openxmlformats.org/presentationml/2006/main" xmlns:c="http://schemas.openxmlformats.org/drawingml/2006/chart" xmlns:dgm="http://schemas.openxmlformats.org/drawingml/2006/diagram" xmlns:o="urn:schemas-microsoft-com:office:office" xmlns:v="urn:schemas-microsoft-com:vml" xmlns:pvml="urn:schemas-microsoft-com:office:powerpoint" xmlns:com="http://schemas.openxmlformats.org/drawingml/2006/compatibility" xmlns:p14="http://schemas.microsoft.com/office/powerpoint/2010/main" showMasterPhAnim="0" showMasterSp="0">
+<p:notes xmlns:a="http://schemas.openxmlformats.org/drawingml/2006/main" xmlns:r="http://schemas.openxmlformats.org/officeDocument/2006/relationships" xmlns:p="http://schemas.openxmlformats.org/presentationml/2006/main" showMasterSp="0" showMasterPhAnim="0">
   <p:cSld>
     <p:spTree>
       <p:nvGrpSpPr>
-        <p:cNvPr id="198" name="Shape 198"/>
+        <p:cNvPr id="1" name="Shape 198"/>
         <p:cNvGrpSpPr/>
         <p:nvPr/>
       </p:nvGrpSpPr>
@@ -800,19 +934,26 @@
       <p:sp>
         <p:nvSpPr>
           <p:cNvPr id="199" name="Shape 199"/>
-          <p:cNvSpPr/>
+          <p:cNvSpPr>
+            <a:spLocks noGrp="1" noRot="1" noChangeAspect="1"/>
+          </p:cNvSpPr>
           <p:nvPr>
-            <p:ph idx="2" type="sldImg"/>
+            <p:ph type="sldImg" idx="2"/>
           </p:nvPr>
         </p:nvSpPr>
         <p:spPr>
           <a:xfrm>
-            <a:off x="381187" y="685800"/>
-            <a:ext cx="6096299" cy="3429000"/>
+            <a:off x="381000" y="685800"/>
+            <a:ext cx="6096000" cy="3429000"/>
           </a:xfrm>
           <a:custGeom>
+            <a:avLst/>
+            <a:gdLst/>
+            <a:ahLst/>
+            <a:cxnLst/>
+            <a:rect l="0" t="0" r="0" b="0"/>
             <a:pathLst>
-              <a:path extrusionOk="0" h="120000" w="120000">
+              <a:path w="120000" h="120000" extrusionOk="0">
                 <a:moveTo>
                   <a:pt x="0" y="0"/>
                 </a:moveTo>
@@ -834,9 +975,11 @@
       <p:sp>
         <p:nvSpPr>
           <p:cNvPr id="200" name="Shape 200"/>
-          <p:cNvSpPr txBox="1"/>
+          <p:cNvSpPr txBox="1">
+            <a:spLocks noGrp="1"/>
+          </p:cNvSpPr>
           <p:nvPr>
-            <p:ph idx="1" type="body"/>
+            <p:ph type="body" idx="1"/>
           </p:nvPr>
         </p:nvSpPr>
         <p:spPr>
@@ -849,7 +992,7 @@
           </a:prstGeom>
         </p:spPr>
         <p:txBody>
-          <a:bodyPr anchorCtr="0" anchor="t" bIns="91425" lIns="91425" rIns="91425" tIns="91425">
+          <a:bodyPr lIns="91425" tIns="91425" rIns="91425" bIns="91425" anchor="t" anchorCtr="0">
             <a:noAutofit/>
           </a:bodyPr>
           <a:lstStyle/>
@@ -860,9 +1003,6 @@
               </a:spcBef>
               <a:buNone/>
             </a:pPr>
-            <a:r>
-              <a:t/>
-            </a:r>
             <a:endParaRPr/>
           </a:p>
         </p:txBody>
@@ -876,11 +1016,11 @@
 </file>
 
 <file path=ppt/notesSlides/notesSlide14.xml><?xml version="1.0" encoding="utf-8"?>
-<p:notes xmlns:a="http://schemas.openxmlformats.org/drawingml/2006/main" xmlns:r="http://schemas.openxmlformats.org/officeDocument/2006/relationships" xmlns:mc="http://schemas.openxmlformats.org/markup-compatibility/2006" xmlns:mv="urn:schemas-microsoft-com:mac:vml" xmlns:p="http://schemas.openxmlformats.org/presentationml/2006/main" xmlns:c="http://schemas.openxmlformats.org/drawingml/2006/chart" xmlns:dgm="http://schemas.openxmlformats.org/drawingml/2006/diagram" xmlns:o="urn:schemas-microsoft-com:office:office" xmlns:v="urn:schemas-microsoft-com:vml" xmlns:pvml="urn:schemas-microsoft-com:office:powerpoint" xmlns:com="http://schemas.openxmlformats.org/drawingml/2006/compatibility" xmlns:p14="http://schemas.microsoft.com/office/powerpoint/2010/main" showMasterPhAnim="0" showMasterSp="0">
+<p:notes xmlns:a="http://schemas.openxmlformats.org/drawingml/2006/main" xmlns:r="http://schemas.openxmlformats.org/officeDocument/2006/relationships" xmlns:p="http://schemas.openxmlformats.org/presentationml/2006/main" showMasterSp="0" showMasterPhAnim="0">
   <p:cSld>
     <p:spTree>
       <p:nvGrpSpPr>
-        <p:cNvPr id="207" name="Shape 207"/>
+        <p:cNvPr id="1" name="Shape 207"/>
         <p:cNvGrpSpPr/>
         <p:nvPr/>
       </p:nvGrpSpPr>
@@ -895,19 +1035,26 @@
       <p:sp>
         <p:nvSpPr>
           <p:cNvPr id="208" name="Shape 208"/>
-          <p:cNvSpPr/>
+          <p:cNvSpPr>
+            <a:spLocks noGrp="1" noRot="1" noChangeAspect="1"/>
+          </p:cNvSpPr>
           <p:nvPr>
-            <p:ph idx="2" type="sldImg"/>
+            <p:ph type="sldImg" idx="2"/>
           </p:nvPr>
         </p:nvSpPr>
         <p:spPr>
           <a:xfrm>
-            <a:off x="381187" y="685800"/>
-            <a:ext cx="6096299" cy="3429000"/>
+            <a:off x="381000" y="685800"/>
+            <a:ext cx="6096000" cy="3429000"/>
           </a:xfrm>
           <a:custGeom>
+            <a:avLst/>
+            <a:gdLst/>
+            <a:ahLst/>
+            <a:cxnLst/>
+            <a:rect l="0" t="0" r="0" b="0"/>
             <a:pathLst>
-              <a:path extrusionOk="0" h="120000" w="120000">
+              <a:path w="120000" h="120000" extrusionOk="0">
                 <a:moveTo>
                   <a:pt x="0" y="0"/>
                 </a:moveTo>
@@ -929,9 +1076,11 @@
       <p:sp>
         <p:nvSpPr>
           <p:cNvPr id="209" name="Shape 209"/>
-          <p:cNvSpPr txBox="1"/>
+          <p:cNvSpPr txBox="1">
+            <a:spLocks noGrp="1"/>
+          </p:cNvSpPr>
           <p:nvPr>
-            <p:ph idx="1" type="body"/>
+            <p:ph type="body" idx="1"/>
           </p:nvPr>
         </p:nvSpPr>
         <p:spPr>
@@ -944,7 +1093,7 @@
           </a:prstGeom>
         </p:spPr>
         <p:txBody>
-          <a:bodyPr anchorCtr="0" anchor="t" bIns="91425" lIns="91425" rIns="91425" tIns="91425">
+          <a:bodyPr lIns="91425" tIns="91425" rIns="91425" bIns="91425" anchor="t" anchorCtr="0">
             <a:noAutofit/>
           </a:bodyPr>
           <a:lstStyle/>
@@ -955,9 +1104,6 @@
               </a:spcBef>
               <a:buNone/>
             </a:pPr>
-            <a:r>
-              <a:t/>
-            </a:r>
             <a:endParaRPr/>
           </a:p>
         </p:txBody>
@@ -971,11 +1117,11 @@
 </file>
 
 <file path=ppt/notesSlides/notesSlide15.xml><?xml version="1.0" encoding="utf-8"?>
-<p:notes xmlns:a="http://schemas.openxmlformats.org/drawingml/2006/main" xmlns:r="http://schemas.openxmlformats.org/officeDocument/2006/relationships" xmlns:mc="http://schemas.openxmlformats.org/markup-compatibility/2006" xmlns:mv="urn:schemas-microsoft-com:mac:vml" xmlns:p="http://schemas.openxmlformats.org/presentationml/2006/main" xmlns:c="http://schemas.openxmlformats.org/drawingml/2006/chart" xmlns:dgm="http://schemas.openxmlformats.org/drawingml/2006/diagram" xmlns:o="urn:schemas-microsoft-com:office:office" xmlns:v="urn:schemas-microsoft-com:vml" xmlns:pvml="urn:schemas-microsoft-com:office:powerpoint" xmlns:com="http://schemas.openxmlformats.org/drawingml/2006/compatibility" xmlns:p14="http://schemas.microsoft.com/office/powerpoint/2010/main" showMasterPhAnim="0" showMasterSp="0">
+<p:notes xmlns:a="http://schemas.openxmlformats.org/drawingml/2006/main" xmlns:r="http://schemas.openxmlformats.org/officeDocument/2006/relationships" xmlns:p="http://schemas.openxmlformats.org/presentationml/2006/main" showMasterSp="0" showMasterPhAnim="0">
   <p:cSld>
     <p:spTree>
       <p:nvGrpSpPr>
-        <p:cNvPr id="215" name="Shape 215"/>
+        <p:cNvPr id="1" name="Shape 215"/>
         <p:cNvGrpSpPr/>
         <p:nvPr/>
       </p:nvGrpSpPr>
@@ -990,19 +1136,26 @@
       <p:sp>
         <p:nvSpPr>
           <p:cNvPr id="216" name="Shape 216"/>
-          <p:cNvSpPr/>
+          <p:cNvSpPr>
+            <a:spLocks noGrp="1" noRot="1" noChangeAspect="1"/>
+          </p:cNvSpPr>
           <p:nvPr>
-            <p:ph idx="2" type="sldImg"/>
+            <p:ph type="sldImg" idx="2"/>
           </p:nvPr>
         </p:nvSpPr>
         <p:spPr>
           <a:xfrm>
-            <a:off x="381187" y="685800"/>
-            <a:ext cx="6096299" cy="3429000"/>
+            <a:off x="381000" y="685800"/>
+            <a:ext cx="6096000" cy="3429000"/>
           </a:xfrm>
           <a:custGeom>
+            <a:avLst/>
+            <a:gdLst/>
+            <a:ahLst/>
+            <a:cxnLst/>
+            <a:rect l="0" t="0" r="0" b="0"/>
             <a:pathLst>
-              <a:path extrusionOk="0" h="120000" w="120000">
+              <a:path w="120000" h="120000" extrusionOk="0">
                 <a:moveTo>
                   <a:pt x="0" y="0"/>
                 </a:moveTo>
@@ -1024,9 +1177,11 @@
       <p:sp>
         <p:nvSpPr>
           <p:cNvPr id="217" name="Shape 217"/>
-          <p:cNvSpPr txBox="1"/>
+          <p:cNvSpPr txBox="1">
+            <a:spLocks noGrp="1"/>
+          </p:cNvSpPr>
           <p:nvPr>
-            <p:ph idx="1" type="body"/>
+            <p:ph type="body" idx="1"/>
           </p:nvPr>
         </p:nvSpPr>
         <p:spPr>
@@ -1039,7 +1194,7 @@
           </a:prstGeom>
         </p:spPr>
         <p:txBody>
-          <a:bodyPr anchorCtr="0" anchor="t" bIns="91425" lIns="91425" rIns="91425" tIns="91425">
+          <a:bodyPr lIns="91425" tIns="91425" rIns="91425" bIns="91425" anchor="t" anchorCtr="0">
             <a:noAutofit/>
           </a:bodyPr>
           <a:lstStyle/>
@@ -1050,9 +1205,6 @@
               </a:spcBef>
               <a:buNone/>
             </a:pPr>
-            <a:r>
-              <a:t/>
-            </a:r>
             <a:endParaRPr/>
           </a:p>
         </p:txBody>
@@ -1066,11 +1218,11 @@
 </file>
 
 <file path=ppt/notesSlides/notesSlide16.xml><?xml version="1.0" encoding="utf-8"?>
-<p:notes xmlns:a="http://schemas.openxmlformats.org/drawingml/2006/main" xmlns:r="http://schemas.openxmlformats.org/officeDocument/2006/relationships" xmlns:mc="http://schemas.openxmlformats.org/markup-compatibility/2006" xmlns:mv="urn:schemas-microsoft-com:mac:vml" xmlns:p="http://schemas.openxmlformats.org/presentationml/2006/main" xmlns:c="http://schemas.openxmlformats.org/drawingml/2006/chart" xmlns:dgm="http://schemas.openxmlformats.org/drawingml/2006/diagram" xmlns:o="urn:schemas-microsoft-com:office:office" xmlns:v="urn:schemas-microsoft-com:vml" xmlns:pvml="urn:schemas-microsoft-com:office:powerpoint" xmlns:com="http://schemas.openxmlformats.org/drawingml/2006/compatibility" xmlns:p14="http://schemas.microsoft.com/office/powerpoint/2010/main" showMasterPhAnim="0" showMasterSp="0">
+<p:notes xmlns:a="http://schemas.openxmlformats.org/drawingml/2006/main" xmlns:r="http://schemas.openxmlformats.org/officeDocument/2006/relationships" xmlns:p="http://schemas.openxmlformats.org/presentationml/2006/main" showMasterSp="0" showMasterPhAnim="0">
   <p:cSld>
     <p:spTree>
       <p:nvGrpSpPr>
-        <p:cNvPr id="222" name="Shape 222"/>
+        <p:cNvPr id="1" name="Shape 228"/>
         <p:cNvGrpSpPr/>
         <p:nvPr/>
       </p:nvGrpSpPr>
@@ -1084,20 +1236,27 @@
       </p:grpSpPr>
       <p:sp>
         <p:nvSpPr>
-          <p:cNvPr id="223" name="Shape 223"/>
-          <p:cNvSpPr/>
+          <p:cNvPr id="229" name="Shape 229"/>
+          <p:cNvSpPr>
+            <a:spLocks noGrp="1" noRot="1" noChangeAspect="1"/>
+          </p:cNvSpPr>
           <p:nvPr>
-            <p:ph idx="2" type="sldImg"/>
+            <p:ph type="sldImg" idx="2"/>
           </p:nvPr>
         </p:nvSpPr>
         <p:spPr>
           <a:xfrm>
-            <a:off x="381300" y="685800"/>
+            <a:off x="381000" y="685800"/>
             <a:ext cx="6096000" cy="3429000"/>
           </a:xfrm>
           <a:custGeom>
+            <a:avLst/>
+            <a:gdLst/>
+            <a:ahLst/>
+            <a:cxnLst/>
+            <a:rect l="0" t="0" r="0" b="0"/>
             <a:pathLst>
-              <a:path extrusionOk="0" h="120000" w="120000">
+              <a:path w="120000" h="120000" extrusionOk="0">
                 <a:moveTo>
                   <a:pt x="0" y="0"/>
                 </a:moveTo>
@@ -1118,10 +1277,12 @@
       </p:sp>
       <p:sp>
         <p:nvSpPr>
-          <p:cNvPr id="224" name="Shape 224"/>
-          <p:cNvSpPr txBox="1"/>
+          <p:cNvPr id="230" name="Shape 230"/>
+          <p:cNvSpPr txBox="1">
+            <a:spLocks noGrp="1"/>
+          </p:cNvSpPr>
           <p:nvPr>
-            <p:ph idx="1" type="body"/>
+            <p:ph type="body" idx="1"/>
           </p:nvPr>
         </p:nvSpPr>
         <p:spPr>
@@ -1134,20 +1295,17 @@
           </a:prstGeom>
         </p:spPr>
         <p:txBody>
-          <a:bodyPr anchorCtr="0" anchor="t" bIns="91425" lIns="91425" rIns="91425" tIns="91425">
+          <a:bodyPr lIns="91425" tIns="91425" rIns="91425" bIns="91425" anchor="t" anchorCtr="0">
             <a:noAutofit/>
           </a:bodyPr>
           <a:lstStyle/>
           <a:p>
-            <a:pPr lvl="0">
-              <a:spcBef>
-                <a:spcPts val="0"/>
-              </a:spcBef>
-              <a:buNone/>
-            </a:pPr>
-            <a:r>
-              <a:t/>
-            </a:r>
+            <a:pPr lvl="0" rtl="0">
+              <a:spcBef>
+                <a:spcPts val="0"/>
+              </a:spcBef>
+              <a:buNone/>
+            </a:pPr>
             <a:endParaRPr/>
           </a:p>
         </p:txBody>
@@ -1161,11 +1319,11 @@
 </file>
 
 <file path=ppt/notesSlides/notesSlide17.xml><?xml version="1.0" encoding="utf-8"?>
-<p:notes xmlns:a="http://schemas.openxmlformats.org/drawingml/2006/main" xmlns:r="http://schemas.openxmlformats.org/officeDocument/2006/relationships" xmlns:mc="http://schemas.openxmlformats.org/markup-compatibility/2006" xmlns:mv="urn:schemas-microsoft-com:mac:vml" xmlns:p="http://schemas.openxmlformats.org/presentationml/2006/main" xmlns:c="http://schemas.openxmlformats.org/drawingml/2006/chart" xmlns:dgm="http://schemas.openxmlformats.org/drawingml/2006/diagram" xmlns:o="urn:schemas-microsoft-com:office:office" xmlns:v="urn:schemas-microsoft-com:vml" xmlns:pvml="urn:schemas-microsoft-com:office:powerpoint" xmlns:com="http://schemas.openxmlformats.org/drawingml/2006/compatibility" xmlns:p14="http://schemas.microsoft.com/office/powerpoint/2010/main" showMasterPhAnim="0" showMasterSp="0">
+<p:notes xmlns:a="http://schemas.openxmlformats.org/drawingml/2006/main" xmlns:r="http://schemas.openxmlformats.org/officeDocument/2006/relationships" xmlns:p="http://schemas.openxmlformats.org/presentationml/2006/main" showMasterSp="0" showMasterPhAnim="0">
   <p:cSld>
     <p:spTree>
       <p:nvGrpSpPr>
-        <p:cNvPr id="228" name="Shape 228"/>
+        <p:cNvPr id="1" name="Shape 172"/>
         <p:cNvGrpSpPr/>
         <p:nvPr/>
       </p:nvGrpSpPr>
@@ -1179,20 +1337,27 @@
       </p:grpSpPr>
       <p:sp>
         <p:nvSpPr>
-          <p:cNvPr id="229" name="Shape 229"/>
-          <p:cNvSpPr/>
+          <p:cNvPr id="173" name="Shape 173"/>
+          <p:cNvSpPr>
+            <a:spLocks noGrp="1" noRot="1" noChangeAspect="1"/>
+          </p:cNvSpPr>
           <p:nvPr>
-            <p:ph idx="2" type="sldImg"/>
+            <p:ph type="sldImg" idx="2"/>
           </p:nvPr>
         </p:nvSpPr>
         <p:spPr>
           <a:xfrm>
-            <a:off x="381300" y="685800"/>
-            <a:ext cx="6096000" cy="3429000"/>
+            <a:off x="381187" y="685800"/>
+            <a:ext cx="6096299" cy="3429000"/>
           </a:xfrm>
           <a:custGeom>
+            <a:avLst/>
+            <a:gdLst/>
+            <a:ahLst/>
+            <a:cxnLst/>
+            <a:rect l="0" t="0" r="0" b="0"/>
             <a:pathLst>
-              <a:path extrusionOk="0" h="120000" w="120000">
+              <a:path w="120000" h="120000" extrusionOk="0">
                 <a:moveTo>
                   <a:pt x="0" y="0"/>
                 </a:moveTo>
@@ -1213,10 +1378,12 @@
       </p:sp>
       <p:sp>
         <p:nvSpPr>
-          <p:cNvPr id="230" name="Shape 230"/>
-          <p:cNvSpPr txBox="1"/>
+          <p:cNvPr id="174" name="Shape 174"/>
+          <p:cNvSpPr txBox="1">
+            <a:spLocks noGrp="1"/>
+          </p:cNvSpPr>
           <p:nvPr>
-            <p:ph idx="1" type="body"/>
+            <p:ph type="body" idx="1"/>
           </p:nvPr>
         </p:nvSpPr>
         <p:spPr>
@@ -1229,7 +1396,7 @@
           </a:prstGeom>
         </p:spPr>
         <p:txBody>
-          <a:bodyPr anchorCtr="0" anchor="t" bIns="91425" lIns="91425" rIns="91425" tIns="91425">
+          <a:bodyPr lIns="91425" tIns="91425" rIns="91425" bIns="91425" anchor="t" anchorCtr="0">
             <a:noAutofit/>
           </a:bodyPr>
           <a:lstStyle/>
@@ -1240,14 +1407,16 @@
               </a:spcBef>
               <a:buNone/>
             </a:pPr>
-            <a:r>
-              <a:t/>
-            </a:r>
             <a:endParaRPr/>
           </a:p>
         </p:txBody>
       </p:sp>
     </p:spTree>
+    <p:extLst>
+      <p:ext uri="{BB962C8B-B14F-4D97-AF65-F5344CB8AC3E}">
+        <p14:creationId xmlns:p14="http://schemas.microsoft.com/office/powerpoint/2010/main" val="1696845311"/>
+      </p:ext>
+    </p:extLst>
   </p:cSld>
   <p:clrMapOvr>
     <a:masterClrMapping/>
@@ -1256,11 +1425,11 @@
 </file>
 
 <file path=ppt/notesSlides/notesSlide2.xml><?xml version="1.0" encoding="utf-8"?>
-<p:notes xmlns:a="http://schemas.openxmlformats.org/drawingml/2006/main" xmlns:r="http://schemas.openxmlformats.org/officeDocument/2006/relationships" xmlns:mc="http://schemas.openxmlformats.org/markup-compatibility/2006" xmlns:mv="urn:schemas-microsoft-com:mac:vml" xmlns:p="http://schemas.openxmlformats.org/presentationml/2006/main" xmlns:c="http://schemas.openxmlformats.org/drawingml/2006/chart" xmlns:dgm="http://schemas.openxmlformats.org/drawingml/2006/diagram" xmlns:o="urn:schemas-microsoft-com:office:office" xmlns:v="urn:schemas-microsoft-com:vml" xmlns:pvml="urn:schemas-microsoft-com:office:powerpoint" xmlns:com="http://schemas.openxmlformats.org/drawingml/2006/compatibility" xmlns:p14="http://schemas.microsoft.com/office/powerpoint/2010/main" showMasterPhAnim="0" showMasterSp="0">
+<p:notes xmlns:a="http://schemas.openxmlformats.org/drawingml/2006/main" xmlns:r="http://schemas.openxmlformats.org/officeDocument/2006/relationships" xmlns:p="http://schemas.openxmlformats.org/presentationml/2006/main" showMasterSp="0" showMasterPhAnim="0">
   <p:cSld>
     <p:spTree>
       <p:nvGrpSpPr>
-        <p:cNvPr id="63" name="Shape 63"/>
+        <p:cNvPr id="1" name="Shape 63"/>
         <p:cNvGrpSpPr/>
         <p:nvPr/>
       </p:nvGrpSpPr>
@@ -1275,19 +1444,26 @@
       <p:sp>
         <p:nvSpPr>
           <p:cNvPr id="64" name="Shape 64"/>
-          <p:cNvSpPr/>
+          <p:cNvSpPr>
+            <a:spLocks noGrp="1" noRot="1" noChangeAspect="1"/>
+          </p:cNvSpPr>
           <p:nvPr>
-            <p:ph idx="2" type="sldImg"/>
+            <p:ph type="sldImg" idx="2"/>
           </p:nvPr>
         </p:nvSpPr>
         <p:spPr>
           <a:xfrm>
-            <a:off x="381187" y="685800"/>
-            <a:ext cx="6096299" cy="3429000"/>
+            <a:off x="381000" y="685800"/>
+            <a:ext cx="6096000" cy="3429000"/>
           </a:xfrm>
           <a:custGeom>
+            <a:avLst/>
+            <a:gdLst/>
+            <a:ahLst/>
+            <a:cxnLst/>
+            <a:rect l="0" t="0" r="0" b="0"/>
             <a:pathLst>
-              <a:path extrusionOk="0" h="120000" w="120000">
+              <a:path w="120000" h="120000" extrusionOk="0">
                 <a:moveTo>
                   <a:pt x="0" y="0"/>
                 </a:moveTo>
@@ -1309,9 +1485,11 @@
       <p:sp>
         <p:nvSpPr>
           <p:cNvPr id="65" name="Shape 65"/>
-          <p:cNvSpPr txBox="1"/>
+          <p:cNvSpPr txBox="1">
+            <a:spLocks noGrp="1"/>
+          </p:cNvSpPr>
           <p:nvPr>
-            <p:ph idx="1" type="body"/>
+            <p:ph type="body" idx="1"/>
           </p:nvPr>
         </p:nvSpPr>
         <p:spPr>
@@ -1324,7 +1502,7 @@
           </a:prstGeom>
         </p:spPr>
         <p:txBody>
-          <a:bodyPr anchorCtr="0" anchor="t" bIns="91425" lIns="91425" rIns="91425" tIns="91425">
+          <a:bodyPr lIns="91425" tIns="91425" rIns="91425" bIns="91425" anchor="t" anchorCtr="0">
             <a:noAutofit/>
           </a:bodyPr>
           <a:lstStyle/>
@@ -1335,9 +1513,6 @@
               </a:spcBef>
               <a:buNone/>
             </a:pPr>
-            <a:r>
-              <a:t/>
-            </a:r>
             <a:endParaRPr/>
           </a:p>
         </p:txBody>
@@ -1351,11 +1526,11 @@
 </file>
 
 <file path=ppt/notesSlides/notesSlide3.xml><?xml version="1.0" encoding="utf-8"?>
-<p:notes xmlns:a="http://schemas.openxmlformats.org/drawingml/2006/main" xmlns:r="http://schemas.openxmlformats.org/officeDocument/2006/relationships" xmlns:mc="http://schemas.openxmlformats.org/markup-compatibility/2006" xmlns:mv="urn:schemas-microsoft-com:mac:vml" xmlns:p="http://schemas.openxmlformats.org/presentationml/2006/main" xmlns:c="http://schemas.openxmlformats.org/drawingml/2006/chart" xmlns:dgm="http://schemas.openxmlformats.org/drawingml/2006/diagram" xmlns:o="urn:schemas-microsoft-com:office:office" xmlns:v="urn:schemas-microsoft-com:vml" xmlns:pvml="urn:schemas-microsoft-com:office:powerpoint" xmlns:com="http://schemas.openxmlformats.org/drawingml/2006/compatibility" xmlns:p14="http://schemas.microsoft.com/office/powerpoint/2010/main" showMasterPhAnim="0" showMasterSp="0">
+<p:notes xmlns:a="http://schemas.openxmlformats.org/drawingml/2006/main" xmlns:r="http://schemas.openxmlformats.org/officeDocument/2006/relationships" xmlns:p="http://schemas.openxmlformats.org/presentationml/2006/main" showMasterSp="0" showMasterPhAnim="0">
   <p:cSld>
     <p:spTree>
       <p:nvGrpSpPr>
-        <p:cNvPr id="69" name="Shape 69"/>
+        <p:cNvPr id="1" name="Shape 69"/>
         <p:cNvGrpSpPr/>
         <p:nvPr/>
       </p:nvGrpSpPr>
@@ -1370,19 +1545,26 @@
       <p:sp>
         <p:nvSpPr>
           <p:cNvPr id="70" name="Shape 70"/>
-          <p:cNvSpPr/>
+          <p:cNvSpPr>
+            <a:spLocks noGrp="1" noRot="1" noChangeAspect="1"/>
+          </p:cNvSpPr>
           <p:nvPr>
-            <p:ph idx="2" type="sldImg"/>
+            <p:ph type="sldImg" idx="2"/>
           </p:nvPr>
         </p:nvSpPr>
         <p:spPr>
           <a:xfrm>
-            <a:off x="381187" y="685800"/>
-            <a:ext cx="6096299" cy="3429000"/>
+            <a:off x="381000" y="685800"/>
+            <a:ext cx="6096000" cy="3429000"/>
           </a:xfrm>
           <a:custGeom>
+            <a:avLst/>
+            <a:gdLst/>
+            <a:ahLst/>
+            <a:cxnLst/>
+            <a:rect l="0" t="0" r="0" b="0"/>
             <a:pathLst>
-              <a:path extrusionOk="0" h="120000" w="120000">
+              <a:path w="120000" h="120000" extrusionOk="0">
                 <a:moveTo>
                   <a:pt x="0" y="0"/>
                 </a:moveTo>
@@ -1404,9 +1586,11 @@
       <p:sp>
         <p:nvSpPr>
           <p:cNvPr id="71" name="Shape 71"/>
-          <p:cNvSpPr txBox="1"/>
+          <p:cNvSpPr txBox="1">
+            <a:spLocks noGrp="1"/>
+          </p:cNvSpPr>
           <p:nvPr>
-            <p:ph idx="1" type="body"/>
+            <p:ph type="body" idx="1"/>
           </p:nvPr>
         </p:nvSpPr>
         <p:spPr>
@@ -1419,7 +1603,7 @@
           </a:prstGeom>
         </p:spPr>
         <p:txBody>
-          <a:bodyPr anchorCtr="0" anchor="t" bIns="91425" lIns="91425" rIns="91425" tIns="91425">
+          <a:bodyPr lIns="91425" tIns="91425" rIns="91425" bIns="91425" anchor="t" anchorCtr="0">
             <a:noAutofit/>
           </a:bodyPr>
           <a:lstStyle/>
@@ -1430,9 +1614,6 @@
               </a:spcBef>
               <a:buNone/>
             </a:pPr>
-            <a:r>
-              <a:t/>
-            </a:r>
             <a:endParaRPr/>
           </a:p>
         </p:txBody>
@@ -1446,11 +1627,11 @@
 </file>
 
 <file path=ppt/notesSlides/notesSlide4.xml><?xml version="1.0" encoding="utf-8"?>
-<p:notes xmlns:a="http://schemas.openxmlformats.org/drawingml/2006/main" xmlns:r="http://schemas.openxmlformats.org/officeDocument/2006/relationships" xmlns:mc="http://schemas.openxmlformats.org/markup-compatibility/2006" xmlns:mv="urn:schemas-microsoft-com:mac:vml" xmlns:p="http://schemas.openxmlformats.org/presentationml/2006/main" xmlns:c="http://schemas.openxmlformats.org/drawingml/2006/chart" xmlns:dgm="http://schemas.openxmlformats.org/drawingml/2006/diagram" xmlns:o="urn:schemas-microsoft-com:office:office" xmlns:v="urn:schemas-microsoft-com:vml" xmlns:pvml="urn:schemas-microsoft-com:office:powerpoint" xmlns:com="http://schemas.openxmlformats.org/drawingml/2006/compatibility" xmlns:p14="http://schemas.microsoft.com/office/powerpoint/2010/main" showMasterPhAnim="0" showMasterSp="0">
+<p:notes xmlns:a="http://schemas.openxmlformats.org/drawingml/2006/main" xmlns:r="http://schemas.openxmlformats.org/officeDocument/2006/relationships" xmlns:p="http://schemas.openxmlformats.org/presentationml/2006/main" showMasterSp="0" showMasterPhAnim="0">
   <p:cSld>
     <p:spTree>
       <p:nvGrpSpPr>
-        <p:cNvPr id="75" name="Shape 75"/>
+        <p:cNvPr id="1" name="Shape 75"/>
         <p:cNvGrpSpPr/>
         <p:nvPr/>
       </p:nvGrpSpPr>
@@ -1465,19 +1646,26 @@
       <p:sp>
         <p:nvSpPr>
           <p:cNvPr id="76" name="Shape 76"/>
-          <p:cNvSpPr/>
+          <p:cNvSpPr>
+            <a:spLocks noGrp="1" noRot="1" noChangeAspect="1"/>
+          </p:cNvSpPr>
           <p:nvPr>
-            <p:ph idx="2" type="sldImg"/>
+            <p:ph type="sldImg" idx="2"/>
           </p:nvPr>
         </p:nvSpPr>
         <p:spPr>
           <a:xfrm>
-            <a:off x="381187" y="685800"/>
-            <a:ext cx="6096299" cy="3429000"/>
+            <a:off x="381000" y="685800"/>
+            <a:ext cx="6096000" cy="3429000"/>
           </a:xfrm>
           <a:custGeom>
+            <a:avLst/>
+            <a:gdLst/>
+            <a:ahLst/>
+            <a:cxnLst/>
+            <a:rect l="0" t="0" r="0" b="0"/>
             <a:pathLst>
-              <a:path extrusionOk="0" h="120000" w="120000">
+              <a:path w="120000" h="120000" extrusionOk="0">
                 <a:moveTo>
                   <a:pt x="0" y="0"/>
                 </a:moveTo>
@@ -1499,9 +1687,11 @@
       <p:sp>
         <p:nvSpPr>
           <p:cNvPr id="77" name="Shape 77"/>
-          <p:cNvSpPr txBox="1"/>
+          <p:cNvSpPr txBox="1">
+            <a:spLocks noGrp="1"/>
+          </p:cNvSpPr>
           <p:nvPr>
-            <p:ph idx="1" type="body"/>
+            <p:ph type="body" idx="1"/>
           </p:nvPr>
         </p:nvSpPr>
         <p:spPr>
@@ -1514,7 +1704,7 @@
           </a:prstGeom>
         </p:spPr>
         <p:txBody>
-          <a:bodyPr anchorCtr="0" anchor="t" bIns="91425" lIns="91425" rIns="91425" tIns="91425">
+          <a:bodyPr lIns="91425" tIns="91425" rIns="91425" bIns="91425" anchor="t" anchorCtr="0">
             <a:noAutofit/>
           </a:bodyPr>
           <a:lstStyle/>
@@ -1525,9 +1715,6 @@
               </a:spcBef>
               <a:buNone/>
             </a:pPr>
-            <a:r>
-              <a:t/>
-            </a:r>
             <a:endParaRPr/>
           </a:p>
         </p:txBody>
@@ -1541,11 +1728,11 @@
 </file>
 
 <file path=ppt/notesSlides/notesSlide5.xml><?xml version="1.0" encoding="utf-8"?>
-<p:notes xmlns:a="http://schemas.openxmlformats.org/drawingml/2006/main" xmlns:r="http://schemas.openxmlformats.org/officeDocument/2006/relationships" xmlns:mc="http://schemas.openxmlformats.org/markup-compatibility/2006" xmlns:mv="urn:schemas-microsoft-com:mac:vml" xmlns:p="http://schemas.openxmlformats.org/presentationml/2006/main" xmlns:c="http://schemas.openxmlformats.org/drawingml/2006/chart" xmlns:dgm="http://schemas.openxmlformats.org/drawingml/2006/diagram" xmlns:o="urn:schemas-microsoft-com:office:office" xmlns:v="urn:schemas-microsoft-com:vml" xmlns:pvml="urn:schemas-microsoft-com:office:powerpoint" xmlns:com="http://schemas.openxmlformats.org/drawingml/2006/compatibility" xmlns:p14="http://schemas.microsoft.com/office/powerpoint/2010/main" showMasterPhAnim="0" showMasterSp="0">
+<p:notes xmlns:a="http://schemas.openxmlformats.org/drawingml/2006/main" xmlns:r="http://schemas.openxmlformats.org/officeDocument/2006/relationships" xmlns:p="http://schemas.openxmlformats.org/presentationml/2006/main" showMasterSp="0" showMasterPhAnim="0">
   <p:cSld>
     <p:spTree>
       <p:nvGrpSpPr>
-        <p:cNvPr id="86" name="Shape 86"/>
+        <p:cNvPr id="1" name="Shape 86"/>
         <p:cNvGrpSpPr/>
         <p:nvPr/>
       </p:nvGrpSpPr>
@@ -1560,19 +1747,26 @@
       <p:sp>
         <p:nvSpPr>
           <p:cNvPr id="87" name="Shape 87"/>
-          <p:cNvSpPr/>
+          <p:cNvSpPr>
+            <a:spLocks noGrp="1" noRot="1" noChangeAspect="1"/>
+          </p:cNvSpPr>
           <p:nvPr>
-            <p:ph idx="2" type="sldImg"/>
+            <p:ph type="sldImg" idx="2"/>
           </p:nvPr>
         </p:nvSpPr>
         <p:spPr>
           <a:xfrm>
-            <a:off x="381187" y="685800"/>
-            <a:ext cx="6096299" cy="3429000"/>
+            <a:off x="381000" y="685800"/>
+            <a:ext cx="6096000" cy="3429000"/>
           </a:xfrm>
           <a:custGeom>
+            <a:avLst/>
+            <a:gdLst/>
+            <a:ahLst/>
+            <a:cxnLst/>
+            <a:rect l="0" t="0" r="0" b="0"/>
             <a:pathLst>
-              <a:path extrusionOk="0" h="120000" w="120000">
+              <a:path w="120000" h="120000" extrusionOk="0">
                 <a:moveTo>
                   <a:pt x="0" y="0"/>
                 </a:moveTo>
@@ -1594,9 +1788,11 @@
       <p:sp>
         <p:nvSpPr>
           <p:cNvPr id="88" name="Shape 88"/>
-          <p:cNvSpPr txBox="1"/>
+          <p:cNvSpPr txBox="1">
+            <a:spLocks noGrp="1"/>
+          </p:cNvSpPr>
           <p:nvPr>
-            <p:ph idx="1" type="body"/>
+            <p:ph type="body" idx="1"/>
           </p:nvPr>
         </p:nvSpPr>
         <p:spPr>
@@ -1609,7 +1805,7 @@
           </a:prstGeom>
         </p:spPr>
         <p:txBody>
-          <a:bodyPr anchorCtr="0" anchor="t" bIns="91425" lIns="91425" rIns="91425" tIns="91425">
+          <a:bodyPr lIns="91425" tIns="91425" rIns="91425" bIns="91425" anchor="t" anchorCtr="0">
             <a:noAutofit/>
           </a:bodyPr>
           <a:lstStyle/>
@@ -1620,9 +1816,6 @@
               </a:spcBef>
               <a:buNone/>
             </a:pPr>
-            <a:r>
-              <a:t/>
-            </a:r>
             <a:endParaRPr/>
           </a:p>
         </p:txBody>
@@ -1636,11 +1829,11 @@
 </file>
 
 <file path=ppt/notesSlides/notesSlide6.xml><?xml version="1.0" encoding="utf-8"?>
-<p:notes xmlns:a="http://schemas.openxmlformats.org/drawingml/2006/main" xmlns:r="http://schemas.openxmlformats.org/officeDocument/2006/relationships" xmlns:mc="http://schemas.openxmlformats.org/markup-compatibility/2006" xmlns:mv="urn:schemas-microsoft-com:mac:vml" xmlns:p="http://schemas.openxmlformats.org/presentationml/2006/main" xmlns:c="http://schemas.openxmlformats.org/drawingml/2006/chart" xmlns:dgm="http://schemas.openxmlformats.org/drawingml/2006/diagram" xmlns:o="urn:schemas-microsoft-com:office:office" xmlns:v="urn:schemas-microsoft-com:vml" xmlns:pvml="urn:schemas-microsoft-com:office:powerpoint" xmlns:com="http://schemas.openxmlformats.org/drawingml/2006/compatibility" xmlns:p14="http://schemas.microsoft.com/office/powerpoint/2010/main" showMasterPhAnim="0" showMasterSp="0">
+<p:notes xmlns:a="http://schemas.openxmlformats.org/drawingml/2006/main" xmlns:r="http://schemas.openxmlformats.org/officeDocument/2006/relationships" xmlns:p="http://schemas.openxmlformats.org/presentationml/2006/main" showMasterSp="0" showMasterPhAnim="0">
   <p:cSld>
     <p:spTree>
       <p:nvGrpSpPr>
-        <p:cNvPr id="97" name="Shape 97"/>
+        <p:cNvPr id="1" name="Shape 97"/>
         <p:cNvGrpSpPr/>
         <p:nvPr/>
       </p:nvGrpSpPr>
@@ -1655,19 +1848,26 @@
       <p:sp>
         <p:nvSpPr>
           <p:cNvPr id="98" name="Shape 98"/>
-          <p:cNvSpPr/>
+          <p:cNvSpPr>
+            <a:spLocks noGrp="1" noRot="1" noChangeAspect="1"/>
+          </p:cNvSpPr>
           <p:nvPr>
-            <p:ph idx="2" type="sldImg"/>
+            <p:ph type="sldImg" idx="2"/>
           </p:nvPr>
         </p:nvSpPr>
         <p:spPr>
           <a:xfrm>
-            <a:off x="381187" y="685800"/>
-            <a:ext cx="6096299" cy="3429000"/>
+            <a:off x="381000" y="685800"/>
+            <a:ext cx="6096000" cy="3429000"/>
           </a:xfrm>
           <a:custGeom>
+            <a:avLst/>
+            <a:gdLst/>
+            <a:ahLst/>
+            <a:cxnLst/>
+            <a:rect l="0" t="0" r="0" b="0"/>
             <a:pathLst>
-              <a:path extrusionOk="0" h="120000" w="120000">
+              <a:path w="120000" h="120000" extrusionOk="0">
                 <a:moveTo>
                   <a:pt x="0" y="0"/>
                 </a:moveTo>
@@ -1689,9 +1889,11 @@
       <p:sp>
         <p:nvSpPr>
           <p:cNvPr id="99" name="Shape 99"/>
-          <p:cNvSpPr txBox="1"/>
+          <p:cNvSpPr txBox="1">
+            <a:spLocks noGrp="1"/>
+          </p:cNvSpPr>
           <p:nvPr>
-            <p:ph idx="1" type="body"/>
+            <p:ph type="body" idx="1"/>
           </p:nvPr>
         </p:nvSpPr>
         <p:spPr>
@@ -1704,7 +1906,7 @@
           </a:prstGeom>
         </p:spPr>
         <p:txBody>
-          <a:bodyPr anchorCtr="0" anchor="t" bIns="91425" lIns="91425" rIns="91425" tIns="91425">
+          <a:bodyPr lIns="91425" tIns="91425" rIns="91425" bIns="91425" anchor="t" anchorCtr="0">
             <a:noAutofit/>
           </a:bodyPr>
           <a:lstStyle/>
@@ -1715,9 +1917,6 @@
               </a:spcBef>
               <a:buNone/>
             </a:pPr>
-            <a:r>
-              <a:t/>
-            </a:r>
             <a:endParaRPr/>
           </a:p>
         </p:txBody>
@@ -1731,11 +1930,11 @@
 </file>
 
 <file path=ppt/notesSlides/notesSlide7.xml><?xml version="1.0" encoding="utf-8"?>
-<p:notes xmlns:a="http://schemas.openxmlformats.org/drawingml/2006/main" xmlns:r="http://schemas.openxmlformats.org/officeDocument/2006/relationships" xmlns:mc="http://schemas.openxmlformats.org/markup-compatibility/2006" xmlns:mv="urn:schemas-microsoft-com:mac:vml" xmlns:p="http://schemas.openxmlformats.org/presentationml/2006/main" xmlns:c="http://schemas.openxmlformats.org/drawingml/2006/chart" xmlns:dgm="http://schemas.openxmlformats.org/drawingml/2006/diagram" xmlns:o="urn:schemas-microsoft-com:office:office" xmlns:v="urn:schemas-microsoft-com:vml" xmlns:pvml="urn:schemas-microsoft-com:office:powerpoint" xmlns:com="http://schemas.openxmlformats.org/drawingml/2006/compatibility" xmlns:p14="http://schemas.microsoft.com/office/powerpoint/2010/main" showMasterPhAnim="0" showMasterSp="0">
+<p:notes xmlns:a="http://schemas.openxmlformats.org/drawingml/2006/main" xmlns:r="http://schemas.openxmlformats.org/officeDocument/2006/relationships" xmlns:p="http://schemas.openxmlformats.org/presentationml/2006/main" showMasterSp="0" showMasterPhAnim="0">
   <p:cSld>
     <p:spTree>
       <p:nvGrpSpPr>
-        <p:cNvPr id="108" name="Shape 108"/>
+        <p:cNvPr id="1" name="Shape 108"/>
         <p:cNvGrpSpPr/>
         <p:nvPr/>
       </p:nvGrpSpPr>
@@ -1750,19 +1949,26 @@
       <p:sp>
         <p:nvSpPr>
           <p:cNvPr id="109" name="Shape 109"/>
-          <p:cNvSpPr/>
+          <p:cNvSpPr>
+            <a:spLocks noGrp="1" noRot="1" noChangeAspect="1"/>
+          </p:cNvSpPr>
           <p:nvPr>
-            <p:ph idx="2" type="sldImg"/>
+            <p:ph type="sldImg" idx="2"/>
           </p:nvPr>
         </p:nvSpPr>
         <p:spPr>
           <a:xfrm>
-            <a:off x="381187" y="685800"/>
-            <a:ext cx="6096299" cy="3429000"/>
+            <a:off x="381000" y="685800"/>
+            <a:ext cx="6096000" cy="3429000"/>
           </a:xfrm>
           <a:custGeom>
+            <a:avLst/>
+            <a:gdLst/>
+            <a:ahLst/>
+            <a:cxnLst/>
+            <a:rect l="0" t="0" r="0" b="0"/>
             <a:pathLst>
-              <a:path extrusionOk="0" h="120000" w="120000">
+              <a:path w="120000" h="120000" extrusionOk="0">
                 <a:moveTo>
                   <a:pt x="0" y="0"/>
                 </a:moveTo>
@@ -1784,9 +1990,11 @@
       <p:sp>
         <p:nvSpPr>
           <p:cNvPr id="110" name="Shape 110"/>
-          <p:cNvSpPr txBox="1"/>
+          <p:cNvSpPr txBox="1">
+            <a:spLocks noGrp="1"/>
+          </p:cNvSpPr>
           <p:nvPr>
-            <p:ph idx="1" type="body"/>
+            <p:ph type="body" idx="1"/>
           </p:nvPr>
         </p:nvSpPr>
         <p:spPr>
@@ -1799,7 +2007,7 @@
           </a:prstGeom>
         </p:spPr>
         <p:txBody>
-          <a:bodyPr anchorCtr="0" anchor="t" bIns="91425" lIns="91425" rIns="91425" tIns="91425">
+          <a:bodyPr lIns="91425" tIns="91425" rIns="91425" bIns="91425" anchor="t" anchorCtr="0">
             <a:noAutofit/>
           </a:bodyPr>
           <a:lstStyle/>
@@ -1810,9 +2018,6 @@
               </a:spcBef>
               <a:buNone/>
             </a:pPr>
-            <a:r>
-              <a:t/>
-            </a:r>
             <a:endParaRPr/>
           </a:p>
         </p:txBody>
@@ -1826,11 +2031,11 @@
 </file>
 
 <file path=ppt/notesSlides/notesSlide8.xml><?xml version="1.0" encoding="utf-8"?>
-<p:notes xmlns:a="http://schemas.openxmlformats.org/drawingml/2006/main" xmlns:r="http://schemas.openxmlformats.org/officeDocument/2006/relationships" xmlns:mc="http://schemas.openxmlformats.org/markup-compatibility/2006" xmlns:mv="urn:schemas-microsoft-com:mac:vml" xmlns:p="http://schemas.openxmlformats.org/presentationml/2006/main" xmlns:c="http://schemas.openxmlformats.org/drawingml/2006/chart" xmlns:dgm="http://schemas.openxmlformats.org/drawingml/2006/diagram" xmlns:o="urn:schemas-microsoft-com:office:office" xmlns:v="urn:schemas-microsoft-com:vml" xmlns:pvml="urn:schemas-microsoft-com:office:powerpoint" xmlns:com="http://schemas.openxmlformats.org/drawingml/2006/compatibility" xmlns:p14="http://schemas.microsoft.com/office/powerpoint/2010/main" showMasterPhAnim="0" showMasterSp="0">
+<p:notes xmlns:a="http://schemas.openxmlformats.org/drawingml/2006/main" xmlns:r="http://schemas.openxmlformats.org/officeDocument/2006/relationships" xmlns:p="http://schemas.openxmlformats.org/presentationml/2006/main" showMasterSp="0" showMasterPhAnim="0">
   <p:cSld>
     <p:spTree>
       <p:nvGrpSpPr>
-        <p:cNvPr id="114" name="Shape 114"/>
+        <p:cNvPr id="1" name="Shape 114"/>
         <p:cNvGrpSpPr/>
         <p:nvPr/>
       </p:nvGrpSpPr>
@@ -1845,19 +2050,26 @@
       <p:sp>
         <p:nvSpPr>
           <p:cNvPr id="115" name="Shape 115"/>
-          <p:cNvSpPr/>
+          <p:cNvSpPr>
+            <a:spLocks noGrp="1" noRot="1" noChangeAspect="1"/>
+          </p:cNvSpPr>
           <p:nvPr>
-            <p:ph idx="2" type="sldImg"/>
+            <p:ph type="sldImg" idx="2"/>
           </p:nvPr>
         </p:nvSpPr>
         <p:spPr>
           <a:xfrm>
-            <a:off x="381300" y="685800"/>
+            <a:off x="381000" y="685800"/>
             <a:ext cx="6096000" cy="3429000"/>
           </a:xfrm>
           <a:custGeom>
+            <a:avLst/>
+            <a:gdLst/>
+            <a:ahLst/>
+            <a:cxnLst/>
+            <a:rect l="0" t="0" r="0" b="0"/>
             <a:pathLst>
-              <a:path extrusionOk="0" h="120000" w="120000">
+              <a:path w="120000" h="120000" extrusionOk="0">
                 <a:moveTo>
                   <a:pt x="0" y="0"/>
                 </a:moveTo>
@@ -1879,9 +2091,11 @@
       <p:sp>
         <p:nvSpPr>
           <p:cNvPr id="116" name="Shape 116"/>
-          <p:cNvSpPr txBox="1"/>
+          <p:cNvSpPr txBox="1">
+            <a:spLocks noGrp="1"/>
+          </p:cNvSpPr>
           <p:nvPr>
-            <p:ph idx="1" type="body"/>
+            <p:ph type="body" idx="1"/>
           </p:nvPr>
         </p:nvSpPr>
         <p:spPr>
@@ -1894,7 +2108,7 @@
           </a:prstGeom>
         </p:spPr>
         <p:txBody>
-          <a:bodyPr anchorCtr="0" anchor="t" bIns="91425" lIns="91425" rIns="91425" tIns="91425">
+          <a:bodyPr lIns="91425" tIns="91425" rIns="91425" bIns="91425" anchor="t" anchorCtr="0">
             <a:noAutofit/>
           </a:bodyPr>
           <a:lstStyle/>
@@ -1905,9 +2119,6 @@
               </a:spcBef>
               <a:buNone/>
             </a:pPr>
-            <a:r>
-              <a:t/>
-            </a:r>
             <a:endParaRPr/>
           </a:p>
         </p:txBody>
@@ -1921,11 +2132,11 @@
 </file>
 
 <file path=ppt/notesSlides/notesSlide9.xml><?xml version="1.0" encoding="utf-8"?>
-<p:notes xmlns:a="http://schemas.openxmlformats.org/drawingml/2006/main" xmlns:r="http://schemas.openxmlformats.org/officeDocument/2006/relationships" xmlns:mc="http://schemas.openxmlformats.org/markup-compatibility/2006" xmlns:mv="urn:schemas-microsoft-com:mac:vml" xmlns:p="http://schemas.openxmlformats.org/presentationml/2006/main" xmlns:c="http://schemas.openxmlformats.org/drawingml/2006/chart" xmlns:dgm="http://schemas.openxmlformats.org/drawingml/2006/diagram" xmlns:o="urn:schemas-microsoft-com:office:office" xmlns:v="urn:schemas-microsoft-com:vml" xmlns:pvml="urn:schemas-microsoft-com:office:powerpoint" xmlns:com="http://schemas.openxmlformats.org/drawingml/2006/compatibility" xmlns:p14="http://schemas.microsoft.com/office/powerpoint/2010/main" showMasterPhAnim="0" showMasterSp="0">
+<p:notes xmlns:a="http://schemas.openxmlformats.org/drawingml/2006/main" xmlns:r="http://schemas.openxmlformats.org/officeDocument/2006/relationships" xmlns:p="http://schemas.openxmlformats.org/presentationml/2006/main" showMasterSp="0" showMasterPhAnim="0">
   <p:cSld>
     <p:spTree>
       <p:nvGrpSpPr>
-        <p:cNvPr id="136" name="Shape 136"/>
+        <p:cNvPr id="1" name="Shape 136"/>
         <p:cNvGrpSpPr/>
         <p:nvPr/>
       </p:nvGrpSpPr>
@@ -1940,19 +2151,26 @@
       <p:sp>
         <p:nvSpPr>
           <p:cNvPr id="137" name="Shape 137"/>
-          <p:cNvSpPr/>
+          <p:cNvSpPr>
+            <a:spLocks noGrp="1" noRot="1" noChangeAspect="1"/>
+          </p:cNvSpPr>
           <p:nvPr>
-            <p:ph idx="2" type="sldImg"/>
+            <p:ph type="sldImg" idx="2"/>
           </p:nvPr>
         </p:nvSpPr>
         <p:spPr>
           <a:xfrm>
-            <a:off x="381187" y="685800"/>
-            <a:ext cx="6096299" cy="3429000"/>
+            <a:off x="381000" y="685800"/>
+            <a:ext cx="6096000" cy="3429000"/>
           </a:xfrm>
           <a:custGeom>
+            <a:avLst/>
+            <a:gdLst/>
+            <a:ahLst/>
+            <a:cxnLst/>
+            <a:rect l="0" t="0" r="0" b="0"/>
             <a:pathLst>
-              <a:path extrusionOk="0" h="120000" w="120000">
+              <a:path w="120000" h="120000" extrusionOk="0">
                 <a:moveTo>
                   <a:pt x="0" y="0"/>
                 </a:moveTo>
@@ -1974,9 +2192,11 @@
       <p:sp>
         <p:nvSpPr>
           <p:cNvPr id="138" name="Shape 138"/>
-          <p:cNvSpPr txBox="1"/>
+          <p:cNvSpPr txBox="1">
+            <a:spLocks noGrp="1"/>
+          </p:cNvSpPr>
           <p:nvPr>
-            <p:ph idx="1" type="body"/>
+            <p:ph type="body" idx="1"/>
           </p:nvPr>
         </p:nvSpPr>
         <p:spPr>
@@ -1989,7 +2209,7 @@
           </a:prstGeom>
         </p:spPr>
         <p:txBody>
-          <a:bodyPr anchorCtr="0" anchor="t" bIns="91425" lIns="91425" rIns="91425" tIns="91425">
+          <a:bodyPr lIns="91425" tIns="91425" rIns="91425" bIns="91425" anchor="t" anchorCtr="0">
             <a:noAutofit/>
           </a:bodyPr>
           <a:lstStyle/>
@@ -2000,9 +2220,6 @@
               </a:spcBef>
               <a:buNone/>
             </a:pPr>
-            <a:r>
-              <a:t/>
-            </a:r>
             <a:endParaRPr/>
           </a:p>
         </p:txBody>
@@ -2016,11 +2233,11 @@
 </file>
 
 <file path=ppt/slideLayouts/slideLayout1.xml><?xml version="1.0" encoding="utf-8"?>
-<p:sldLayout xmlns:a="http://schemas.openxmlformats.org/drawingml/2006/main" xmlns:r="http://schemas.openxmlformats.org/officeDocument/2006/relationships" xmlns:mc="http://schemas.openxmlformats.org/markup-compatibility/2006" xmlns:mv="urn:schemas-microsoft-com:mac:vml" xmlns:p="http://schemas.openxmlformats.org/presentationml/2006/main" xmlns:c="http://schemas.openxmlformats.org/drawingml/2006/chart" xmlns:dgm="http://schemas.openxmlformats.org/drawingml/2006/diagram" xmlns:o="urn:schemas-microsoft-com:office:office" xmlns:v="urn:schemas-microsoft-com:vml" xmlns:pvml="urn:schemas-microsoft-com:office:powerpoint" xmlns:com="http://schemas.openxmlformats.org/drawingml/2006/compatibility" xmlns:p14="http://schemas.microsoft.com/office/powerpoint/2010/main" type="title">
+<p:sldLayout xmlns:a="http://schemas.openxmlformats.org/drawingml/2006/main" xmlns:r="http://schemas.openxmlformats.org/officeDocument/2006/relationships" xmlns:p="http://schemas.openxmlformats.org/presentationml/2006/main" type="title">
   <p:cSld name="Title slide">
     <p:spTree>
       <p:nvGrpSpPr>
-        <p:cNvPr id="9" name="Shape 9"/>
+        <p:cNvPr id="1" name="Shape 9"/>
         <p:cNvGrpSpPr/>
         <p:nvPr/>
       </p:nvGrpSpPr>
@@ -2068,7 +2285,7 @@
             </a:ln>
           </p:spPr>
           <p:txBody>
-            <a:bodyPr anchorCtr="0" anchor="ctr" bIns="91425" lIns="91425" rIns="91425" tIns="91425">
+            <a:bodyPr lIns="91425" tIns="91425" rIns="91425" bIns="91425" anchor="ctr" anchorCtr="0">
               <a:noAutofit/>
             </a:bodyPr>
             <a:lstStyle/>
@@ -2079,9 +2296,6 @@
                 </a:spcBef>
                 <a:buNone/>
               </a:pPr>
-              <a:r>
-                <a:t/>
-              </a:r>
               <a:endParaRPr/>
             </a:p>
           </p:txBody>
@@ -2108,7 +2322,7 @@
             </a:ln>
           </p:spPr>
           <p:txBody>
-            <a:bodyPr anchorCtr="0" anchor="ctr" bIns="91425" lIns="91425" rIns="91425" tIns="91425">
+            <a:bodyPr lIns="91425" tIns="91425" rIns="91425" bIns="91425" anchor="ctr" anchorCtr="0">
               <a:noAutofit/>
             </a:bodyPr>
             <a:lstStyle/>
@@ -2119,9 +2333,6 @@
                 </a:spcBef>
                 <a:buNone/>
               </a:pPr>
-              <a:r>
-                <a:t/>
-              </a:r>
               <a:endParaRPr/>
             </a:p>
           </p:txBody>
@@ -2148,7 +2359,7 @@
             </a:ln>
           </p:spPr>
           <p:txBody>
-            <a:bodyPr anchorCtr="0" anchor="ctr" bIns="91425" lIns="91425" rIns="91425" tIns="91425">
+            <a:bodyPr lIns="91425" tIns="91425" rIns="91425" bIns="91425" anchor="ctr" anchorCtr="0">
               <a:noAutofit/>
             </a:bodyPr>
             <a:lstStyle/>
@@ -2159,9 +2370,6 @@
                 </a:spcBef>
                 <a:buNone/>
               </a:pPr>
-              <a:r>
-                <a:t/>
-              </a:r>
               <a:endParaRPr/>
             </a:p>
           </p:txBody>
@@ -2170,7 +2378,9 @@
       <p:sp>
         <p:nvSpPr>
           <p:cNvPr id="14" name="Shape 14"/>
-          <p:cNvSpPr txBox="1"/>
+          <p:cNvSpPr txBox="1">
+            <a:spLocks noGrp="1"/>
+          </p:cNvSpPr>
           <p:nvPr>
             <p:ph type="ctrTitle"/>
           </p:nvPr>
@@ -2185,7 +2395,7 @@
           </a:prstGeom>
         </p:spPr>
         <p:txBody>
-          <a:bodyPr anchorCtr="0" anchor="b" bIns="91425" lIns="91425" rIns="91425" tIns="91425"/>
+          <a:bodyPr lIns="91425" tIns="91425" rIns="91425" bIns="91425" anchor="b" anchorCtr="0"/>
           <a:lstStyle>
             <a:lvl1pPr lvl="0" algn="ctr">
               <a:spcBef>
@@ -2251,15 +2461,19 @@
               <a:defRPr sz="4800"/>
             </a:lvl9pPr>
           </a:lstStyle>
-          <a:p/>
+          <a:p>
+            <a:endParaRPr/>
+          </a:p>
         </p:txBody>
       </p:sp>
       <p:sp>
         <p:nvSpPr>
           <p:cNvPr id="15" name="Shape 15"/>
-          <p:cNvSpPr txBox="1"/>
+          <p:cNvSpPr txBox="1">
+            <a:spLocks noGrp="1"/>
+          </p:cNvSpPr>
           <p:nvPr>
-            <p:ph idx="1" type="subTitle"/>
+            <p:ph type="subTitle" idx="1"/>
           </p:nvPr>
         </p:nvSpPr>
         <p:spPr>
@@ -2272,7 +2486,7 @@
           </a:prstGeom>
         </p:spPr>
         <p:txBody>
-          <a:bodyPr anchorCtr="0" anchor="t" bIns="91425" lIns="91425" rIns="91425" tIns="91425"/>
+          <a:bodyPr lIns="91425" tIns="91425" rIns="91425" bIns="91425" anchor="t" anchorCtr="0"/>
           <a:lstStyle>
             <a:lvl1pPr lvl="0" algn="ctr">
               <a:lnSpc>
@@ -2401,15 +2615,19 @@
               <a:defRPr sz="2100"/>
             </a:lvl9pPr>
           </a:lstStyle>
-          <a:p/>
+          <a:p>
+            <a:endParaRPr/>
+          </a:p>
         </p:txBody>
       </p:sp>
       <p:sp>
         <p:nvSpPr>
           <p:cNvPr id="16" name="Shape 16"/>
-          <p:cNvSpPr txBox="1"/>
+          <p:cNvSpPr txBox="1">
+            <a:spLocks noGrp="1"/>
+          </p:cNvSpPr>
           <p:nvPr>
-            <p:ph idx="12" type="sldNum"/>
+            <p:ph type="sldNum" idx="12"/>
           </p:nvPr>
         </p:nvSpPr>
         <p:spPr>
@@ -2422,7 +2640,7 @@
           </a:prstGeom>
         </p:spPr>
         <p:txBody>
-          <a:bodyPr anchorCtr="0" anchor="ctr" bIns="91425" lIns="91425" rIns="91425" tIns="91425">
+          <a:bodyPr lIns="91425" tIns="91425" rIns="91425" bIns="91425" anchor="ctr" anchorCtr="0">
             <a:noAutofit/>
           </a:bodyPr>
           <a:lstStyle/>
@@ -2437,6 +2655,7 @@
               <a:rPr lang="en"/>
               <a:t>‹#›</a:t>
             </a:fld>
+            <a:endParaRPr lang="en"/>
           </a:p>
         </p:txBody>
       </p:sp>
@@ -2449,11 +2668,11 @@
 </file>
 
 <file path=ppt/slideLayouts/slideLayout10.xml><?xml version="1.0" encoding="utf-8"?>
-<p:sldLayout xmlns:a="http://schemas.openxmlformats.org/drawingml/2006/main" xmlns:r="http://schemas.openxmlformats.org/officeDocument/2006/relationships" xmlns:mc="http://schemas.openxmlformats.org/markup-compatibility/2006" xmlns:mv="urn:schemas-microsoft-com:mac:vml" xmlns:p="http://schemas.openxmlformats.org/presentationml/2006/main" xmlns:c="http://schemas.openxmlformats.org/drawingml/2006/chart" xmlns:dgm="http://schemas.openxmlformats.org/drawingml/2006/diagram" xmlns:o="urn:schemas-microsoft-com:office:office" xmlns:v="urn:schemas-microsoft-com:vml" xmlns:pvml="urn:schemas-microsoft-com:office:powerpoint" xmlns:com="http://schemas.openxmlformats.org/drawingml/2006/compatibility" xmlns:p14="http://schemas.microsoft.com/office/powerpoint/2010/main">
+<p:sldLayout xmlns:a="http://schemas.openxmlformats.org/drawingml/2006/main" xmlns:r="http://schemas.openxmlformats.org/officeDocument/2006/relationships" xmlns:p="http://schemas.openxmlformats.org/presentationml/2006/main">
   <p:cSld name="Big number">
     <p:spTree>
       <p:nvGrpSpPr>
-        <p:cNvPr id="49" name="Shape 49"/>
+        <p:cNvPr id="1" name="Shape 49"/>
         <p:cNvGrpSpPr/>
         <p:nvPr/>
       </p:nvGrpSpPr>
@@ -2468,7 +2687,9 @@
       <p:sp>
         <p:nvSpPr>
           <p:cNvPr id="50" name="Shape 50"/>
-          <p:cNvSpPr txBox="1"/>
+          <p:cNvSpPr txBox="1">
+            <a:spLocks noGrp="1"/>
+          </p:cNvSpPr>
           <p:nvPr>
             <p:ph type="title"/>
           </p:nvPr>
@@ -2483,7 +2704,7 @@
           </a:prstGeom>
         </p:spPr>
         <p:txBody>
-          <a:bodyPr anchorCtr="0" anchor="b" bIns="91425" lIns="91425" rIns="91425" tIns="91425"/>
+          <a:bodyPr lIns="91425" tIns="91425" rIns="91425" bIns="91425" anchor="b" anchorCtr="0"/>
           <a:lstStyle>
             <a:lvl1pPr lvl="0" algn="ctr">
               <a:spcBef>
@@ -2549,15 +2770,19 @@
               <a:defRPr sz="12000"/>
             </a:lvl9pPr>
           </a:lstStyle>
-          <a:p/>
+          <a:p>
+            <a:endParaRPr/>
+          </a:p>
         </p:txBody>
       </p:sp>
       <p:sp>
         <p:nvSpPr>
           <p:cNvPr id="51" name="Shape 51"/>
-          <p:cNvSpPr txBox="1"/>
+          <p:cNvSpPr txBox="1">
+            <a:spLocks noGrp="1"/>
+          </p:cNvSpPr>
           <p:nvPr>
-            <p:ph idx="1" type="body"/>
+            <p:ph type="body" idx="1"/>
           </p:nvPr>
         </p:nvSpPr>
         <p:spPr>
@@ -2570,7 +2795,7 @@
           </a:prstGeom>
         </p:spPr>
         <p:txBody>
-          <a:bodyPr anchorCtr="0" anchor="t" bIns="91425" lIns="91425" rIns="91425" tIns="91425"/>
+          <a:bodyPr lIns="91425" tIns="91425" rIns="91425" bIns="91425" anchor="t" anchorCtr="0"/>
           <a:lstStyle>
             <a:lvl1pPr lvl="0" algn="ctr">
               <a:spcBef>
@@ -2627,15 +2852,19 @@
               <a:defRPr/>
             </a:lvl9pPr>
           </a:lstStyle>
-          <a:p/>
+          <a:p>
+            <a:endParaRPr/>
+          </a:p>
         </p:txBody>
       </p:sp>
       <p:sp>
         <p:nvSpPr>
           <p:cNvPr id="52" name="Shape 52"/>
-          <p:cNvSpPr txBox="1"/>
+          <p:cNvSpPr txBox="1">
+            <a:spLocks noGrp="1"/>
+          </p:cNvSpPr>
           <p:nvPr>
-            <p:ph idx="12" type="sldNum"/>
+            <p:ph type="sldNum" idx="12"/>
           </p:nvPr>
         </p:nvSpPr>
         <p:spPr>
@@ -2648,7 +2877,7 @@
           </a:prstGeom>
         </p:spPr>
         <p:txBody>
-          <a:bodyPr anchorCtr="0" anchor="ctr" bIns="91425" lIns="91425" rIns="91425" tIns="91425">
+          <a:bodyPr lIns="91425" tIns="91425" rIns="91425" bIns="91425" anchor="ctr" anchorCtr="0">
             <a:noAutofit/>
           </a:bodyPr>
           <a:lstStyle/>
@@ -2663,6 +2892,7 @@
               <a:rPr lang="en"/>
               <a:t>‹#›</a:t>
             </a:fld>
+            <a:endParaRPr lang="en"/>
           </a:p>
         </p:txBody>
       </p:sp>
@@ -2675,11 +2905,11 @@
 </file>
 
 <file path=ppt/slideLayouts/slideLayout11.xml><?xml version="1.0" encoding="utf-8"?>
-<p:sldLayout xmlns:a="http://schemas.openxmlformats.org/drawingml/2006/main" xmlns:r="http://schemas.openxmlformats.org/officeDocument/2006/relationships" xmlns:mc="http://schemas.openxmlformats.org/markup-compatibility/2006" xmlns:mv="urn:schemas-microsoft-com:mac:vml" xmlns:p="http://schemas.openxmlformats.org/presentationml/2006/main" xmlns:c="http://schemas.openxmlformats.org/drawingml/2006/chart" xmlns:dgm="http://schemas.openxmlformats.org/drawingml/2006/diagram" xmlns:o="urn:schemas-microsoft-com:office:office" xmlns:v="urn:schemas-microsoft-com:vml" xmlns:pvml="urn:schemas-microsoft-com:office:powerpoint" xmlns:com="http://schemas.openxmlformats.org/drawingml/2006/compatibility" xmlns:p14="http://schemas.microsoft.com/office/powerpoint/2010/main" type="blank">
+<p:sldLayout xmlns:a="http://schemas.openxmlformats.org/drawingml/2006/main" xmlns:r="http://schemas.openxmlformats.org/officeDocument/2006/relationships" xmlns:p="http://schemas.openxmlformats.org/presentationml/2006/main" type="blank">
   <p:cSld name="Blank">
     <p:spTree>
       <p:nvGrpSpPr>
-        <p:cNvPr id="53" name="Shape 53"/>
+        <p:cNvPr id="1" name="Shape 53"/>
         <p:cNvGrpSpPr/>
         <p:nvPr/>
       </p:nvGrpSpPr>
@@ -2694,9 +2924,11 @@
       <p:sp>
         <p:nvSpPr>
           <p:cNvPr id="54" name="Shape 54"/>
-          <p:cNvSpPr txBox="1"/>
+          <p:cNvSpPr txBox="1">
+            <a:spLocks noGrp="1"/>
+          </p:cNvSpPr>
           <p:nvPr>
-            <p:ph idx="12" type="sldNum"/>
+            <p:ph type="sldNum" idx="12"/>
           </p:nvPr>
         </p:nvSpPr>
         <p:spPr>
@@ -2709,7 +2941,7 @@
           </a:prstGeom>
         </p:spPr>
         <p:txBody>
-          <a:bodyPr anchorCtr="0" anchor="ctr" bIns="91425" lIns="91425" rIns="91425" tIns="91425">
+          <a:bodyPr lIns="91425" tIns="91425" rIns="91425" bIns="91425" anchor="ctr" anchorCtr="0">
             <a:noAutofit/>
           </a:bodyPr>
           <a:lstStyle/>
@@ -2724,6 +2956,7 @@
               <a:rPr lang="en"/>
               <a:t>‹#›</a:t>
             </a:fld>
+            <a:endParaRPr lang="en"/>
           </a:p>
         </p:txBody>
       </p:sp>
@@ -2736,11 +2969,11 @@
 </file>
 
 <file path=ppt/slideLayouts/slideLayout2.xml><?xml version="1.0" encoding="utf-8"?>
-<p:sldLayout xmlns:a="http://schemas.openxmlformats.org/drawingml/2006/main" xmlns:r="http://schemas.openxmlformats.org/officeDocument/2006/relationships" xmlns:mc="http://schemas.openxmlformats.org/markup-compatibility/2006" xmlns:mv="urn:schemas-microsoft-com:mac:vml" xmlns:p="http://schemas.openxmlformats.org/presentationml/2006/main" xmlns:c="http://schemas.openxmlformats.org/drawingml/2006/chart" xmlns:dgm="http://schemas.openxmlformats.org/drawingml/2006/diagram" xmlns:o="urn:schemas-microsoft-com:office:office" xmlns:v="urn:schemas-microsoft-com:vml" xmlns:pvml="urn:schemas-microsoft-com:office:powerpoint" xmlns:com="http://schemas.openxmlformats.org/drawingml/2006/compatibility" xmlns:p14="http://schemas.microsoft.com/office/powerpoint/2010/main" type="secHead">
+<p:sldLayout xmlns:a="http://schemas.openxmlformats.org/drawingml/2006/main" xmlns:r="http://schemas.openxmlformats.org/officeDocument/2006/relationships" xmlns:p="http://schemas.openxmlformats.org/presentationml/2006/main" type="secHead">
   <p:cSld name="Section header">
     <p:spTree>
       <p:nvGrpSpPr>
-        <p:cNvPr id="17" name="Shape 17"/>
+        <p:cNvPr id="1" name="Shape 17"/>
         <p:cNvGrpSpPr/>
         <p:nvPr/>
       </p:nvGrpSpPr>
@@ -2755,7 +2988,9 @@
       <p:sp>
         <p:nvSpPr>
           <p:cNvPr id="18" name="Shape 18"/>
-          <p:cNvSpPr txBox="1"/>
+          <p:cNvSpPr txBox="1">
+            <a:spLocks noGrp="1"/>
+          </p:cNvSpPr>
           <p:nvPr>
             <p:ph type="title"/>
           </p:nvPr>
@@ -2770,7 +3005,7 @@
           </a:prstGeom>
         </p:spPr>
         <p:txBody>
-          <a:bodyPr anchorCtr="0" anchor="ctr" bIns="91425" lIns="91425" rIns="91425" tIns="91425"/>
+          <a:bodyPr lIns="91425" tIns="91425" rIns="91425" bIns="91425" anchor="ctr" anchorCtr="0"/>
           <a:lstStyle>
             <a:lvl1pPr lvl="0" algn="ctr">
               <a:spcBef>
@@ -2836,15 +3071,19 @@
               <a:defRPr sz="3600"/>
             </a:lvl9pPr>
           </a:lstStyle>
-          <a:p/>
+          <a:p>
+            <a:endParaRPr/>
+          </a:p>
         </p:txBody>
       </p:sp>
       <p:sp>
         <p:nvSpPr>
           <p:cNvPr id="19" name="Shape 19"/>
-          <p:cNvSpPr txBox="1"/>
+          <p:cNvSpPr txBox="1">
+            <a:spLocks noGrp="1"/>
+          </p:cNvSpPr>
           <p:nvPr>
-            <p:ph idx="12" type="sldNum"/>
+            <p:ph type="sldNum" idx="12"/>
           </p:nvPr>
         </p:nvSpPr>
         <p:spPr>
@@ -2857,7 +3096,7 @@
           </a:prstGeom>
         </p:spPr>
         <p:txBody>
-          <a:bodyPr anchorCtr="0" anchor="ctr" bIns="91425" lIns="91425" rIns="91425" tIns="91425">
+          <a:bodyPr lIns="91425" tIns="91425" rIns="91425" bIns="91425" anchor="ctr" anchorCtr="0">
             <a:noAutofit/>
           </a:bodyPr>
           <a:lstStyle/>
@@ -2872,6 +3111,7 @@
               <a:rPr lang="en"/>
               <a:t>‹#›</a:t>
             </a:fld>
+            <a:endParaRPr lang="en"/>
           </a:p>
         </p:txBody>
       </p:sp>
@@ -2884,11 +3124,11 @@
 </file>
 
 <file path=ppt/slideLayouts/slideLayout3.xml><?xml version="1.0" encoding="utf-8"?>
-<p:sldLayout xmlns:a="http://schemas.openxmlformats.org/drawingml/2006/main" xmlns:r="http://schemas.openxmlformats.org/officeDocument/2006/relationships" xmlns:mc="http://schemas.openxmlformats.org/markup-compatibility/2006" xmlns:mv="urn:schemas-microsoft-com:mac:vml" xmlns:p="http://schemas.openxmlformats.org/presentationml/2006/main" xmlns:c="http://schemas.openxmlformats.org/drawingml/2006/chart" xmlns:dgm="http://schemas.openxmlformats.org/drawingml/2006/diagram" xmlns:o="urn:schemas-microsoft-com:office:office" xmlns:v="urn:schemas-microsoft-com:vml" xmlns:pvml="urn:schemas-microsoft-com:office:powerpoint" xmlns:com="http://schemas.openxmlformats.org/drawingml/2006/compatibility" xmlns:p14="http://schemas.microsoft.com/office/powerpoint/2010/main" type="tx">
+<p:sldLayout xmlns:a="http://schemas.openxmlformats.org/drawingml/2006/main" xmlns:r="http://schemas.openxmlformats.org/officeDocument/2006/relationships" xmlns:p="http://schemas.openxmlformats.org/presentationml/2006/main" type="tx">
   <p:cSld name="Title and body">
     <p:spTree>
       <p:nvGrpSpPr>
-        <p:cNvPr id="20" name="Shape 20"/>
+        <p:cNvPr id="1" name="Shape 20"/>
         <p:cNvGrpSpPr/>
         <p:nvPr/>
       </p:nvGrpSpPr>
@@ -2903,7 +3143,9 @@
       <p:sp>
         <p:nvSpPr>
           <p:cNvPr id="21" name="Shape 21"/>
-          <p:cNvSpPr txBox="1"/>
+          <p:cNvSpPr txBox="1">
+            <a:spLocks noGrp="1"/>
+          </p:cNvSpPr>
           <p:nvPr>
             <p:ph type="title"/>
           </p:nvPr>
@@ -2918,7 +3160,7 @@
           </a:prstGeom>
         </p:spPr>
         <p:txBody>
-          <a:bodyPr anchorCtr="0" anchor="t" bIns="91425" lIns="91425" rIns="91425" tIns="91425"/>
+          <a:bodyPr lIns="91425" tIns="91425" rIns="91425" bIns="91425" anchor="t" anchorCtr="0"/>
           <a:lstStyle>
             <a:lvl1pPr lvl="0">
               <a:spcBef>
@@ -2975,15 +3217,19 @@
               <a:defRPr/>
             </a:lvl9pPr>
           </a:lstStyle>
-          <a:p/>
+          <a:p>
+            <a:endParaRPr/>
+          </a:p>
         </p:txBody>
       </p:sp>
       <p:sp>
         <p:nvSpPr>
           <p:cNvPr id="22" name="Shape 22"/>
-          <p:cNvSpPr txBox="1"/>
+          <p:cNvSpPr txBox="1">
+            <a:spLocks noGrp="1"/>
+          </p:cNvSpPr>
           <p:nvPr>
-            <p:ph idx="1" type="body"/>
+            <p:ph type="body" idx="1"/>
           </p:nvPr>
         </p:nvSpPr>
         <p:spPr>
@@ -2996,7 +3242,7 @@
           </a:prstGeom>
         </p:spPr>
         <p:txBody>
-          <a:bodyPr anchorCtr="0" anchor="t" bIns="91425" lIns="91425" rIns="91425" tIns="91425"/>
+          <a:bodyPr lIns="91425" tIns="91425" rIns="91425" bIns="91425" anchor="t" anchorCtr="0"/>
           <a:lstStyle>
             <a:lvl1pPr lvl="0">
               <a:spcBef>
@@ -3053,15 +3299,19 @@
               <a:defRPr/>
             </a:lvl9pPr>
           </a:lstStyle>
-          <a:p/>
+          <a:p>
+            <a:endParaRPr/>
+          </a:p>
         </p:txBody>
       </p:sp>
       <p:sp>
         <p:nvSpPr>
           <p:cNvPr id="23" name="Shape 23"/>
-          <p:cNvSpPr txBox="1"/>
+          <p:cNvSpPr txBox="1">
+            <a:spLocks noGrp="1"/>
+          </p:cNvSpPr>
           <p:nvPr>
-            <p:ph idx="12" type="sldNum"/>
+            <p:ph type="sldNum" idx="12"/>
           </p:nvPr>
         </p:nvSpPr>
         <p:spPr>
@@ -3074,7 +3324,7 @@
           </a:prstGeom>
         </p:spPr>
         <p:txBody>
-          <a:bodyPr anchorCtr="0" anchor="ctr" bIns="91425" lIns="91425" rIns="91425" tIns="91425">
+          <a:bodyPr lIns="91425" tIns="91425" rIns="91425" bIns="91425" anchor="ctr" anchorCtr="0">
             <a:noAutofit/>
           </a:bodyPr>
           <a:lstStyle/>
@@ -3089,6 +3339,7 @@
               <a:rPr lang="en"/>
               <a:t>‹#›</a:t>
             </a:fld>
+            <a:endParaRPr lang="en"/>
           </a:p>
         </p:txBody>
       </p:sp>
@@ -3101,11 +3352,11 @@
 </file>
 
 <file path=ppt/slideLayouts/slideLayout4.xml><?xml version="1.0" encoding="utf-8"?>
-<p:sldLayout xmlns:a="http://schemas.openxmlformats.org/drawingml/2006/main" xmlns:r="http://schemas.openxmlformats.org/officeDocument/2006/relationships" xmlns:mc="http://schemas.openxmlformats.org/markup-compatibility/2006" xmlns:mv="urn:schemas-microsoft-com:mac:vml" xmlns:p="http://schemas.openxmlformats.org/presentationml/2006/main" xmlns:c="http://schemas.openxmlformats.org/drawingml/2006/chart" xmlns:dgm="http://schemas.openxmlformats.org/drawingml/2006/diagram" xmlns:o="urn:schemas-microsoft-com:office:office" xmlns:v="urn:schemas-microsoft-com:vml" xmlns:pvml="urn:schemas-microsoft-com:office:powerpoint" xmlns:com="http://schemas.openxmlformats.org/drawingml/2006/compatibility" xmlns:p14="http://schemas.microsoft.com/office/powerpoint/2010/main" type="twoColTx">
+<p:sldLayout xmlns:a="http://schemas.openxmlformats.org/drawingml/2006/main" xmlns:r="http://schemas.openxmlformats.org/officeDocument/2006/relationships" xmlns:p="http://schemas.openxmlformats.org/presentationml/2006/main" type="twoColTx">
   <p:cSld name="Title and two columns">
     <p:spTree>
       <p:nvGrpSpPr>
-        <p:cNvPr id="24" name="Shape 24"/>
+        <p:cNvPr id="1" name="Shape 24"/>
         <p:cNvGrpSpPr/>
         <p:nvPr/>
       </p:nvGrpSpPr>
@@ -3120,7 +3371,9 @@
       <p:sp>
         <p:nvSpPr>
           <p:cNvPr id="25" name="Shape 25"/>
-          <p:cNvSpPr txBox="1"/>
+          <p:cNvSpPr txBox="1">
+            <a:spLocks noGrp="1"/>
+          </p:cNvSpPr>
           <p:nvPr>
             <p:ph type="title"/>
           </p:nvPr>
@@ -3135,7 +3388,7 @@
           </a:prstGeom>
         </p:spPr>
         <p:txBody>
-          <a:bodyPr anchorCtr="0" anchor="t" bIns="91425" lIns="91425" rIns="91425" tIns="91425"/>
+          <a:bodyPr lIns="91425" tIns="91425" rIns="91425" bIns="91425" anchor="t" anchorCtr="0"/>
           <a:lstStyle>
             <a:lvl1pPr lvl="0">
               <a:spcBef>
@@ -3192,15 +3445,19 @@
               <a:defRPr/>
             </a:lvl9pPr>
           </a:lstStyle>
-          <a:p/>
+          <a:p>
+            <a:endParaRPr/>
+          </a:p>
         </p:txBody>
       </p:sp>
       <p:sp>
         <p:nvSpPr>
           <p:cNvPr id="26" name="Shape 26"/>
-          <p:cNvSpPr txBox="1"/>
+          <p:cNvSpPr txBox="1">
+            <a:spLocks noGrp="1"/>
+          </p:cNvSpPr>
           <p:nvPr>
-            <p:ph idx="1" type="body"/>
+            <p:ph type="body" idx="1"/>
           </p:nvPr>
         </p:nvSpPr>
         <p:spPr>
@@ -3213,7 +3470,7 @@
           </a:prstGeom>
         </p:spPr>
         <p:txBody>
-          <a:bodyPr anchorCtr="0" anchor="t" bIns="91425" lIns="91425" rIns="91425" tIns="91425"/>
+          <a:bodyPr lIns="91425" tIns="91425" rIns="91425" bIns="91425" anchor="t" anchorCtr="0"/>
           <a:lstStyle>
             <a:lvl1pPr lvl="0">
               <a:spcBef>
@@ -3279,15 +3536,19 @@
               <a:defRPr sz="1200"/>
             </a:lvl9pPr>
           </a:lstStyle>
-          <a:p/>
+          <a:p>
+            <a:endParaRPr/>
+          </a:p>
         </p:txBody>
       </p:sp>
       <p:sp>
         <p:nvSpPr>
           <p:cNvPr id="27" name="Shape 27"/>
-          <p:cNvSpPr txBox="1"/>
+          <p:cNvSpPr txBox="1">
+            <a:spLocks noGrp="1"/>
+          </p:cNvSpPr>
           <p:nvPr>
-            <p:ph idx="2" type="body"/>
+            <p:ph type="body" idx="2"/>
           </p:nvPr>
         </p:nvSpPr>
         <p:spPr>
@@ -3300,7 +3561,7 @@
           </a:prstGeom>
         </p:spPr>
         <p:txBody>
-          <a:bodyPr anchorCtr="0" anchor="t" bIns="91425" lIns="91425" rIns="91425" tIns="91425"/>
+          <a:bodyPr lIns="91425" tIns="91425" rIns="91425" bIns="91425" anchor="t" anchorCtr="0"/>
           <a:lstStyle>
             <a:lvl1pPr lvl="0">
               <a:spcBef>
@@ -3366,15 +3627,19 @@
               <a:defRPr sz="1200"/>
             </a:lvl9pPr>
           </a:lstStyle>
-          <a:p/>
+          <a:p>
+            <a:endParaRPr/>
+          </a:p>
         </p:txBody>
       </p:sp>
       <p:sp>
         <p:nvSpPr>
           <p:cNvPr id="28" name="Shape 28"/>
-          <p:cNvSpPr txBox="1"/>
+          <p:cNvSpPr txBox="1">
+            <a:spLocks noGrp="1"/>
+          </p:cNvSpPr>
           <p:nvPr>
-            <p:ph idx="12" type="sldNum"/>
+            <p:ph type="sldNum" idx="12"/>
           </p:nvPr>
         </p:nvSpPr>
         <p:spPr>
@@ -3387,7 +3652,7 @@
           </a:prstGeom>
         </p:spPr>
         <p:txBody>
-          <a:bodyPr anchorCtr="0" anchor="ctr" bIns="91425" lIns="91425" rIns="91425" tIns="91425">
+          <a:bodyPr lIns="91425" tIns="91425" rIns="91425" bIns="91425" anchor="ctr" anchorCtr="0">
             <a:noAutofit/>
           </a:bodyPr>
           <a:lstStyle/>
@@ -3402,6 +3667,7 @@
               <a:rPr lang="en"/>
               <a:t>‹#›</a:t>
             </a:fld>
+            <a:endParaRPr lang="en"/>
           </a:p>
         </p:txBody>
       </p:sp>
@@ -3414,11 +3680,11 @@
 </file>
 
 <file path=ppt/slideLayouts/slideLayout5.xml><?xml version="1.0" encoding="utf-8"?>
-<p:sldLayout xmlns:a="http://schemas.openxmlformats.org/drawingml/2006/main" xmlns:r="http://schemas.openxmlformats.org/officeDocument/2006/relationships" xmlns:mc="http://schemas.openxmlformats.org/markup-compatibility/2006" xmlns:mv="urn:schemas-microsoft-com:mac:vml" xmlns:p="http://schemas.openxmlformats.org/presentationml/2006/main" xmlns:c="http://schemas.openxmlformats.org/drawingml/2006/chart" xmlns:dgm="http://schemas.openxmlformats.org/drawingml/2006/diagram" xmlns:o="urn:schemas-microsoft-com:office:office" xmlns:v="urn:schemas-microsoft-com:vml" xmlns:pvml="urn:schemas-microsoft-com:office:powerpoint" xmlns:com="http://schemas.openxmlformats.org/drawingml/2006/compatibility" xmlns:p14="http://schemas.microsoft.com/office/powerpoint/2010/main" type="titleOnly">
+<p:sldLayout xmlns:a="http://schemas.openxmlformats.org/drawingml/2006/main" xmlns:r="http://schemas.openxmlformats.org/officeDocument/2006/relationships" xmlns:p="http://schemas.openxmlformats.org/presentationml/2006/main" type="titleOnly">
   <p:cSld name="Title only">
     <p:spTree>
       <p:nvGrpSpPr>
-        <p:cNvPr id="29" name="Shape 29"/>
+        <p:cNvPr id="1" name="Shape 29"/>
         <p:cNvGrpSpPr/>
         <p:nvPr/>
       </p:nvGrpSpPr>
@@ -3433,7 +3699,9 @@
       <p:sp>
         <p:nvSpPr>
           <p:cNvPr id="30" name="Shape 30"/>
-          <p:cNvSpPr txBox="1"/>
+          <p:cNvSpPr txBox="1">
+            <a:spLocks noGrp="1"/>
+          </p:cNvSpPr>
           <p:nvPr>
             <p:ph type="title"/>
           </p:nvPr>
@@ -3448,7 +3716,7 @@
           </a:prstGeom>
         </p:spPr>
         <p:txBody>
-          <a:bodyPr anchorCtr="0" anchor="t" bIns="91425" lIns="91425" rIns="91425" tIns="91425"/>
+          <a:bodyPr lIns="91425" tIns="91425" rIns="91425" bIns="91425" anchor="t" anchorCtr="0"/>
           <a:lstStyle>
             <a:lvl1pPr lvl="0">
               <a:spcBef>
@@ -3505,15 +3773,19 @@
               <a:defRPr/>
             </a:lvl9pPr>
           </a:lstStyle>
-          <a:p/>
+          <a:p>
+            <a:endParaRPr/>
+          </a:p>
         </p:txBody>
       </p:sp>
       <p:sp>
         <p:nvSpPr>
           <p:cNvPr id="31" name="Shape 31"/>
-          <p:cNvSpPr txBox="1"/>
+          <p:cNvSpPr txBox="1">
+            <a:spLocks noGrp="1"/>
+          </p:cNvSpPr>
           <p:nvPr>
-            <p:ph idx="12" type="sldNum"/>
+            <p:ph type="sldNum" idx="12"/>
           </p:nvPr>
         </p:nvSpPr>
         <p:spPr>
@@ -3526,7 +3798,7 @@
           </a:prstGeom>
         </p:spPr>
         <p:txBody>
-          <a:bodyPr anchorCtr="0" anchor="ctr" bIns="91425" lIns="91425" rIns="91425" tIns="91425">
+          <a:bodyPr lIns="91425" tIns="91425" rIns="91425" bIns="91425" anchor="ctr" anchorCtr="0">
             <a:noAutofit/>
           </a:bodyPr>
           <a:lstStyle/>
@@ -3541,6 +3813,7 @@
               <a:rPr lang="en"/>
               <a:t>‹#›</a:t>
             </a:fld>
+            <a:endParaRPr lang="en"/>
           </a:p>
         </p:txBody>
       </p:sp>
@@ -3553,11 +3826,11 @@
 </file>
 
 <file path=ppt/slideLayouts/slideLayout6.xml><?xml version="1.0" encoding="utf-8"?>
-<p:sldLayout xmlns:a="http://schemas.openxmlformats.org/drawingml/2006/main" xmlns:r="http://schemas.openxmlformats.org/officeDocument/2006/relationships" xmlns:mc="http://schemas.openxmlformats.org/markup-compatibility/2006" xmlns:mv="urn:schemas-microsoft-com:mac:vml" xmlns:p="http://schemas.openxmlformats.org/presentationml/2006/main" xmlns:c="http://schemas.openxmlformats.org/drawingml/2006/chart" xmlns:dgm="http://schemas.openxmlformats.org/drawingml/2006/diagram" xmlns:o="urn:schemas-microsoft-com:office:office" xmlns:v="urn:schemas-microsoft-com:vml" xmlns:pvml="urn:schemas-microsoft-com:office:powerpoint" xmlns:com="http://schemas.openxmlformats.org/drawingml/2006/compatibility" xmlns:p14="http://schemas.microsoft.com/office/powerpoint/2010/main">
+<p:sldLayout xmlns:a="http://schemas.openxmlformats.org/drawingml/2006/main" xmlns:r="http://schemas.openxmlformats.org/officeDocument/2006/relationships" xmlns:p="http://schemas.openxmlformats.org/presentationml/2006/main">
   <p:cSld name="One column text">
     <p:spTree>
       <p:nvGrpSpPr>
-        <p:cNvPr id="32" name="Shape 32"/>
+        <p:cNvPr id="1" name="Shape 32"/>
         <p:cNvGrpSpPr/>
         <p:nvPr/>
       </p:nvGrpSpPr>
@@ -3572,7 +3845,9 @@
       <p:sp>
         <p:nvSpPr>
           <p:cNvPr id="33" name="Shape 33"/>
-          <p:cNvSpPr txBox="1"/>
+          <p:cNvSpPr txBox="1">
+            <a:spLocks noGrp="1"/>
+          </p:cNvSpPr>
           <p:nvPr>
             <p:ph type="title"/>
           </p:nvPr>
@@ -3587,7 +3862,7 @@
           </a:prstGeom>
         </p:spPr>
         <p:txBody>
-          <a:bodyPr anchorCtr="0" anchor="b" bIns="91425" lIns="91425" rIns="91425" tIns="91425"/>
+          <a:bodyPr lIns="91425" tIns="91425" rIns="91425" bIns="91425" anchor="b" anchorCtr="0"/>
           <a:lstStyle>
             <a:lvl1pPr lvl="0">
               <a:spcBef>
@@ -3653,15 +3928,19 @@
               <a:defRPr sz="2400"/>
             </a:lvl9pPr>
           </a:lstStyle>
-          <a:p/>
+          <a:p>
+            <a:endParaRPr/>
+          </a:p>
         </p:txBody>
       </p:sp>
       <p:sp>
         <p:nvSpPr>
           <p:cNvPr id="34" name="Shape 34"/>
-          <p:cNvSpPr txBox="1"/>
+          <p:cNvSpPr txBox="1">
+            <a:spLocks noGrp="1"/>
+          </p:cNvSpPr>
           <p:nvPr>
-            <p:ph idx="1" type="body"/>
+            <p:ph type="body" idx="1"/>
           </p:nvPr>
         </p:nvSpPr>
         <p:spPr>
@@ -3674,7 +3953,7 @@
           </a:prstGeom>
         </p:spPr>
         <p:txBody>
-          <a:bodyPr anchorCtr="0" anchor="t" bIns="91425" lIns="91425" rIns="91425" tIns="91425"/>
+          <a:bodyPr lIns="91425" tIns="91425" rIns="91425" bIns="91425" anchor="t" anchorCtr="0"/>
           <a:lstStyle>
             <a:lvl1pPr lvl="0">
               <a:spcBef>
@@ -3740,15 +4019,19 @@
               <a:defRPr sz="1200"/>
             </a:lvl9pPr>
           </a:lstStyle>
-          <a:p/>
+          <a:p>
+            <a:endParaRPr/>
+          </a:p>
         </p:txBody>
       </p:sp>
       <p:sp>
         <p:nvSpPr>
           <p:cNvPr id="35" name="Shape 35"/>
-          <p:cNvSpPr txBox="1"/>
+          <p:cNvSpPr txBox="1">
+            <a:spLocks noGrp="1"/>
+          </p:cNvSpPr>
           <p:nvPr>
-            <p:ph idx="12" type="sldNum"/>
+            <p:ph type="sldNum" idx="12"/>
           </p:nvPr>
         </p:nvSpPr>
         <p:spPr>
@@ -3761,7 +4044,7 @@
           </a:prstGeom>
         </p:spPr>
         <p:txBody>
-          <a:bodyPr anchorCtr="0" anchor="ctr" bIns="91425" lIns="91425" rIns="91425" tIns="91425">
+          <a:bodyPr lIns="91425" tIns="91425" rIns="91425" bIns="91425" anchor="ctr" anchorCtr="0">
             <a:noAutofit/>
           </a:bodyPr>
           <a:lstStyle/>
@@ -3776,6 +4059,7 @@
               <a:rPr lang="en"/>
               <a:t>‹#›</a:t>
             </a:fld>
+            <a:endParaRPr lang="en"/>
           </a:p>
         </p:txBody>
       </p:sp>
@@ -3788,18 +4072,19 @@
 </file>
 
 <file path=ppt/slideLayouts/slideLayout7.xml><?xml version="1.0" encoding="utf-8"?>
-<p:sldLayout xmlns:a="http://schemas.openxmlformats.org/drawingml/2006/main" xmlns:r="http://schemas.openxmlformats.org/officeDocument/2006/relationships" xmlns:mc="http://schemas.openxmlformats.org/markup-compatibility/2006" xmlns:mv="urn:schemas-microsoft-com:mac:vml" xmlns:p="http://schemas.openxmlformats.org/presentationml/2006/main" xmlns:c="http://schemas.openxmlformats.org/drawingml/2006/chart" xmlns:dgm="http://schemas.openxmlformats.org/drawingml/2006/diagram" xmlns:o="urn:schemas-microsoft-com:office:office" xmlns:v="urn:schemas-microsoft-com:vml" xmlns:pvml="urn:schemas-microsoft-com:office:powerpoint" xmlns:com="http://schemas.openxmlformats.org/drawingml/2006/compatibility" xmlns:p14="http://schemas.microsoft.com/office/powerpoint/2010/main">
+<p:sldLayout xmlns:a="http://schemas.openxmlformats.org/drawingml/2006/main" xmlns:r="http://schemas.openxmlformats.org/officeDocument/2006/relationships" xmlns:p="http://schemas.openxmlformats.org/presentationml/2006/main">
   <p:cSld name="Main point">
     <p:bg>
       <p:bgPr>
         <a:solidFill>
           <a:schemeClr val="lt2"/>
         </a:solidFill>
+        <a:effectLst/>
       </p:bgPr>
     </p:bg>
     <p:spTree>
       <p:nvGrpSpPr>
-        <p:cNvPr id="36" name="Shape 36"/>
+        <p:cNvPr id="1" name="Shape 36"/>
         <p:cNvGrpSpPr/>
         <p:nvPr/>
       </p:nvGrpSpPr>
@@ -3814,7 +4099,9 @@
       <p:sp>
         <p:nvSpPr>
           <p:cNvPr id="37" name="Shape 37"/>
-          <p:cNvSpPr txBox="1"/>
+          <p:cNvSpPr txBox="1">
+            <a:spLocks noGrp="1"/>
+          </p:cNvSpPr>
           <p:nvPr>
             <p:ph type="title"/>
           </p:nvPr>
@@ -3829,7 +4116,7 @@
           </a:prstGeom>
         </p:spPr>
         <p:txBody>
-          <a:bodyPr anchorCtr="0" anchor="ctr" bIns="91425" lIns="91425" rIns="91425" tIns="91425"/>
+          <a:bodyPr lIns="91425" tIns="91425" rIns="91425" bIns="91425" anchor="ctr" anchorCtr="0"/>
           <a:lstStyle>
             <a:lvl1pPr lvl="0">
               <a:spcBef>
@@ -3958,15 +4245,19 @@
               </a:defRPr>
             </a:lvl9pPr>
           </a:lstStyle>
-          <a:p/>
+          <a:p>
+            <a:endParaRPr/>
+          </a:p>
         </p:txBody>
       </p:sp>
       <p:sp>
         <p:nvSpPr>
           <p:cNvPr id="38" name="Shape 38"/>
-          <p:cNvSpPr txBox="1"/>
+          <p:cNvSpPr txBox="1">
+            <a:spLocks noGrp="1"/>
+          </p:cNvSpPr>
           <p:nvPr>
-            <p:ph idx="12" type="sldNum"/>
+            <p:ph type="sldNum" idx="12"/>
           </p:nvPr>
         </p:nvSpPr>
         <p:spPr>
@@ -3979,7 +4270,7 @@
           </a:prstGeom>
         </p:spPr>
         <p:txBody>
-          <a:bodyPr anchorCtr="0" anchor="ctr" bIns="91425" lIns="91425" rIns="91425" tIns="91425">
+          <a:bodyPr lIns="91425" tIns="91425" rIns="91425" bIns="91425" anchor="ctr" anchorCtr="0">
             <a:noAutofit/>
           </a:bodyPr>
           <a:lstStyle/>
@@ -3998,6 +4289,11 @@
               </a:rPr>
               <a:t>‹#›</a:t>
             </a:fld>
+            <a:endParaRPr lang="en">
+              <a:solidFill>
+                <a:schemeClr val="lt1"/>
+              </a:solidFill>
+            </a:endParaRPr>
           </a:p>
         </p:txBody>
       </p:sp>
@@ -4010,11 +4306,11 @@
 </file>
 
 <file path=ppt/slideLayouts/slideLayout8.xml><?xml version="1.0" encoding="utf-8"?>
-<p:sldLayout xmlns:a="http://schemas.openxmlformats.org/drawingml/2006/main" xmlns:r="http://schemas.openxmlformats.org/officeDocument/2006/relationships" xmlns:mc="http://schemas.openxmlformats.org/markup-compatibility/2006" xmlns:mv="urn:schemas-microsoft-com:mac:vml" xmlns:p="http://schemas.openxmlformats.org/presentationml/2006/main" xmlns:c="http://schemas.openxmlformats.org/drawingml/2006/chart" xmlns:dgm="http://schemas.openxmlformats.org/drawingml/2006/diagram" xmlns:o="urn:schemas-microsoft-com:office:office" xmlns:v="urn:schemas-microsoft-com:vml" xmlns:pvml="urn:schemas-microsoft-com:office:powerpoint" xmlns:com="http://schemas.openxmlformats.org/drawingml/2006/compatibility" xmlns:p14="http://schemas.microsoft.com/office/powerpoint/2010/main">
+<p:sldLayout xmlns:a="http://schemas.openxmlformats.org/drawingml/2006/main" xmlns:r="http://schemas.openxmlformats.org/officeDocument/2006/relationships" xmlns:p="http://schemas.openxmlformats.org/presentationml/2006/main">
   <p:cSld name="Section title and description">
     <p:spTree>
       <p:nvGrpSpPr>
-        <p:cNvPr id="39" name="Shape 39"/>
+        <p:cNvPr id="1" name="Shape 39"/>
         <p:cNvGrpSpPr/>
         <p:nvPr/>
       </p:nvGrpSpPr>
@@ -4048,7 +4344,7 @@
           </a:ln>
         </p:spPr>
         <p:txBody>
-          <a:bodyPr anchorCtr="0" anchor="ctr" bIns="91425" lIns="91425" rIns="91425" tIns="91425">
+          <a:bodyPr lIns="91425" tIns="91425" rIns="91425" bIns="91425" anchor="ctr" anchorCtr="0">
             <a:noAutofit/>
           </a:bodyPr>
           <a:lstStyle/>
@@ -4059,9 +4355,6 @@
               </a:spcBef>
               <a:buNone/>
             </a:pPr>
-            <a:r>
-              <a:t/>
-            </a:r>
             <a:endParaRPr/>
           </a:p>
         </p:txBody>
@@ -4081,21 +4374,23 @@
             <a:avLst/>
           </a:prstGeom>
           <a:noFill/>
-          <a:ln cap="flat" cmpd="sng" w="19050">
+          <a:ln w="19050" cap="flat" cmpd="sng">
             <a:solidFill>
               <a:schemeClr val="lt1"/>
             </a:solidFill>
             <a:prstDash val="solid"/>
             <a:round/>
-            <a:headEnd len="med" w="med" type="none"/>
-            <a:tailEnd len="med" w="med" type="none"/>
+            <a:headEnd type="none" w="med" len="med"/>
+            <a:tailEnd type="none" w="med" len="med"/>
           </a:ln>
         </p:spPr>
       </p:cxnSp>
       <p:sp>
         <p:nvSpPr>
           <p:cNvPr id="42" name="Shape 42"/>
-          <p:cNvSpPr txBox="1"/>
+          <p:cNvSpPr txBox="1">
+            <a:spLocks noGrp="1"/>
+          </p:cNvSpPr>
           <p:nvPr>
             <p:ph type="title"/>
           </p:nvPr>
@@ -4110,7 +4405,7 @@
           </a:prstGeom>
         </p:spPr>
         <p:txBody>
-          <a:bodyPr anchorCtr="0" anchor="b" bIns="91425" lIns="91425" rIns="91425" tIns="91425"/>
+          <a:bodyPr lIns="91425" tIns="91425" rIns="91425" bIns="91425" anchor="b" anchorCtr="0"/>
           <a:lstStyle>
             <a:lvl1pPr lvl="0" algn="ctr">
               <a:spcBef>
@@ -4176,15 +4471,19 @@
               <a:defRPr sz="4200"/>
             </a:lvl9pPr>
           </a:lstStyle>
-          <a:p/>
+          <a:p>
+            <a:endParaRPr/>
+          </a:p>
         </p:txBody>
       </p:sp>
       <p:sp>
         <p:nvSpPr>
           <p:cNvPr id="43" name="Shape 43"/>
-          <p:cNvSpPr txBox="1"/>
+          <p:cNvSpPr txBox="1">
+            <a:spLocks noGrp="1"/>
+          </p:cNvSpPr>
           <p:nvPr>
-            <p:ph idx="1" type="subTitle"/>
+            <p:ph type="subTitle" idx="1"/>
           </p:nvPr>
         </p:nvSpPr>
         <p:spPr>
@@ -4197,7 +4496,7 @@
           </a:prstGeom>
         </p:spPr>
         <p:txBody>
-          <a:bodyPr anchorCtr="0" anchor="t" bIns="91425" lIns="91425" rIns="91425" tIns="91425"/>
+          <a:bodyPr lIns="91425" tIns="91425" rIns="91425" bIns="91425" anchor="t" anchorCtr="0"/>
           <a:lstStyle>
             <a:lvl1pPr lvl="0" algn="ctr">
               <a:lnSpc>
@@ -4389,15 +4688,19 @@
               </a:defRPr>
             </a:lvl9pPr>
           </a:lstStyle>
-          <a:p/>
+          <a:p>
+            <a:endParaRPr/>
+          </a:p>
         </p:txBody>
       </p:sp>
       <p:sp>
         <p:nvSpPr>
           <p:cNvPr id="44" name="Shape 44"/>
-          <p:cNvSpPr txBox="1"/>
+          <p:cNvSpPr txBox="1">
+            <a:spLocks noGrp="1"/>
+          </p:cNvSpPr>
           <p:nvPr>
-            <p:ph idx="2" type="body"/>
+            <p:ph type="body" idx="2"/>
           </p:nvPr>
         </p:nvSpPr>
         <p:spPr>
@@ -4410,7 +4713,7 @@
           </a:prstGeom>
         </p:spPr>
         <p:txBody>
-          <a:bodyPr anchorCtr="0" anchor="ctr" bIns="91425" lIns="91425" rIns="91425" tIns="91425"/>
+          <a:bodyPr lIns="91425" tIns="91425" rIns="91425" bIns="91425" anchor="ctr" anchorCtr="0"/>
           <a:lstStyle>
             <a:lvl1pPr lvl="0">
               <a:spcBef>
@@ -4530,15 +4833,19 @@
               </a:defRPr>
             </a:lvl9pPr>
           </a:lstStyle>
-          <a:p/>
+          <a:p>
+            <a:endParaRPr/>
+          </a:p>
         </p:txBody>
       </p:sp>
       <p:sp>
         <p:nvSpPr>
           <p:cNvPr id="45" name="Shape 45"/>
-          <p:cNvSpPr txBox="1"/>
+          <p:cNvSpPr txBox="1">
+            <a:spLocks noGrp="1"/>
+          </p:cNvSpPr>
           <p:nvPr>
-            <p:ph idx="12" type="sldNum"/>
+            <p:ph type="sldNum" idx="12"/>
           </p:nvPr>
         </p:nvSpPr>
         <p:spPr>
@@ -4551,7 +4858,7 @@
           </a:prstGeom>
         </p:spPr>
         <p:txBody>
-          <a:bodyPr anchorCtr="0" anchor="ctr" bIns="91425" lIns="91425" rIns="91425" tIns="91425">
+          <a:bodyPr lIns="91425" tIns="91425" rIns="91425" bIns="91425" anchor="ctr" anchorCtr="0">
             <a:noAutofit/>
           </a:bodyPr>
           <a:lstStyle/>
@@ -4570,6 +4877,11 @@
               </a:rPr>
               <a:t>‹#›</a:t>
             </a:fld>
+            <a:endParaRPr lang="en">
+              <a:solidFill>
+                <a:schemeClr val="lt1"/>
+              </a:solidFill>
+            </a:endParaRPr>
           </a:p>
         </p:txBody>
       </p:sp>
@@ -4582,11 +4894,11 @@
 </file>
 
 <file path=ppt/slideLayouts/slideLayout9.xml><?xml version="1.0" encoding="utf-8"?>
-<p:sldLayout xmlns:a="http://schemas.openxmlformats.org/drawingml/2006/main" xmlns:r="http://schemas.openxmlformats.org/officeDocument/2006/relationships" xmlns:mc="http://schemas.openxmlformats.org/markup-compatibility/2006" xmlns:mv="urn:schemas-microsoft-com:mac:vml" xmlns:p="http://schemas.openxmlformats.org/presentationml/2006/main" xmlns:c="http://schemas.openxmlformats.org/drawingml/2006/chart" xmlns:dgm="http://schemas.openxmlformats.org/drawingml/2006/diagram" xmlns:o="urn:schemas-microsoft-com:office:office" xmlns:v="urn:schemas-microsoft-com:vml" xmlns:pvml="urn:schemas-microsoft-com:office:powerpoint" xmlns:com="http://schemas.openxmlformats.org/drawingml/2006/compatibility" xmlns:p14="http://schemas.microsoft.com/office/powerpoint/2010/main">
+<p:sldLayout xmlns:a="http://schemas.openxmlformats.org/drawingml/2006/main" xmlns:r="http://schemas.openxmlformats.org/officeDocument/2006/relationships" xmlns:p="http://schemas.openxmlformats.org/presentationml/2006/main">
   <p:cSld name="Caption">
     <p:spTree>
       <p:nvGrpSpPr>
-        <p:cNvPr id="46" name="Shape 46"/>
+        <p:cNvPr id="1" name="Shape 46"/>
         <p:cNvGrpSpPr/>
         <p:nvPr/>
       </p:nvGrpSpPr>
@@ -4601,9 +4913,11 @@
       <p:sp>
         <p:nvSpPr>
           <p:cNvPr id="47" name="Shape 47"/>
-          <p:cNvSpPr txBox="1"/>
+          <p:cNvSpPr txBox="1">
+            <a:spLocks noGrp="1"/>
+          </p:cNvSpPr>
           <p:nvPr>
-            <p:ph idx="1" type="body"/>
+            <p:ph type="body" idx="1"/>
           </p:nvPr>
         </p:nvSpPr>
         <p:spPr>
@@ -4616,7 +4930,7 @@
           </a:prstGeom>
         </p:spPr>
         <p:txBody>
-          <a:bodyPr anchorCtr="0" anchor="ctr" bIns="91425" lIns="91425" rIns="91425" tIns="91425"/>
+          <a:bodyPr lIns="91425" tIns="91425" rIns="91425" bIns="91425" anchor="ctr" anchorCtr="0"/>
           <a:lstStyle>
             <a:lvl1pPr lvl="0">
               <a:lnSpc>
@@ -4645,15 +4959,19 @@
               </a:defRPr>
             </a:lvl1pPr>
           </a:lstStyle>
-          <a:p/>
+          <a:p>
+            <a:endParaRPr/>
+          </a:p>
         </p:txBody>
       </p:sp>
       <p:sp>
         <p:nvSpPr>
           <p:cNvPr id="48" name="Shape 48"/>
-          <p:cNvSpPr txBox="1"/>
+          <p:cNvSpPr txBox="1">
+            <a:spLocks noGrp="1"/>
+          </p:cNvSpPr>
           <p:nvPr>
-            <p:ph idx="12" type="sldNum"/>
+            <p:ph type="sldNum" idx="12"/>
           </p:nvPr>
         </p:nvSpPr>
         <p:spPr>
@@ -4666,7 +4984,7 @@
           </a:prstGeom>
         </p:spPr>
         <p:txBody>
-          <a:bodyPr anchorCtr="0" anchor="ctr" bIns="91425" lIns="91425" rIns="91425" tIns="91425">
+          <a:bodyPr lIns="91425" tIns="91425" rIns="91425" bIns="91425" anchor="ctr" anchorCtr="0">
             <a:noAutofit/>
           </a:bodyPr>
           <a:lstStyle/>
@@ -4681,6 +4999,7 @@
               <a:rPr lang="en"/>
               <a:t>‹#›</a:t>
             </a:fld>
+            <a:endParaRPr lang="en"/>
           </a:p>
         </p:txBody>
       </p:sp>
@@ -4693,18 +5012,19 @@
 </file>
 
 <file path=ppt/slideMasters/slideMaster1.xml><?xml version="1.0" encoding="utf-8"?>
-<p:sldMaster xmlns:a="http://schemas.openxmlformats.org/drawingml/2006/main" xmlns:r="http://schemas.openxmlformats.org/officeDocument/2006/relationships" xmlns:mc="http://schemas.openxmlformats.org/markup-compatibility/2006" xmlns:mv="urn:schemas-microsoft-com:mac:vml" xmlns:p="http://schemas.openxmlformats.org/presentationml/2006/main" xmlns:c="http://schemas.openxmlformats.org/drawingml/2006/chart" xmlns:dgm="http://schemas.openxmlformats.org/drawingml/2006/diagram" xmlns:o="urn:schemas-microsoft-com:office:office" xmlns:v="urn:schemas-microsoft-com:vml" xmlns:pvml="urn:schemas-microsoft-com:office:powerpoint" xmlns:com="http://schemas.openxmlformats.org/drawingml/2006/compatibility" xmlns:p14="http://schemas.microsoft.com/office/powerpoint/2010/main">
+<p:sldMaster xmlns:a="http://schemas.openxmlformats.org/drawingml/2006/main" xmlns:r="http://schemas.openxmlformats.org/officeDocument/2006/relationships" xmlns:p="http://schemas.openxmlformats.org/presentationml/2006/main">
   <p:cSld>
     <p:bg>
       <p:bgPr>
         <a:solidFill>
           <a:schemeClr val="lt1"/>
         </a:solidFill>
+        <a:effectLst/>
       </p:bgPr>
     </p:bg>
     <p:spTree>
       <p:nvGrpSpPr>
-        <p:cNvPr id="5" name="Shape 5"/>
+        <p:cNvPr id="1" name="Shape 5"/>
         <p:cNvGrpSpPr/>
         <p:nvPr/>
       </p:nvGrpSpPr>
@@ -4719,7 +5039,9 @@
       <p:sp>
         <p:nvSpPr>
           <p:cNvPr id="6" name="Shape 6"/>
-          <p:cNvSpPr txBox="1"/>
+          <p:cNvSpPr txBox="1">
+            <a:spLocks noGrp="1"/>
+          </p:cNvSpPr>
           <p:nvPr>
             <p:ph type="title"/>
           </p:nvPr>
@@ -4738,7 +5060,7 @@
           </a:ln>
         </p:spPr>
         <p:txBody>
-          <a:bodyPr anchorCtr="0" anchor="t" bIns="91425" lIns="91425" rIns="91425" tIns="91425"/>
+          <a:bodyPr lIns="91425" tIns="91425" rIns="91425" bIns="91425" anchor="t" anchorCtr="0"/>
           <a:lstStyle>
             <a:lvl1pPr lvl="0">
               <a:spcBef>
@@ -4921,15 +5243,19 @@
               </a:defRPr>
             </a:lvl9pPr>
           </a:lstStyle>
-          <a:p/>
+          <a:p>
+            <a:endParaRPr/>
+          </a:p>
         </p:txBody>
       </p:sp>
       <p:sp>
         <p:nvSpPr>
           <p:cNvPr id="7" name="Shape 7"/>
-          <p:cNvSpPr txBox="1"/>
+          <p:cNvSpPr txBox="1">
+            <a:spLocks noGrp="1"/>
+          </p:cNvSpPr>
           <p:nvPr>
-            <p:ph idx="1" type="body"/>
+            <p:ph type="body" idx="1"/>
           </p:nvPr>
         </p:nvSpPr>
         <p:spPr>
@@ -4946,7 +5272,7 @@
           </a:ln>
         </p:spPr>
         <p:txBody>
-          <a:bodyPr anchorCtr="0" anchor="t" bIns="91425" lIns="91425" rIns="91425" tIns="91425"/>
+          <a:bodyPr lIns="91425" tIns="91425" rIns="91425" bIns="91425" anchor="t" anchorCtr="0"/>
           <a:lstStyle>
             <a:lvl1pPr lvl="0">
               <a:lnSpc>
@@ -5166,15 +5492,19 @@
               </a:defRPr>
             </a:lvl9pPr>
           </a:lstStyle>
-          <a:p/>
+          <a:p>
+            <a:endParaRPr/>
+          </a:p>
         </p:txBody>
       </p:sp>
       <p:sp>
         <p:nvSpPr>
           <p:cNvPr id="8" name="Shape 8"/>
-          <p:cNvSpPr txBox="1"/>
+          <p:cNvSpPr txBox="1">
+            <a:spLocks noGrp="1"/>
+          </p:cNvSpPr>
           <p:nvPr>
-            <p:ph idx="12" type="sldNum"/>
+            <p:ph type="sldNum" idx="12"/>
           </p:nvPr>
         </p:nvSpPr>
         <p:spPr>
@@ -5191,7 +5521,7 @@
           </a:ln>
         </p:spPr>
         <p:txBody>
-          <a:bodyPr anchorCtr="0" anchor="ctr" bIns="91425" lIns="91425" rIns="91425" tIns="91425">
+          <a:bodyPr lIns="91425" tIns="91425" rIns="91425" bIns="91425" anchor="ctr" anchorCtr="0">
             <a:noAutofit/>
           </a:bodyPr>
           <a:lstStyle/>
@@ -5214,12 +5544,21 @@
               </a:rPr>
               <a:t>‹#›</a:t>
             </a:fld>
+            <a:endParaRPr lang="en" sz="1000">
+              <a:solidFill>
+                <a:schemeClr val="accent3"/>
+              </a:solidFill>
+              <a:latin typeface="Average"/>
+              <a:ea typeface="Average"/>
+              <a:cs typeface="Average"/>
+              <a:sym typeface="Average"/>
+            </a:endParaRPr>
           </a:p>
         </p:txBody>
       </p:sp>
     </p:spTree>
   </p:cSld>
-  <p:clrMap accent1="accent1" accent2="accent2" accent3="accent3" accent4="accent4" accent5="accent5" accent6="accent6" bg1="lt1" bg2="dk2" tx1="dk1" tx2="lt2" folHlink="folHlink" hlink="hlink"/>
+  <p:clrMap bg1="lt1" tx1="dk1" bg2="dk2" tx2="lt2" accent1="accent1" accent2="accent2" accent3="accent3" accent4="accent4" accent5="accent5" accent6="accent6" hlink="hlink" folHlink="folHlink"/>
   <p:sldLayoutIdLst>
     <p:sldLayoutId id="2147483648" r:id="rId1"/>
     <p:sldLayoutId id="2147483649" r:id="rId2"/>
@@ -5233,10 +5572,10 @@
     <p:sldLayoutId id="2147483657" r:id="rId10"/>
     <p:sldLayoutId id="2147483658" r:id="rId11"/>
   </p:sldLayoutIdLst>
-  <p:hf dt="0" ftr="0" hdr="0" sldNum="0"/>
+  <p:hf sldNum="0" hdr="0" ftr="0" dt="0"/>
   <p:txStyles>
     <p:titleStyle>
-      <a:defPPr lvl="0" marR="0" rtl="0" algn="l">
+      <a:defPPr marR="0" lvl="0" algn="l" rtl="0">
         <a:lnSpc>
           <a:spcPct val="100000"/>
         </a:lnSpc>
@@ -5247,7 +5586,7 @@
           <a:spcPts val="0"/>
         </a:spcAft>
       </a:defPPr>
-      <a:lvl1pPr lvl="0" marR="0" rtl="0" algn="l">
+      <a:lvl1pPr marR="0" lvl="0" algn="l" rtl="0">
         <a:lnSpc>
           <a:spcPct val="100000"/>
         </a:lnSpc>
@@ -5258,7 +5597,7 @@
           <a:spcPts val="0"/>
         </a:spcAft>
         <a:buNone/>
-        <a:defRPr b="0" i="0" sz="1400" u="none" cap="none" strike="noStrike">
+        <a:defRPr sz="1400" b="0" i="0" u="none" strike="noStrike" cap="none">
           <a:solidFill>
             <a:srgbClr val="000000"/>
           </a:solidFill>
@@ -5270,7 +5609,7 @@
       </a:lvl1pPr>
     </p:titleStyle>
     <p:bodyStyle>
-      <a:defPPr lvl="0" marR="0" rtl="0" algn="l">
+      <a:defPPr marR="0" lvl="0" algn="l" rtl="0">
         <a:lnSpc>
           <a:spcPct val="100000"/>
         </a:lnSpc>
@@ -5281,7 +5620,7 @@
           <a:spcPts val="0"/>
         </a:spcAft>
       </a:defPPr>
-      <a:lvl1pPr lvl="0" marR="0" rtl="0" algn="l">
+      <a:lvl1pPr marR="0" lvl="0" algn="l" rtl="0">
         <a:lnSpc>
           <a:spcPct val="100000"/>
         </a:lnSpc>
@@ -5292,7 +5631,7 @@
           <a:spcPts val="0"/>
         </a:spcAft>
         <a:buNone/>
-        <a:defRPr b="0" i="0" sz="1400" u="none" cap="none" strike="noStrike">
+        <a:defRPr sz="1400" b="0" i="0" u="none" strike="noStrike" cap="none">
           <a:solidFill>
             <a:srgbClr val="000000"/>
           </a:solidFill>
@@ -5302,7 +5641,7 @@
           <a:sym typeface="Arial"/>
         </a:defRPr>
       </a:lvl1pPr>
-      <a:lvl2pPr lvl="1" marR="0" rtl="0" algn="l">
+      <a:lvl2pPr marR="0" lvl="1" algn="l" rtl="0">
         <a:lnSpc>
           <a:spcPct val="100000"/>
         </a:lnSpc>
@@ -5313,7 +5652,7 @@
           <a:spcPts val="0"/>
         </a:spcAft>
         <a:buNone/>
-        <a:defRPr b="0" i="0" sz="1400" u="none" cap="none" strike="noStrike">
+        <a:defRPr sz="1400" b="0" i="0" u="none" strike="noStrike" cap="none">
           <a:solidFill>
             <a:srgbClr val="000000"/>
           </a:solidFill>
@@ -5323,7 +5662,7 @@
           <a:sym typeface="Arial"/>
         </a:defRPr>
       </a:lvl2pPr>
-      <a:lvl3pPr lvl="2" marR="0" rtl="0" algn="l">
+      <a:lvl3pPr marR="0" lvl="2" algn="l" rtl="0">
         <a:lnSpc>
           <a:spcPct val="100000"/>
         </a:lnSpc>
@@ -5334,7 +5673,7 @@
           <a:spcPts val="0"/>
         </a:spcAft>
         <a:buNone/>
-        <a:defRPr b="0" i="0" sz="1400" u="none" cap="none" strike="noStrike">
+        <a:defRPr sz="1400" b="0" i="0" u="none" strike="noStrike" cap="none">
           <a:solidFill>
             <a:srgbClr val="000000"/>
           </a:solidFill>
@@ -5344,7 +5683,7 @@
           <a:sym typeface="Arial"/>
         </a:defRPr>
       </a:lvl3pPr>
-      <a:lvl4pPr lvl="3" marR="0" rtl="0" algn="l">
+      <a:lvl4pPr marR="0" lvl="3" algn="l" rtl="0">
         <a:lnSpc>
           <a:spcPct val="100000"/>
         </a:lnSpc>
@@ -5355,7 +5694,7 @@
           <a:spcPts val="0"/>
         </a:spcAft>
         <a:buNone/>
-        <a:defRPr b="0" i="0" sz="1400" u="none" cap="none" strike="noStrike">
+        <a:defRPr sz="1400" b="0" i="0" u="none" strike="noStrike" cap="none">
           <a:solidFill>
             <a:srgbClr val="000000"/>
           </a:solidFill>
@@ -5365,7 +5704,7 @@
           <a:sym typeface="Arial"/>
         </a:defRPr>
       </a:lvl4pPr>
-      <a:lvl5pPr lvl="4" marR="0" rtl="0" algn="l">
+      <a:lvl5pPr marR="0" lvl="4" algn="l" rtl="0">
         <a:lnSpc>
           <a:spcPct val="100000"/>
         </a:lnSpc>
@@ -5376,7 +5715,7 @@
           <a:spcPts val="0"/>
         </a:spcAft>
         <a:buNone/>
-        <a:defRPr b="0" i="0" sz="1400" u="none" cap="none" strike="noStrike">
+        <a:defRPr sz="1400" b="0" i="0" u="none" strike="noStrike" cap="none">
           <a:solidFill>
             <a:srgbClr val="000000"/>
           </a:solidFill>
@@ -5386,7 +5725,7 @@
           <a:sym typeface="Arial"/>
         </a:defRPr>
       </a:lvl5pPr>
-      <a:lvl6pPr lvl="5" marR="0" rtl="0" algn="l">
+      <a:lvl6pPr marR="0" lvl="5" algn="l" rtl="0">
         <a:lnSpc>
           <a:spcPct val="100000"/>
         </a:lnSpc>
@@ -5397,7 +5736,7 @@
           <a:spcPts val="0"/>
         </a:spcAft>
         <a:buNone/>
-        <a:defRPr b="0" i="0" sz="1400" u="none" cap="none" strike="noStrike">
+        <a:defRPr sz="1400" b="0" i="0" u="none" strike="noStrike" cap="none">
           <a:solidFill>
             <a:srgbClr val="000000"/>
           </a:solidFill>
@@ -5407,7 +5746,7 @@
           <a:sym typeface="Arial"/>
         </a:defRPr>
       </a:lvl6pPr>
-      <a:lvl7pPr lvl="6" marR="0" rtl="0" algn="l">
+      <a:lvl7pPr marR="0" lvl="6" algn="l" rtl="0">
         <a:lnSpc>
           <a:spcPct val="100000"/>
         </a:lnSpc>
@@ -5418,7 +5757,7 @@
           <a:spcPts val="0"/>
         </a:spcAft>
         <a:buNone/>
-        <a:defRPr b="0" i="0" sz="1400" u="none" cap="none" strike="noStrike">
+        <a:defRPr sz="1400" b="0" i="0" u="none" strike="noStrike" cap="none">
           <a:solidFill>
             <a:srgbClr val="000000"/>
           </a:solidFill>
@@ -5428,7 +5767,7 @@
           <a:sym typeface="Arial"/>
         </a:defRPr>
       </a:lvl7pPr>
-      <a:lvl8pPr lvl="7" marR="0" rtl="0" algn="l">
+      <a:lvl8pPr marR="0" lvl="7" algn="l" rtl="0">
         <a:lnSpc>
           <a:spcPct val="100000"/>
         </a:lnSpc>
@@ -5439,7 +5778,7 @@
           <a:spcPts val="0"/>
         </a:spcAft>
         <a:buNone/>
-        <a:defRPr b="0" i="0" sz="1400" u="none" cap="none" strike="noStrike">
+        <a:defRPr sz="1400" b="0" i="0" u="none" strike="noStrike" cap="none">
           <a:solidFill>
             <a:srgbClr val="000000"/>
           </a:solidFill>
@@ -5449,7 +5788,7 @@
           <a:sym typeface="Arial"/>
         </a:defRPr>
       </a:lvl8pPr>
-      <a:lvl9pPr lvl="8" marR="0" rtl="0" algn="l">
+      <a:lvl9pPr marR="0" lvl="8" algn="l" rtl="0">
         <a:lnSpc>
           <a:spcPct val="100000"/>
         </a:lnSpc>
@@ -5460,7 +5799,7 @@
           <a:spcPts val="0"/>
         </a:spcAft>
         <a:buNone/>
-        <a:defRPr b="0" i="0" sz="1400" u="none" cap="none" strike="noStrike">
+        <a:defRPr sz="1400" b="0" i="0" u="none" strike="noStrike" cap="none">
           <a:solidFill>
             <a:srgbClr val="000000"/>
           </a:solidFill>
@@ -5472,7 +5811,7 @@
       </a:lvl9pPr>
     </p:bodyStyle>
     <p:otherStyle>
-      <a:defPPr lvl="0" marR="0" rtl="0" algn="l">
+      <a:defPPr marR="0" lvl="0" algn="l" rtl="0">
         <a:lnSpc>
           <a:spcPct val="100000"/>
         </a:lnSpc>
@@ -5483,7 +5822,7 @@
           <a:spcPts val="0"/>
         </a:spcAft>
       </a:defPPr>
-      <a:lvl1pPr lvl="0" marR="0" rtl="0" algn="l">
+      <a:lvl1pPr marR="0" lvl="0" algn="l" rtl="0">
         <a:lnSpc>
           <a:spcPct val="100000"/>
         </a:lnSpc>
@@ -5494,7 +5833,7 @@
           <a:spcPts val="0"/>
         </a:spcAft>
         <a:buNone/>
-        <a:defRPr b="0" i="0" sz="1400" u="none" cap="none" strike="noStrike">
+        <a:defRPr sz="1400" b="0" i="0" u="none" strike="noStrike" cap="none">
           <a:solidFill>
             <a:srgbClr val="000000"/>
           </a:solidFill>
@@ -5504,7 +5843,7 @@
           <a:sym typeface="Arial"/>
         </a:defRPr>
       </a:lvl1pPr>
-      <a:lvl2pPr lvl="1" marR="0" rtl="0" algn="l">
+      <a:lvl2pPr marR="0" lvl="1" algn="l" rtl="0">
         <a:lnSpc>
           <a:spcPct val="100000"/>
         </a:lnSpc>
@@ -5515,7 +5854,7 @@
           <a:spcPts val="0"/>
         </a:spcAft>
         <a:buNone/>
-        <a:defRPr b="0" i="0" sz="1400" u="none" cap="none" strike="noStrike">
+        <a:defRPr sz="1400" b="0" i="0" u="none" strike="noStrike" cap="none">
           <a:solidFill>
             <a:srgbClr val="000000"/>
           </a:solidFill>
@@ -5525,7 +5864,7 @@
           <a:sym typeface="Arial"/>
         </a:defRPr>
       </a:lvl2pPr>
-      <a:lvl3pPr lvl="2" marR="0" rtl="0" algn="l">
+      <a:lvl3pPr marR="0" lvl="2" algn="l" rtl="0">
         <a:lnSpc>
           <a:spcPct val="100000"/>
         </a:lnSpc>
@@ -5536,7 +5875,7 @@
           <a:spcPts val="0"/>
         </a:spcAft>
         <a:buNone/>
-        <a:defRPr b="0" i="0" sz="1400" u="none" cap="none" strike="noStrike">
+        <a:defRPr sz="1400" b="0" i="0" u="none" strike="noStrike" cap="none">
           <a:solidFill>
             <a:srgbClr val="000000"/>
           </a:solidFill>
@@ -5546,7 +5885,7 @@
           <a:sym typeface="Arial"/>
         </a:defRPr>
       </a:lvl3pPr>
-      <a:lvl4pPr lvl="3" marR="0" rtl="0" algn="l">
+      <a:lvl4pPr marR="0" lvl="3" algn="l" rtl="0">
         <a:lnSpc>
           <a:spcPct val="100000"/>
         </a:lnSpc>
@@ -5557,7 +5896,7 @@
           <a:spcPts val="0"/>
         </a:spcAft>
         <a:buNone/>
-        <a:defRPr b="0" i="0" sz="1400" u="none" cap="none" strike="noStrike">
+        <a:defRPr sz="1400" b="0" i="0" u="none" strike="noStrike" cap="none">
           <a:solidFill>
             <a:srgbClr val="000000"/>
           </a:solidFill>
@@ -5567,7 +5906,7 @@
           <a:sym typeface="Arial"/>
         </a:defRPr>
       </a:lvl4pPr>
-      <a:lvl5pPr lvl="4" marR="0" rtl="0" algn="l">
+      <a:lvl5pPr marR="0" lvl="4" algn="l" rtl="0">
         <a:lnSpc>
           <a:spcPct val="100000"/>
         </a:lnSpc>
@@ -5578,7 +5917,7 @@
           <a:spcPts val="0"/>
         </a:spcAft>
         <a:buNone/>
-        <a:defRPr b="0" i="0" sz="1400" u="none" cap="none" strike="noStrike">
+        <a:defRPr sz="1400" b="0" i="0" u="none" strike="noStrike" cap="none">
           <a:solidFill>
             <a:srgbClr val="000000"/>
           </a:solidFill>
@@ -5588,7 +5927,7 @@
           <a:sym typeface="Arial"/>
         </a:defRPr>
       </a:lvl5pPr>
-      <a:lvl6pPr lvl="5" marR="0" rtl="0" algn="l">
+      <a:lvl6pPr marR="0" lvl="5" algn="l" rtl="0">
         <a:lnSpc>
           <a:spcPct val="100000"/>
         </a:lnSpc>
@@ -5599,7 +5938,7 @@
           <a:spcPts val="0"/>
         </a:spcAft>
         <a:buNone/>
-        <a:defRPr b="0" i="0" sz="1400" u="none" cap="none" strike="noStrike">
+        <a:defRPr sz="1400" b="0" i="0" u="none" strike="noStrike" cap="none">
           <a:solidFill>
             <a:srgbClr val="000000"/>
           </a:solidFill>
@@ -5609,7 +5948,7 @@
           <a:sym typeface="Arial"/>
         </a:defRPr>
       </a:lvl6pPr>
-      <a:lvl7pPr lvl="6" marR="0" rtl="0" algn="l">
+      <a:lvl7pPr marR="0" lvl="6" algn="l" rtl="0">
         <a:lnSpc>
           <a:spcPct val="100000"/>
         </a:lnSpc>
@@ -5620,7 +5959,7 @@
           <a:spcPts val="0"/>
         </a:spcAft>
         <a:buNone/>
-        <a:defRPr b="0" i="0" sz="1400" u="none" cap="none" strike="noStrike">
+        <a:defRPr sz="1400" b="0" i="0" u="none" strike="noStrike" cap="none">
           <a:solidFill>
             <a:srgbClr val="000000"/>
           </a:solidFill>
@@ -5630,7 +5969,7 @@
           <a:sym typeface="Arial"/>
         </a:defRPr>
       </a:lvl7pPr>
-      <a:lvl8pPr lvl="7" marR="0" rtl="0" algn="l">
+      <a:lvl8pPr marR="0" lvl="7" algn="l" rtl="0">
         <a:lnSpc>
           <a:spcPct val="100000"/>
         </a:lnSpc>
@@ -5641,7 +5980,7 @@
           <a:spcPts val="0"/>
         </a:spcAft>
         <a:buNone/>
-        <a:defRPr b="0" i="0" sz="1400" u="none" cap="none" strike="noStrike">
+        <a:defRPr sz="1400" b="0" i="0" u="none" strike="noStrike" cap="none">
           <a:solidFill>
             <a:srgbClr val="000000"/>
           </a:solidFill>
@@ -5651,7 +5990,7 @@
           <a:sym typeface="Arial"/>
         </a:defRPr>
       </a:lvl8pPr>
-      <a:lvl9pPr lvl="8" marR="0" rtl="0" algn="l">
+      <a:lvl9pPr marR="0" lvl="8" algn="l" rtl="0">
         <a:lnSpc>
           <a:spcPct val="100000"/>
         </a:lnSpc>
@@ -5662,7 +6001,7 @@
           <a:spcPts val="0"/>
         </a:spcAft>
         <a:buNone/>
-        <a:defRPr b="0" i="0" sz="1400" u="none" cap="none" strike="noStrike">
+        <a:defRPr sz="1400" b="0" i="0" u="none" strike="noStrike" cap="none">
           <a:solidFill>
             <a:srgbClr val="000000"/>
           </a:solidFill>
@@ -5678,11 +6017,11 @@
 </file>
 
 <file path=ppt/slides/slide1.xml><?xml version="1.0" encoding="utf-8"?>
-<p:sld xmlns:a="http://schemas.openxmlformats.org/drawingml/2006/main" xmlns:r="http://schemas.openxmlformats.org/officeDocument/2006/relationships" xmlns:mc="http://schemas.openxmlformats.org/markup-compatibility/2006" xmlns:mv="urn:schemas-microsoft-com:mac:vml" xmlns:p="http://schemas.openxmlformats.org/presentationml/2006/main" xmlns:c="http://schemas.openxmlformats.org/drawingml/2006/chart" xmlns:dgm="http://schemas.openxmlformats.org/drawingml/2006/diagram" xmlns:o="urn:schemas-microsoft-com:office:office" xmlns:v="urn:schemas-microsoft-com:vml" xmlns:pvml="urn:schemas-microsoft-com:office:powerpoint" xmlns:com="http://schemas.openxmlformats.org/drawingml/2006/compatibility" xmlns:p14="http://schemas.microsoft.com/office/powerpoint/2010/main">
+<p:sld xmlns:a="http://schemas.openxmlformats.org/drawingml/2006/main" xmlns:r="http://schemas.openxmlformats.org/officeDocument/2006/relationships" xmlns:p="http://schemas.openxmlformats.org/presentationml/2006/main">
   <p:cSld>
     <p:spTree>
       <p:nvGrpSpPr>
-        <p:cNvPr id="58" name="Shape 58"/>
+        <p:cNvPr id="1" name="Shape 58"/>
         <p:cNvGrpSpPr/>
         <p:nvPr/>
       </p:nvGrpSpPr>
@@ -5697,7 +6036,9 @@
       <p:sp>
         <p:nvSpPr>
           <p:cNvPr id="59" name="Shape 59"/>
-          <p:cNvSpPr txBox="1"/>
+          <p:cNvSpPr txBox="1">
+            <a:spLocks noGrp="1"/>
+          </p:cNvSpPr>
           <p:nvPr>
             <p:ph type="ctrTitle"/>
           </p:nvPr>
@@ -5712,7 +6053,7 @@
           </a:prstGeom>
         </p:spPr>
         <p:txBody>
-          <a:bodyPr anchorCtr="0" anchor="b" bIns="91425" lIns="91425" rIns="91425" tIns="91425">
+          <a:bodyPr lIns="91425" tIns="91425" rIns="91425" bIns="91425" anchor="b" anchorCtr="0">
             <a:noAutofit/>
           </a:bodyPr>
           <a:lstStyle/>
@@ -5735,9 +6076,6 @@
               </a:spcBef>
               <a:buNone/>
             </a:pPr>
-            <a:r>
-              <a:t/>
-            </a:r>
             <a:endParaRPr sz="4000"/>
           </a:p>
           <a:p>
@@ -5757,9 +6095,11 @@
       <p:sp>
         <p:nvSpPr>
           <p:cNvPr id="60" name="Shape 60"/>
-          <p:cNvSpPr txBox="1"/>
+          <p:cNvSpPr txBox="1">
+            <a:spLocks noGrp="1"/>
+          </p:cNvSpPr>
           <p:nvPr>
-            <p:ph idx="1" type="subTitle"/>
+            <p:ph type="subTitle" idx="1"/>
           </p:nvPr>
         </p:nvSpPr>
         <p:spPr>
@@ -5772,7 +6112,7 @@
           </a:prstGeom>
         </p:spPr>
         <p:txBody>
-          <a:bodyPr anchorCtr="0" anchor="t" bIns="91425" lIns="91425" rIns="91425" tIns="91425">
+          <a:bodyPr lIns="91425" tIns="91425" rIns="91425" bIns="91425" anchor="t" anchorCtr="0">
             <a:noAutofit/>
           </a:bodyPr>
           <a:lstStyle/>
@@ -5802,9 +6142,6 @@
               </a:spcBef>
               <a:buNone/>
             </a:pPr>
-            <a:r>
-              <a:t/>
-            </a:r>
             <a:endParaRPr/>
           </a:p>
         </p:txBody>
@@ -5812,9 +6149,11 @@
       <p:sp>
         <p:nvSpPr>
           <p:cNvPr id="61" name="Shape 61"/>
-          <p:cNvSpPr txBox="1"/>
+          <p:cNvSpPr txBox="1">
+            <a:spLocks noGrp="1"/>
+          </p:cNvSpPr>
           <p:nvPr>
-            <p:ph idx="1" type="subTitle"/>
+            <p:ph type="subTitle" idx="1"/>
           </p:nvPr>
         </p:nvSpPr>
         <p:spPr>
@@ -5827,7 +6166,7 @@
           </a:prstGeom>
         </p:spPr>
         <p:txBody>
-          <a:bodyPr anchorCtr="0" anchor="t" bIns="91425" lIns="91425" rIns="91425" tIns="91425">
+          <a:bodyPr lIns="91425" tIns="91425" rIns="91425" bIns="91425" anchor="t" anchorCtr="0">
             <a:noAutofit/>
           </a:bodyPr>
           <a:lstStyle/>
@@ -5848,7 +6187,7 @@
             </a:r>
           </a:p>
           <a:p>
-            <a:pPr lvl="0" rtl="0" algn="l">
+            <a:pPr lvl="0" algn="l" rtl="0">
               <a:spcBef>
                 <a:spcPts val="0"/>
               </a:spcBef>
@@ -5868,9 +6207,11 @@
       <p:sp>
         <p:nvSpPr>
           <p:cNvPr id="62" name="Shape 62"/>
-          <p:cNvSpPr txBox="1"/>
+          <p:cNvSpPr txBox="1">
+            <a:spLocks noGrp="1"/>
+          </p:cNvSpPr>
           <p:nvPr>
-            <p:ph idx="1" type="subTitle"/>
+            <p:ph type="subTitle" idx="1"/>
           </p:nvPr>
         </p:nvSpPr>
         <p:spPr>
@@ -5883,12 +6224,12 @@
           </a:prstGeom>
         </p:spPr>
         <p:txBody>
-          <a:bodyPr anchorCtr="0" anchor="t" bIns="91425" lIns="91425" rIns="91425" tIns="91425">
+          <a:bodyPr lIns="91425" tIns="91425" rIns="91425" bIns="91425" anchor="t" anchorCtr="0">
             <a:noAutofit/>
           </a:bodyPr>
           <a:lstStyle/>
           <a:p>
-            <a:pPr lvl="0" rtl="0" algn="r">
+            <a:pPr lvl="0" algn="r" rtl="0">
               <a:spcBef>
                 <a:spcPts val="0"/>
               </a:spcBef>
@@ -5904,7 +6245,7 @@
             </a:r>
           </a:p>
           <a:p>
-            <a:pPr lvl="0" rtl="0" algn="r">
+            <a:pPr lvl="0" algn="r" rtl="0">
               <a:spcBef>
                 <a:spcPts val="0"/>
               </a:spcBef>
@@ -5920,7 +6261,7 @@
             </a:r>
           </a:p>
           <a:p>
-            <a:pPr lvl="0" rtl="0" algn="r">
+            <a:pPr lvl="0" algn="r" rtl="0">
               <a:spcBef>
                 <a:spcPts val="0"/>
               </a:spcBef>
@@ -5946,11 +6287,11 @@
 </file>
 
 <file path=ppt/slides/slide10.xml><?xml version="1.0" encoding="utf-8"?>
-<p:sld xmlns:a="http://schemas.openxmlformats.org/drawingml/2006/main" xmlns:r="http://schemas.openxmlformats.org/officeDocument/2006/relationships" xmlns:mc="http://schemas.openxmlformats.org/markup-compatibility/2006" xmlns:mv="urn:schemas-microsoft-com:mac:vml" xmlns:p="http://schemas.openxmlformats.org/presentationml/2006/main" xmlns:c="http://schemas.openxmlformats.org/drawingml/2006/chart" xmlns:dgm="http://schemas.openxmlformats.org/drawingml/2006/diagram" xmlns:o="urn:schemas-microsoft-com:office:office" xmlns:v="urn:schemas-microsoft-com:vml" xmlns:pvml="urn:schemas-microsoft-com:office:powerpoint" xmlns:com="http://schemas.openxmlformats.org/drawingml/2006/compatibility" xmlns:p14="http://schemas.microsoft.com/office/powerpoint/2010/main">
+<p:sld xmlns:a="http://schemas.openxmlformats.org/drawingml/2006/main" xmlns:r="http://schemas.openxmlformats.org/officeDocument/2006/relationships" xmlns:p="http://schemas.openxmlformats.org/presentationml/2006/main">
   <p:cSld>
     <p:spTree>
       <p:nvGrpSpPr>
-        <p:cNvPr id="145" name="Shape 145"/>
+        <p:cNvPr id="1" name="Shape 145"/>
         <p:cNvGrpSpPr/>
         <p:nvPr/>
       </p:nvGrpSpPr>
@@ -5965,7 +6306,9 @@
       <p:sp>
         <p:nvSpPr>
           <p:cNvPr id="146" name="Shape 146"/>
-          <p:cNvSpPr txBox="1"/>
+          <p:cNvSpPr txBox="1">
+            <a:spLocks noGrp="1"/>
+          </p:cNvSpPr>
           <p:nvPr>
             <p:ph type="title"/>
           </p:nvPr>
@@ -5980,7 +6323,7 @@
           </a:prstGeom>
         </p:spPr>
         <p:txBody>
-          <a:bodyPr anchorCtr="0" anchor="t" bIns="91425" lIns="91425" rIns="91425" tIns="91425">
+          <a:bodyPr lIns="91425" tIns="91425" rIns="91425" bIns="91425" anchor="t" anchorCtr="0">
             <a:noAutofit/>
           </a:bodyPr>
           <a:lstStyle/>
@@ -6011,24 +6354,26 @@
           </a:xfrm>
           <a:prstGeom prst="chevron">
             <a:avLst>
-              <a:gd fmla="val 50000" name="adj"/>
+              <a:gd name="adj" fmla="val 50000"/>
             </a:avLst>
           </a:prstGeom>
           <a:solidFill>
-            <a:srgbClr val="999999"/>
+            <a:schemeClr val="accent3">
+              <a:lumMod val="50000"/>
+            </a:schemeClr>
           </a:solidFill>
-          <a:ln cap="flat" cmpd="sng" w="9525">
+          <a:ln w="9525" cap="flat" cmpd="sng">
             <a:solidFill>
               <a:srgbClr val="EFEFEF"/>
             </a:solidFill>
             <a:prstDash val="solid"/>
             <a:round/>
-            <a:headEnd len="med" w="med" type="none"/>
-            <a:tailEnd len="med" w="med" type="none"/>
+            <a:headEnd type="none" w="med" len="med"/>
+            <a:tailEnd type="none" w="med" len="med"/>
           </a:ln>
         </p:spPr>
         <p:txBody>
-          <a:bodyPr anchorCtr="0" anchor="ctr" bIns="121875" lIns="121875" rIns="121875" tIns="121875">
+          <a:bodyPr lIns="121875" tIns="121875" rIns="121875" bIns="121875" anchor="ctr" anchorCtr="0">
             <a:noAutofit/>
           </a:bodyPr>
           <a:lstStyle/>
@@ -6039,9 +6384,6 @@
               </a:spcBef>
               <a:buNone/>
             </a:pPr>
-            <a:r>
-              <a:t/>
-            </a:r>
             <a:endParaRPr/>
           </a:p>
         </p:txBody>
@@ -6060,18 +6402,22 @@
           <a:prstGeom prst="rect">
             <a:avLst/>
           </a:prstGeom>
-          <a:noFill/>
+          <a:solidFill>
+            <a:schemeClr val="accent3">
+              <a:lumMod val="50000"/>
+            </a:schemeClr>
+          </a:solidFill>
           <a:ln>
             <a:noFill/>
           </a:ln>
         </p:spPr>
         <p:txBody>
-          <a:bodyPr anchorCtr="0" anchor="ctr" bIns="91425" lIns="91425" rIns="91425" tIns="91425">
+          <a:bodyPr lIns="91425" tIns="91425" rIns="91425" bIns="91425" anchor="ctr" anchorCtr="0">
             <a:noAutofit/>
           </a:bodyPr>
           <a:lstStyle/>
           <a:p>
-            <a:pPr lvl="0" rtl="0" algn="ctr">
+            <a:pPr lvl="0" algn="ctr" rtl="0">
               <a:spcBef>
                 <a:spcPts val="0"/>
               </a:spcBef>
@@ -6121,14 +6467,14 @@
               <a:avLst/>
             </a:prstGeom>
             <a:noFill/>
-            <a:ln cap="flat" cmpd="sng" w="9525">
+            <a:ln w="9525" cap="flat" cmpd="sng">
               <a:solidFill>
                 <a:srgbClr val="FFFFFF"/>
               </a:solidFill>
               <a:prstDash val="solid"/>
               <a:round/>
-              <a:headEnd len="med" w="med" type="none"/>
-              <a:tailEnd len="med" w="med" type="none"/>
+              <a:headEnd type="none" w="med" len="med"/>
+              <a:tailEnd type="none" w="med" len="med"/>
             </a:ln>
           </p:spPr>
         </p:cxnSp>
@@ -6149,18 +6495,18 @@
             <a:solidFill>
               <a:srgbClr val="666666"/>
             </a:solidFill>
-            <a:ln cap="flat" cmpd="sng" w="9525">
+            <a:ln w="9525" cap="flat" cmpd="sng">
               <a:solidFill>
                 <a:srgbClr val="FFFFFF"/>
               </a:solidFill>
               <a:prstDash val="solid"/>
               <a:round/>
-              <a:headEnd len="med" w="med" type="none"/>
-              <a:tailEnd len="med" w="med" type="none"/>
+              <a:headEnd type="none" w="med" len="med"/>
+              <a:tailEnd type="none" w="med" len="med"/>
             </a:ln>
           </p:spPr>
           <p:txBody>
-            <a:bodyPr anchorCtr="0" anchor="ctr" bIns="91425" lIns="91425" rIns="91425" tIns="91425">
+            <a:bodyPr lIns="91425" tIns="91425" rIns="91425" bIns="91425" anchor="ctr" anchorCtr="0">
               <a:noAutofit/>
             </a:bodyPr>
             <a:lstStyle/>
@@ -6171,9 +6517,6 @@
                 </a:spcBef>
                 <a:buNone/>
               </a:pPr>
-              <a:r>
-                <a:t/>
-              </a:r>
               <a:endParaRPr/>
             </a:p>
           </p:txBody>
@@ -6194,18 +6537,18 @@
             <a:avLst/>
           </a:prstGeom>
           <a:noFill/>
-          <a:ln cap="flat" cmpd="sng" w="9525">
+          <a:ln w="9525" cap="flat" cmpd="sng">
             <a:solidFill>
               <a:srgbClr val="FFFFFF"/>
             </a:solidFill>
             <a:prstDash val="solid"/>
             <a:round/>
-            <a:headEnd len="med" w="med" type="none"/>
-            <a:tailEnd len="med" w="med" type="none"/>
+            <a:headEnd type="none" w="med" len="med"/>
+            <a:tailEnd type="none" w="med" len="med"/>
           </a:ln>
         </p:spPr>
         <p:txBody>
-          <a:bodyPr anchorCtr="0" anchor="t" bIns="91425" lIns="91425" rIns="91425" tIns="91425">
+          <a:bodyPr lIns="91425" tIns="91425" rIns="91425" bIns="91425" anchor="t" anchorCtr="0">
             <a:noAutofit/>
           </a:bodyPr>
           <a:lstStyle/>
@@ -6223,7 +6566,7 @@
               <a:buNone/>
             </a:pPr>
             <a:r>
-              <a:rPr lang="en" sz="1800">
+              <a:rPr lang="en" sz="1800" dirty="0">
                 <a:solidFill>
                   <a:srgbClr val="FFFFFF"/>
                 </a:solidFill>
@@ -6250,24 +6593,26 @@
           </a:xfrm>
           <a:prstGeom prst="chevron">
             <a:avLst>
-              <a:gd fmla="val 50000" name="adj"/>
+              <a:gd name="adj" fmla="val 50000"/>
             </a:avLst>
           </a:prstGeom>
           <a:solidFill>
-            <a:srgbClr val="999999"/>
+            <a:schemeClr val="accent3">
+              <a:lumMod val="50000"/>
+            </a:schemeClr>
           </a:solidFill>
-          <a:ln cap="flat" cmpd="sng" w="9525">
+          <a:ln w="9525" cap="flat" cmpd="sng">
             <a:solidFill>
               <a:srgbClr val="EFEFEF"/>
             </a:solidFill>
             <a:prstDash val="solid"/>
             <a:round/>
-            <a:headEnd len="med" w="med" type="none"/>
-            <a:tailEnd len="med" w="med" type="none"/>
+            <a:headEnd type="none" w="med" len="med"/>
+            <a:tailEnd type="none" w="med" len="med"/>
           </a:ln>
         </p:spPr>
         <p:txBody>
-          <a:bodyPr anchorCtr="0" anchor="ctr" bIns="121875" lIns="121875" rIns="121875" tIns="121875">
+          <a:bodyPr lIns="121875" tIns="121875" rIns="121875" bIns="121875" anchor="ctr" anchorCtr="0">
             <a:noAutofit/>
           </a:bodyPr>
           <a:lstStyle/>
@@ -6278,9 +6623,6 @@
               </a:spcBef>
               <a:buNone/>
             </a:pPr>
-            <a:r>
-              <a:t/>
-            </a:r>
             <a:endParaRPr/>
           </a:p>
         </p:txBody>
@@ -6299,18 +6641,22 @@
           <a:prstGeom prst="rect">
             <a:avLst/>
           </a:prstGeom>
-          <a:noFill/>
+          <a:solidFill>
+            <a:schemeClr val="accent3">
+              <a:lumMod val="50000"/>
+            </a:schemeClr>
+          </a:solidFill>
           <a:ln>
             <a:noFill/>
           </a:ln>
         </p:spPr>
         <p:txBody>
-          <a:bodyPr anchorCtr="0" anchor="ctr" bIns="91425" lIns="91425" rIns="91425" tIns="91425">
+          <a:bodyPr lIns="91425" tIns="91425" rIns="91425" bIns="91425" anchor="ctr" anchorCtr="0">
             <a:noAutofit/>
           </a:bodyPr>
           <a:lstStyle/>
           <a:p>
-            <a:pPr lvl="0" rtl="0" algn="ctr">
+            <a:pPr lvl="0" algn="ctr" rtl="0">
               <a:spcBef>
                 <a:spcPts val="0"/>
               </a:spcBef>
@@ -6360,14 +6706,14 @@
               <a:avLst/>
             </a:prstGeom>
             <a:noFill/>
-            <a:ln cap="flat" cmpd="sng" w="9525">
+            <a:ln w="9525" cap="flat" cmpd="sng">
               <a:solidFill>
                 <a:srgbClr val="FFFFFF"/>
               </a:solidFill>
               <a:prstDash val="solid"/>
               <a:round/>
-              <a:headEnd len="med" w="med" type="none"/>
-              <a:tailEnd len="med" w="med" type="none"/>
+              <a:headEnd type="none" w="med" len="med"/>
+              <a:tailEnd type="none" w="med" len="med"/>
             </a:ln>
           </p:spPr>
         </p:cxnSp>
@@ -6388,18 +6734,18 @@
             <a:solidFill>
               <a:srgbClr val="666666"/>
             </a:solidFill>
-            <a:ln cap="flat" cmpd="sng" w="9525">
+            <a:ln w="9525" cap="flat" cmpd="sng">
               <a:solidFill>
                 <a:srgbClr val="FFFFFF"/>
               </a:solidFill>
               <a:prstDash val="solid"/>
               <a:round/>
-              <a:headEnd len="med" w="med" type="none"/>
-              <a:tailEnd len="med" w="med" type="none"/>
+              <a:headEnd type="none" w="med" len="med"/>
+              <a:tailEnd type="none" w="med" len="med"/>
             </a:ln>
           </p:spPr>
           <p:txBody>
-            <a:bodyPr anchorCtr="0" anchor="ctr" bIns="91425" lIns="91425" rIns="91425" tIns="91425">
+            <a:bodyPr lIns="91425" tIns="91425" rIns="91425" bIns="91425" anchor="ctr" anchorCtr="0">
               <a:noAutofit/>
             </a:bodyPr>
             <a:lstStyle/>
@@ -6410,9 +6756,6 @@
                 </a:spcBef>
                 <a:buNone/>
               </a:pPr>
-              <a:r>
-                <a:t/>
-              </a:r>
               <a:endParaRPr/>
             </a:p>
           </p:txBody>
@@ -6433,18 +6776,18 @@
             <a:avLst/>
           </a:prstGeom>
           <a:noFill/>
-          <a:ln cap="flat" cmpd="sng" w="9525">
+          <a:ln w="9525" cap="flat" cmpd="sng">
             <a:solidFill>
               <a:srgbClr val="FFFFFF"/>
             </a:solidFill>
             <a:prstDash val="solid"/>
             <a:round/>
-            <a:headEnd len="med" w="med" type="none"/>
-            <a:tailEnd len="med" w="med" type="none"/>
+            <a:headEnd type="none" w="med" len="med"/>
+            <a:tailEnd type="none" w="med" len="med"/>
           </a:ln>
         </p:spPr>
         <p:txBody>
-          <a:bodyPr anchorCtr="0" anchor="t" bIns="91425" lIns="91425" rIns="91425" tIns="91425">
+          <a:bodyPr lIns="91425" tIns="91425" rIns="91425" bIns="91425" anchor="t" anchorCtr="0">
             <a:noAutofit/>
           </a:bodyPr>
           <a:lstStyle/>
@@ -6462,7 +6805,7 @@
               <a:buNone/>
             </a:pPr>
             <a:r>
-              <a:rPr lang="en" sz="1900">
+              <a:rPr lang="en" sz="1800" dirty="0">
                 <a:solidFill>
                   <a:schemeClr val="dk1"/>
                 </a:solidFill>
@@ -6489,24 +6832,26 @@
           </a:xfrm>
           <a:prstGeom prst="chevron">
             <a:avLst>
-              <a:gd fmla="val 50000" name="adj"/>
+              <a:gd name="adj" fmla="val 50000"/>
             </a:avLst>
           </a:prstGeom>
           <a:solidFill>
-            <a:srgbClr val="999999"/>
+            <a:schemeClr val="accent3">
+              <a:lumMod val="50000"/>
+            </a:schemeClr>
           </a:solidFill>
-          <a:ln cap="flat" cmpd="sng" w="9525">
+          <a:ln w="9525" cap="flat" cmpd="sng">
             <a:solidFill>
               <a:srgbClr val="EFEFEF"/>
             </a:solidFill>
             <a:prstDash val="solid"/>
             <a:round/>
-            <a:headEnd len="med" w="med" type="none"/>
-            <a:tailEnd len="med" w="med" type="none"/>
+            <a:headEnd type="none" w="med" len="med"/>
+            <a:tailEnd type="none" w="med" len="med"/>
           </a:ln>
         </p:spPr>
         <p:txBody>
-          <a:bodyPr anchorCtr="0" anchor="ctr" bIns="121875" lIns="121875" rIns="121875" tIns="121875">
+          <a:bodyPr lIns="121875" tIns="121875" rIns="121875" bIns="121875" anchor="ctr" anchorCtr="0">
             <a:noAutofit/>
           </a:bodyPr>
           <a:lstStyle/>
@@ -6517,9 +6862,6 @@
               </a:spcBef>
               <a:buNone/>
             </a:pPr>
-            <a:r>
-              <a:t/>
-            </a:r>
             <a:endParaRPr/>
           </a:p>
         </p:txBody>
@@ -6538,18 +6880,22 @@
           <a:prstGeom prst="rect">
             <a:avLst/>
           </a:prstGeom>
-          <a:noFill/>
+          <a:solidFill>
+            <a:schemeClr val="accent3">
+              <a:lumMod val="50000"/>
+            </a:schemeClr>
+          </a:solidFill>
           <a:ln>
             <a:noFill/>
           </a:ln>
         </p:spPr>
         <p:txBody>
-          <a:bodyPr anchorCtr="0" anchor="ctr" bIns="91425" lIns="91425" rIns="91425" tIns="91425">
+          <a:bodyPr lIns="91425" tIns="91425" rIns="91425" bIns="91425" anchor="ctr" anchorCtr="0">
             <a:noAutofit/>
           </a:bodyPr>
           <a:lstStyle/>
           <a:p>
-            <a:pPr lvl="0" rtl="0" algn="ctr">
+            <a:pPr lvl="0" algn="ctr" rtl="0">
               <a:spcBef>
                 <a:spcPts val="0"/>
               </a:spcBef>
@@ -6599,14 +6945,14 @@
               <a:avLst/>
             </a:prstGeom>
             <a:noFill/>
-            <a:ln cap="flat" cmpd="sng" w="9525">
+            <a:ln w="9525" cap="flat" cmpd="sng">
               <a:solidFill>
                 <a:srgbClr val="FFFFFF"/>
               </a:solidFill>
               <a:prstDash val="solid"/>
               <a:round/>
-              <a:headEnd len="med" w="med" type="none"/>
-              <a:tailEnd len="med" w="med" type="none"/>
+              <a:headEnd type="none" w="med" len="med"/>
+              <a:tailEnd type="none" w="med" len="med"/>
             </a:ln>
           </p:spPr>
         </p:cxnSp>
@@ -6627,18 +6973,18 @@
             <a:solidFill>
               <a:srgbClr val="666666"/>
             </a:solidFill>
-            <a:ln cap="flat" cmpd="sng" w="9525">
+            <a:ln w="9525" cap="flat" cmpd="sng">
               <a:solidFill>
                 <a:srgbClr val="FFFFFF"/>
               </a:solidFill>
               <a:prstDash val="solid"/>
               <a:round/>
-              <a:headEnd len="med" w="med" type="none"/>
-              <a:tailEnd len="med" w="med" type="none"/>
+              <a:headEnd type="none" w="med" len="med"/>
+              <a:tailEnd type="none" w="med" len="med"/>
             </a:ln>
           </p:spPr>
           <p:txBody>
-            <a:bodyPr anchorCtr="0" anchor="ctr" bIns="91425" lIns="91425" rIns="91425" tIns="91425">
+            <a:bodyPr lIns="91425" tIns="91425" rIns="91425" bIns="91425" anchor="ctr" anchorCtr="0">
               <a:noAutofit/>
             </a:bodyPr>
             <a:lstStyle/>
@@ -6649,9 +6995,6 @@
                 </a:spcBef>
                 <a:buNone/>
               </a:pPr>
-              <a:r>
-                <a:t/>
-              </a:r>
               <a:endParaRPr/>
             </a:p>
           </p:txBody>
@@ -6672,23 +7015,23 @@
             <a:avLst/>
           </a:prstGeom>
           <a:noFill/>
-          <a:ln cap="flat" cmpd="sng" w="9525">
+          <a:ln w="9525" cap="flat" cmpd="sng">
             <a:solidFill>
               <a:srgbClr val="FFFFFF"/>
             </a:solidFill>
             <a:prstDash val="solid"/>
             <a:round/>
-            <a:headEnd len="med" w="med" type="none"/>
-            <a:tailEnd len="med" w="med" type="none"/>
+            <a:headEnd type="none" w="med" len="med"/>
+            <a:tailEnd type="none" w="med" len="med"/>
           </a:ln>
         </p:spPr>
         <p:txBody>
-          <a:bodyPr anchorCtr="0" anchor="t" bIns="91425" lIns="91425" rIns="91425" tIns="91425">
+          <a:bodyPr lIns="91425" tIns="91425" rIns="91425" bIns="91425" anchor="t" anchorCtr="0">
             <a:noAutofit/>
           </a:bodyPr>
           <a:lstStyle/>
           <a:p>
-            <a:pPr indent="-349250" lvl="0" marL="457200" rtl="0">
+            <a:pPr marL="457200" lvl="0" indent="-349250" rtl="0">
               <a:lnSpc>
                 <a:spcPct val="115000"/>
               </a:lnSpc>
@@ -6706,7 +7049,7 @@
               <a:buAutoNum type="arabicPeriod"/>
             </a:pPr>
             <a:r>
-              <a:rPr lang="en" sz="1900">
+              <a:rPr lang="en" sz="1800" dirty="0">
                 <a:solidFill>
                   <a:schemeClr val="dk1"/>
                 </a:solidFill>
@@ -6719,7 +7062,7 @@
             </a:r>
           </a:p>
           <a:p>
-            <a:pPr indent="-349250" lvl="0" marL="457200" rtl="0">
+            <a:pPr marL="457200" lvl="0" indent="-349250" rtl="0">
               <a:lnSpc>
                 <a:spcPct val="115000"/>
               </a:lnSpc>
@@ -6737,7 +7080,7 @@
               <a:buAutoNum type="arabicPeriod"/>
             </a:pPr>
             <a:r>
-              <a:rPr lang="en" sz="1900">
+              <a:rPr lang="en" sz="1800" dirty="0">
                 <a:solidFill>
                   <a:schemeClr val="dk1"/>
                 </a:solidFill>
@@ -6751,6 +7094,64 @@
           </a:p>
         </p:txBody>
       </p:sp>
+      <p:cxnSp>
+        <p:nvCxnSpPr>
+          <p:cNvPr id="21" name="Shape 128"/>
+          <p:cNvCxnSpPr>
+            <a:stCxn id="147" idx="3"/>
+            <a:endCxn id="153" idx="1"/>
+          </p:cNvCxnSpPr>
+          <p:nvPr/>
+        </p:nvCxnSpPr>
+        <p:spPr>
+          <a:xfrm>
+            <a:off x="2362788" y="1893350"/>
+            <a:ext cx="714210" cy="0"/>
+          </a:xfrm>
+          <a:prstGeom prst="straightConnector1">
+            <a:avLst/>
+          </a:prstGeom>
+          <a:noFill/>
+          <a:ln w="9525" cap="flat" cmpd="sng">
+            <a:solidFill>
+              <a:schemeClr val="dk2"/>
+            </a:solidFill>
+            <a:prstDash val="solid"/>
+            <a:round/>
+            <a:headEnd type="none" w="lg" len="lg"/>
+            <a:tailEnd type="triangle" w="lg" len="lg"/>
+          </a:ln>
+        </p:spPr>
+      </p:cxnSp>
+      <p:cxnSp>
+        <p:nvCxnSpPr>
+          <p:cNvPr id="24" name="Shape 128"/>
+          <p:cNvCxnSpPr>
+            <a:stCxn id="153" idx="3"/>
+            <a:endCxn id="159" idx="1"/>
+          </p:cNvCxnSpPr>
+          <p:nvPr/>
+        </p:nvCxnSpPr>
+        <p:spPr>
+          <a:xfrm>
+            <a:off x="5773547" y="1893350"/>
+            <a:ext cx="707791" cy="0"/>
+          </a:xfrm>
+          <a:prstGeom prst="straightConnector1">
+            <a:avLst/>
+          </a:prstGeom>
+          <a:noFill/>
+          <a:ln w="9525" cap="flat" cmpd="sng">
+            <a:solidFill>
+              <a:schemeClr val="dk2"/>
+            </a:solidFill>
+            <a:prstDash val="solid"/>
+            <a:round/>
+            <a:headEnd type="none" w="lg" len="lg"/>
+            <a:tailEnd type="triangle" w="lg" len="lg"/>
+          </a:ln>
+        </p:spPr>
+      </p:cxnSp>
     </p:spTree>
   </p:cSld>
   <p:clrMapOvr>
@@ -6760,11 +7161,11 @@
 </file>
 
 <file path=ppt/slides/slide11.xml><?xml version="1.0" encoding="utf-8"?>
-<p:sld xmlns:a="http://schemas.openxmlformats.org/drawingml/2006/main" xmlns:r="http://schemas.openxmlformats.org/officeDocument/2006/relationships" xmlns:mc="http://schemas.openxmlformats.org/markup-compatibility/2006" xmlns:mv="urn:schemas-microsoft-com:mac:vml" xmlns:p="http://schemas.openxmlformats.org/presentationml/2006/main" xmlns:c="http://schemas.openxmlformats.org/drawingml/2006/chart" xmlns:dgm="http://schemas.openxmlformats.org/drawingml/2006/diagram" xmlns:o="urn:schemas-microsoft-com:office:office" xmlns:v="urn:schemas-microsoft-com:vml" xmlns:pvml="urn:schemas-microsoft-com:office:powerpoint" xmlns:com="http://schemas.openxmlformats.org/drawingml/2006/compatibility" xmlns:p14="http://schemas.microsoft.com/office/powerpoint/2010/main">
+<p:sld xmlns:a="http://schemas.openxmlformats.org/drawingml/2006/main" xmlns:r="http://schemas.openxmlformats.org/officeDocument/2006/relationships" xmlns:p="http://schemas.openxmlformats.org/presentationml/2006/main">
   <p:cSld>
     <p:spTree>
       <p:nvGrpSpPr>
-        <p:cNvPr id="168" name="Shape 168"/>
+        <p:cNvPr id="1" name="Shape 168"/>
         <p:cNvGrpSpPr/>
         <p:nvPr/>
       </p:nvGrpSpPr>
@@ -6779,7 +7180,9 @@
       <p:sp>
         <p:nvSpPr>
           <p:cNvPr id="169" name="Shape 169"/>
-          <p:cNvSpPr txBox="1"/>
+          <p:cNvSpPr txBox="1">
+            <a:spLocks noGrp="1"/>
+          </p:cNvSpPr>
           <p:nvPr>
             <p:ph type="title"/>
           </p:nvPr>
@@ -6794,7 +7197,7 @@
           </a:prstGeom>
         </p:spPr>
         <p:txBody>
-          <a:bodyPr anchorCtr="0" anchor="ctr" bIns="91425" lIns="91425" rIns="91425" tIns="91425">
+          <a:bodyPr lIns="91425" tIns="91425" rIns="91425" bIns="91425" anchor="ctr" anchorCtr="0">
             <a:noAutofit/>
           </a:bodyPr>
           <a:lstStyle/>
@@ -6814,7 +7217,7 @@
       </p:sp>
       <p:pic>
         <p:nvPicPr>
-          <p:cNvPr descr="material.png" id="170" name="Shape 170"/>
+          <p:cNvPr id="170" name="Shape 170" descr="material.png"/>
           <p:cNvPicPr preferRelativeResize="0"/>
           <p:nvPr/>
         </p:nvPicPr>
@@ -6849,11 +7252,11 @@
 </file>
 
 <file path=ppt/slides/slide12.xml><?xml version="1.0" encoding="utf-8"?>
-<p:sld xmlns:a="http://schemas.openxmlformats.org/drawingml/2006/main" xmlns:r="http://schemas.openxmlformats.org/officeDocument/2006/relationships" xmlns:mc="http://schemas.openxmlformats.org/markup-compatibility/2006" xmlns:mv="urn:schemas-microsoft-com:mac:vml" xmlns:p="http://schemas.openxmlformats.org/presentationml/2006/main" xmlns:c="http://schemas.openxmlformats.org/drawingml/2006/chart" xmlns:dgm="http://schemas.openxmlformats.org/drawingml/2006/diagram" xmlns:o="urn:schemas-microsoft-com:office:office" xmlns:v="urn:schemas-microsoft-com:vml" xmlns:pvml="urn:schemas-microsoft-com:office:powerpoint" xmlns:com="http://schemas.openxmlformats.org/drawingml/2006/compatibility" xmlns:p14="http://schemas.microsoft.com/office/powerpoint/2010/main">
+<p:sld xmlns:a="http://schemas.openxmlformats.org/drawingml/2006/main" xmlns:r="http://schemas.openxmlformats.org/officeDocument/2006/relationships" xmlns:p="http://schemas.openxmlformats.org/presentationml/2006/main">
   <p:cSld>
     <p:spTree>
       <p:nvGrpSpPr>
-        <p:cNvPr id="174" name="Shape 174"/>
+        <p:cNvPr id="1" name="Shape 174"/>
         <p:cNvGrpSpPr/>
         <p:nvPr/>
       </p:nvGrpSpPr>
@@ -6868,7 +7271,9 @@
       <p:sp>
         <p:nvSpPr>
           <p:cNvPr id="175" name="Shape 175"/>
-          <p:cNvSpPr txBox="1"/>
+          <p:cNvSpPr txBox="1">
+            <a:spLocks noGrp="1"/>
+          </p:cNvSpPr>
           <p:nvPr>
             <p:ph type="title"/>
           </p:nvPr>
@@ -6883,7 +7288,7 @@
           </a:prstGeom>
         </p:spPr>
         <p:txBody>
-          <a:bodyPr anchorCtr="0" anchor="ctr" bIns="91425" lIns="91425" rIns="91425" tIns="91425">
+          <a:bodyPr lIns="91425" tIns="91425" rIns="91425" bIns="91425" anchor="ctr" anchorCtr="0">
             <a:noAutofit/>
           </a:bodyPr>
           <a:lstStyle/>
@@ -6918,18 +7323,18 @@
           <a:solidFill>
             <a:schemeClr val="lt2"/>
           </a:solidFill>
-          <a:ln cap="flat" cmpd="sng" w="9525">
+          <a:ln w="9525" cap="flat" cmpd="sng">
             <a:solidFill>
               <a:schemeClr val="dk2"/>
             </a:solidFill>
             <a:prstDash val="solid"/>
             <a:round/>
-            <a:headEnd len="med" w="med" type="none"/>
-            <a:tailEnd len="med" w="med" type="none"/>
+            <a:headEnd type="none" w="med" len="med"/>
+            <a:tailEnd type="none" w="med" len="med"/>
           </a:ln>
         </p:spPr>
         <p:txBody>
-          <a:bodyPr anchorCtr="0" anchor="ctr" bIns="91425" lIns="91425" rIns="91425" tIns="91425">
+          <a:bodyPr lIns="91425" tIns="91425" rIns="91425" bIns="91425" anchor="ctr" anchorCtr="0">
             <a:noAutofit/>
           </a:bodyPr>
           <a:lstStyle/>
@@ -6940,9 +7345,6 @@
               </a:spcBef>
               <a:buNone/>
             </a:pPr>
-            <a:r>
-              <a:t/>
-            </a:r>
             <a:endParaRPr/>
           </a:p>
         </p:txBody>
@@ -6964,18 +7366,18 @@
           <a:solidFill>
             <a:srgbClr val="000000"/>
           </a:solidFill>
-          <a:ln cap="flat" cmpd="sng" w="9525">
+          <a:ln w="9525" cap="flat" cmpd="sng">
             <a:solidFill>
               <a:schemeClr val="dk2"/>
             </a:solidFill>
             <a:prstDash val="solid"/>
             <a:round/>
-            <a:headEnd len="med" w="med" type="none"/>
-            <a:tailEnd len="med" w="med" type="none"/>
+            <a:headEnd type="none" w="med" len="med"/>
+            <a:tailEnd type="none" w="med" len="med"/>
           </a:ln>
         </p:spPr>
         <p:txBody>
-          <a:bodyPr anchorCtr="0" anchor="ctr" bIns="91425" lIns="91425" rIns="91425" tIns="91425">
+          <a:bodyPr lIns="91425" tIns="91425" rIns="91425" bIns="91425" anchor="ctr" anchorCtr="0">
             <a:noAutofit/>
           </a:bodyPr>
           <a:lstStyle/>
@@ -6986,9 +7388,6 @@
               </a:spcBef>
               <a:buNone/>
             </a:pPr>
-            <a:r>
-              <a:t/>
-            </a:r>
             <a:endParaRPr/>
           </a:p>
         </p:txBody>
@@ -7010,18 +7409,18 @@
           <a:solidFill>
             <a:srgbClr val="000000"/>
           </a:solidFill>
-          <a:ln cap="flat" cmpd="sng" w="9525">
+          <a:ln w="9525" cap="flat" cmpd="sng">
             <a:solidFill>
               <a:schemeClr val="dk2"/>
             </a:solidFill>
             <a:prstDash val="solid"/>
             <a:round/>
-            <a:headEnd len="med" w="med" type="none"/>
-            <a:tailEnd len="med" w="med" type="none"/>
+            <a:headEnd type="none" w="med" len="med"/>
+            <a:tailEnd type="none" w="med" len="med"/>
           </a:ln>
         </p:spPr>
         <p:txBody>
-          <a:bodyPr anchorCtr="0" anchor="ctr" bIns="91425" lIns="91425" rIns="91425" tIns="91425">
+          <a:bodyPr lIns="91425" tIns="91425" rIns="91425" bIns="91425" anchor="ctr" anchorCtr="0">
             <a:noAutofit/>
           </a:bodyPr>
           <a:lstStyle/>
@@ -7032,9 +7431,6 @@
               </a:spcBef>
               <a:buNone/>
             </a:pPr>
-            <a:r>
-              <a:t/>
-            </a:r>
             <a:endParaRPr/>
           </a:p>
         </p:txBody>
@@ -7056,18 +7452,18 @@
           <a:solidFill>
             <a:srgbClr val="000000"/>
           </a:solidFill>
-          <a:ln cap="flat" cmpd="sng" w="9525">
+          <a:ln w="9525" cap="flat" cmpd="sng">
             <a:solidFill>
               <a:schemeClr val="dk2"/>
             </a:solidFill>
             <a:prstDash val="solid"/>
             <a:round/>
-            <a:headEnd len="med" w="med" type="none"/>
-            <a:tailEnd len="med" w="med" type="none"/>
+            <a:headEnd type="none" w="med" len="med"/>
+            <a:tailEnd type="none" w="med" len="med"/>
           </a:ln>
         </p:spPr>
         <p:txBody>
-          <a:bodyPr anchorCtr="0" anchor="ctr" bIns="91425" lIns="91425" rIns="91425" tIns="91425">
+          <a:bodyPr lIns="91425" tIns="91425" rIns="91425" bIns="91425" anchor="ctr" anchorCtr="0">
             <a:noAutofit/>
           </a:bodyPr>
           <a:lstStyle/>
@@ -7078,9 +7474,6 @@
               </a:spcBef>
               <a:buNone/>
             </a:pPr>
-            <a:r>
-              <a:t/>
-            </a:r>
             <a:endParaRPr/>
           </a:p>
         </p:txBody>
@@ -7102,18 +7495,18 @@
           <a:solidFill>
             <a:srgbClr val="000000"/>
           </a:solidFill>
-          <a:ln cap="flat" cmpd="sng" w="9525">
+          <a:ln w="9525" cap="flat" cmpd="sng">
             <a:solidFill>
               <a:schemeClr val="dk2"/>
             </a:solidFill>
             <a:prstDash val="solid"/>
             <a:round/>
-            <a:headEnd len="med" w="med" type="none"/>
-            <a:tailEnd len="med" w="med" type="none"/>
+            <a:headEnd type="none" w="med" len="med"/>
+            <a:tailEnd type="none" w="med" len="med"/>
           </a:ln>
         </p:spPr>
         <p:txBody>
-          <a:bodyPr anchorCtr="0" anchor="ctr" bIns="91425" lIns="91425" rIns="91425" tIns="91425">
+          <a:bodyPr lIns="91425" tIns="91425" rIns="91425" bIns="91425" anchor="ctr" anchorCtr="0">
             <a:noAutofit/>
           </a:bodyPr>
           <a:lstStyle/>
@@ -7124,9 +7517,6 @@
               </a:spcBef>
               <a:buNone/>
             </a:pPr>
-            <a:r>
-              <a:t/>
-            </a:r>
             <a:endParaRPr/>
           </a:p>
         </p:txBody>
@@ -7148,18 +7538,18 @@
           <a:solidFill>
             <a:srgbClr val="000000"/>
           </a:solidFill>
-          <a:ln cap="flat" cmpd="sng" w="9525">
+          <a:ln w="9525" cap="flat" cmpd="sng">
             <a:solidFill>
               <a:schemeClr val="dk2"/>
             </a:solidFill>
             <a:prstDash val="solid"/>
             <a:round/>
-            <a:headEnd len="med" w="med" type="none"/>
-            <a:tailEnd len="med" w="med" type="none"/>
+            <a:headEnd type="none" w="med" len="med"/>
+            <a:tailEnd type="none" w="med" len="med"/>
           </a:ln>
         </p:spPr>
         <p:txBody>
-          <a:bodyPr anchorCtr="0" anchor="ctr" bIns="91425" lIns="91425" rIns="91425" tIns="91425">
+          <a:bodyPr lIns="91425" tIns="91425" rIns="91425" bIns="91425" anchor="ctr" anchorCtr="0">
             <a:noAutofit/>
           </a:bodyPr>
           <a:lstStyle/>
@@ -7170,9 +7560,6 @@
               </a:spcBef>
               <a:buNone/>
             </a:pPr>
-            <a:r>
-              <a:t/>
-            </a:r>
             <a:endParaRPr/>
           </a:p>
         </p:txBody>
@@ -7194,18 +7581,18 @@
           <a:solidFill>
             <a:srgbClr val="000000"/>
           </a:solidFill>
-          <a:ln cap="flat" cmpd="sng" w="9525">
+          <a:ln w="9525" cap="flat" cmpd="sng">
             <a:solidFill>
               <a:schemeClr val="dk2"/>
             </a:solidFill>
             <a:prstDash val="solid"/>
             <a:round/>
-            <a:headEnd len="med" w="med" type="none"/>
-            <a:tailEnd len="med" w="med" type="none"/>
+            <a:headEnd type="none" w="med" len="med"/>
+            <a:tailEnd type="none" w="med" len="med"/>
           </a:ln>
         </p:spPr>
         <p:txBody>
-          <a:bodyPr anchorCtr="0" anchor="ctr" bIns="91425" lIns="91425" rIns="91425" tIns="91425">
+          <a:bodyPr lIns="91425" tIns="91425" rIns="91425" bIns="91425" anchor="ctr" anchorCtr="0">
             <a:noAutofit/>
           </a:bodyPr>
           <a:lstStyle/>
@@ -7216,9 +7603,6 @@
               </a:spcBef>
               <a:buNone/>
             </a:pPr>
-            <a:r>
-              <a:t/>
-            </a:r>
             <a:endParaRPr/>
           </a:p>
         </p:txBody>
@@ -7240,18 +7624,18 @@
           <a:solidFill>
             <a:schemeClr val="lt2"/>
           </a:solidFill>
-          <a:ln cap="flat" cmpd="sng" w="9525">
+          <a:ln w="9525" cap="flat" cmpd="sng">
             <a:solidFill>
               <a:schemeClr val="dk2"/>
             </a:solidFill>
             <a:prstDash val="solid"/>
             <a:round/>
-            <a:headEnd len="med" w="med" type="none"/>
-            <a:tailEnd len="med" w="med" type="none"/>
+            <a:headEnd type="none" w="med" len="med"/>
+            <a:tailEnd type="none" w="med" len="med"/>
           </a:ln>
         </p:spPr>
         <p:txBody>
-          <a:bodyPr anchorCtr="0" anchor="ctr" bIns="91425" lIns="91425" rIns="91425" tIns="91425">
+          <a:bodyPr lIns="91425" tIns="91425" rIns="91425" bIns="91425" anchor="ctr" anchorCtr="0">
             <a:noAutofit/>
           </a:bodyPr>
           <a:lstStyle/>
@@ -7262,9 +7646,6 @@
               </a:spcBef>
               <a:buNone/>
             </a:pPr>
-            <a:r>
-              <a:t/>
-            </a:r>
             <a:endParaRPr/>
           </a:p>
         </p:txBody>
@@ -7286,18 +7667,18 @@
           <a:solidFill>
             <a:srgbClr val="000000"/>
           </a:solidFill>
-          <a:ln cap="flat" cmpd="sng" w="9525">
+          <a:ln w="9525" cap="flat" cmpd="sng">
             <a:solidFill>
               <a:schemeClr val="dk2"/>
             </a:solidFill>
             <a:prstDash val="solid"/>
             <a:round/>
-            <a:headEnd len="med" w="med" type="none"/>
-            <a:tailEnd len="med" w="med" type="none"/>
+            <a:headEnd type="none" w="med" len="med"/>
+            <a:tailEnd type="none" w="med" len="med"/>
           </a:ln>
         </p:spPr>
         <p:txBody>
-          <a:bodyPr anchorCtr="0" anchor="ctr" bIns="91425" lIns="91425" rIns="91425" tIns="91425">
+          <a:bodyPr lIns="91425" tIns="91425" rIns="91425" bIns="91425" anchor="ctr" anchorCtr="0">
             <a:noAutofit/>
           </a:bodyPr>
           <a:lstStyle/>
@@ -7308,9 +7689,6 @@
               </a:spcBef>
               <a:buNone/>
             </a:pPr>
-            <a:r>
-              <a:t/>
-            </a:r>
             <a:endParaRPr/>
           </a:p>
         </p:txBody>
@@ -7332,18 +7710,18 @@
           <a:solidFill>
             <a:srgbClr val="000000"/>
           </a:solidFill>
-          <a:ln cap="flat" cmpd="sng" w="9525">
+          <a:ln w="9525" cap="flat" cmpd="sng">
             <a:solidFill>
               <a:schemeClr val="dk2"/>
             </a:solidFill>
             <a:prstDash val="solid"/>
             <a:round/>
-            <a:headEnd len="med" w="med" type="none"/>
-            <a:tailEnd len="med" w="med" type="none"/>
+            <a:headEnd type="none" w="med" len="med"/>
+            <a:tailEnd type="none" w="med" len="med"/>
           </a:ln>
         </p:spPr>
         <p:txBody>
-          <a:bodyPr anchorCtr="0" anchor="ctr" bIns="91425" lIns="91425" rIns="91425" tIns="91425">
+          <a:bodyPr lIns="91425" tIns="91425" rIns="91425" bIns="91425" anchor="ctr" anchorCtr="0">
             <a:noAutofit/>
           </a:bodyPr>
           <a:lstStyle/>
@@ -7354,9 +7732,6 @@
               </a:spcBef>
               <a:buNone/>
             </a:pPr>
-            <a:r>
-              <a:t/>
-            </a:r>
             <a:endParaRPr/>
           </a:p>
         </p:txBody>
@@ -7378,18 +7753,18 @@
           <a:solidFill>
             <a:srgbClr val="000000"/>
           </a:solidFill>
-          <a:ln cap="flat" cmpd="sng" w="9525">
+          <a:ln w="9525" cap="flat" cmpd="sng">
             <a:solidFill>
               <a:schemeClr val="dk2"/>
             </a:solidFill>
             <a:prstDash val="solid"/>
             <a:round/>
-            <a:headEnd len="med" w="med" type="none"/>
-            <a:tailEnd len="med" w="med" type="none"/>
+            <a:headEnd type="none" w="med" len="med"/>
+            <a:tailEnd type="none" w="med" len="med"/>
           </a:ln>
         </p:spPr>
         <p:txBody>
-          <a:bodyPr anchorCtr="0" anchor="ctr" bIns="91425" lIns="91425" rIns="91425" tIns="91425">
+          <a:bodyPr lIns="91425" tIns="91425" rIns="91425" bIns="91425" anchor="ctr" anchorCtr="0">
             <a:noAutofit/>
           </a:bodyPr>
           <a:lstStyle/>
@@ -7400,9 +7775,6 @@
               </a:spcBef>
               <a:buNone/>
             </a:pPr>
-            <a:r>
-              <a:t/>
-            </a:r>
             <a:endParaRPr/>
           </a:p>
         </p:txBody>
@@ -7424,18 +7796,18 @@
           <a:solidFill>
             <a:srgbClr val="000000"/>
           </a:solidFill>
-          <a:ln cap="flat" cmpd="sng" w="9525">
+          <a:ln w="9525" cap="flat" cmpd="sng">
             <a:solidFill>
               <a:schemeClr val="dk2"/>
             </a:solidFill>
             <a:prstDash val="solid"/>
             <a:round/>
-            <a:headEnd len="med" w="med" type="none"/>
-            <a:tailEnd len="med" w="med" type="none"/>
+            <a:headEnd type="none" w="med" len="med"/>
+            <a:tailEnd type="none" w="med" len="med"/>
           </a:ln>
         </p:spPr>
         <p:txBody>
-          <a:bodyPr anchorCtr="0" anchor="ctr" bIns="91425" lIns="91425" rIns="91425" tIns="91425">
+          <a:bodyPr lIns="91425" tIns="91425" rIns="91425" bIns="91425" anchor="ctr" anchorCtr="0">
             <a:noAutofit/>
           </a:bodyPr>
           <a:lstStyle/>
@@ -7446,9 +7818,6 @@
               </a:spcBef>
               <a:buNone/>
             </a:pPr>
-            <a:r>
-              <a:t/>
-            </a:r>
             <a:endParaRPr/>
           </a:p>
         </p:txBody>
@@ -7470,18 +7839,18 @@
           <a:solidFill>
             <a:srgbClr val="000000"/>
           </a:solidFill>
-          <a:ln cap="flat" cmpd="sng" w="9525">
+          <a:ln w="9525" cap="flat" cmpd="sng">
             <a:solidFill>
               <a:schemeClr val="dk2"/>
             </a:solidFill>
             <a:prstDash val="solid"/>
             <a:round/>
-            <a:headEnd len="med" w="med" type="none"/>
-            <a:tailEnd len="med" w="med" type="none"/>
+            <a:headEnd type="none" w="med" len="med"/>
+            <a:tailEnd type="none" w="med" len="med"/>
           </a:ln>
         </p:spPr>
         <p:txBody>
-          <a:bodyPr anchorCtr="0" anchor="ctr" bIns="91425" lIns="91425" rIns="91425" tIns="91425">
+          <a:bodyPr lIns="91425" tIns="91425" rIns="91425" bIns="91425" anchor="ctr" anchorCtr="0">
             <a:noAutofit/>
           </a:bodyPr>
           <a:lstStyle/>
@@ -7492,9 +7861,6 @@
               </a:spcBef>
               <a:buNone/>
             </a:pPr>
-            <a:r>
-              <a:t/>
-            </a:r>
             <a:endParaRPr/>
           </a:p>
         </p:txBody>
@@ -7516,18 +7882,18 @@
           <a:solidFill>
             <a:srgbClr val="000000"/>
           </a:solidFill>
-          <a:ln cap="flat" cmpd="sng" w="9525">
+          <a:ln w="9525" cap="flat" cmpd="sng">
             <a:solidFill>
               <a:schemeClr val="dk2"/>
             </a:solidFill>
             <a:prstDash val="solid"/>
             <a:round/>
-            <a:headEnd len="med" w="med" type="none"/>
-            <a:tailEnd len="med" w="med" type="none"/>
+            <a:headEnd type="none" w="med" len="med"/>
+            <a:tailEnd type="none" w="med" len="med"/>
           </a:ln>
         </p:spPr>
         <p:txBody>
-          <a:bodyPr anchorCtr="0" anchor="ctr" bIns="91425" lIns="91425" rIns="91425" tIns="91425">
+          <a:bodyPr lIns="91425" tIns="91425" rIns="91425" bIns="91425" anchor="ctr" anchorCtr="0">
             <a:noAutofit/>
           </a:bodyPr>
           <a:lstStyle/>
@@ -7538,9 +7904,6 @@
               </a:spcBef>
               <a:buNone/>
             </a:pPr>
-            <a:r>
-              <a:t/>
-            </a:r>
             <a:endParaRPr/>
           </a:p>
         </p:txBody>
@@ -7562,18 +7925,18 @@
           <a:solidFill>
             <a:schemeClr val="lt2"/>
           </a:solidFill>
-          <a:ln cap="flat" cmpd="sng" w="9525">
+          <a:ln w="9525" cap="flat" cmpd="sng">
             <a:solidFill>
               <a:schemeClr val="dk2"/>
             </a:solidFill>
             <a:prstDash val="solid"/>
             <a:round/>
-            <a:headEnd len="med" w="med" type="none"/>
-            <a:tailEnd len="med" w="med" type="none"/>
+            <a:headEnd type="none" w="med" len="med"/>
+            <a:tailEnd type="none" w="med" len="med"/>
           </a:ln>
         </p:spPr>
         <p:txBody>
-          <a:bodyPr anchorCtr="0" anchor="ctr" bIns="91425" lIns="91425" rIns="91425" tIns="91425">
+          <a:bodyPr lIns="91425" tIns="91425" rIns="91425" bIns="91425" anchor="ctr" anchorCtr="0">
             <a:noAutofit/>
           </a:bodyPr>
           <a:lstStyle/>
@@ -7584,9 +7947,6 @@
               </a:spcBef>
               <a:buNone/>
             </a:pPr>
-            <a:r>
-              <a:t/>
-            </a:r>
             <a:endParaRPr/>
           </a:p>
         </p:txBody>
@@ -7608,18 +7968,18 @@
           <a:solidFill>
             <a:srgbClr val="000000"/>
           </a:solidFill>
-          <a:ln cap="flat" cmpd="sng" w="9525">
+          <a:ln w="9525" cap="flat" cmpd="sng">
             <a:solidFill>
               <a:schemeClr val="dk2"/>
             </a:solidFill>
             <a:prstDash val="solid"/>
             <a:round/>
-            <a:headEnd len="med" w="med" type="none"/>
-            <a:tailEnd len="med" w="med" type="none"/>
+            <a:headEnd type="none" w="med" len="med"/>
+            <a:tailEnd type="none" w="med" len="med"/>
           </a:ln>
         </p:spPr>
         <p:txBody>
-          <a:bodyPr anchorCtr="0" anchor="ctr" bIns="91425" lIns="91425" rIns="91425" tIns="91425">
+          <a:bodyPr lIns="91425" tIns="91425" rIns="91425" bIns="91425" anchor="ctr" anchorCtr="0">
             <a:noAutofit/>
           </a:bodyPr>
           <a:lstStyle/>
@@ -7630,9 +7990,6 @@
               </a:spcBef>
               <a:buNone/>
             </a:pPr>
-            <a:r>
-              <a:t/>
-            </a:r>
             <a:endParaRPr/>
           </a:p>
         </p:txBody>
@@ -7654,18 +8011,18 @@
           <a:solidFill>
             <a:srgbClr val="000000"/>
           </a:solidFill>
-          <a:ln cap="flat" cmpd="sng" w="9525">
+          <a:ln w="9525" cap="flat" cmpd="sng">
             <a:solidFill>
               <a:schemeClr val="dk2"/>
             </a:solidFill>
             <a:prstDash val="solid"/>
             <a:round/>
-            <a:headEnd len="med" w="med" type="none"/>
-            <a:tailEnd len="med" w="med" type="none"/>
+            <a:headEnd type="none" w="med" len="med"/>
+            <a:tailEnd type="none" w="med" len="med"/>
           </a:ln>
         </p:spPr>
         <p:txBody>
-          <a:bodyPr anchorCtr="0" anchor="ctr" bIns="91425" lIns="91425" rIns="91425" tIns="91425">
+          <a:bodyPr lIns="91425" tIns="91425" rIns="91425" bIns="91425" anchor="ctr" anchorCtr="0">
             <a:noAutofit/>
           </a:bodyPr>
           <a:lstStyle/>
@@ -7676,9 +8033,6 @@
               </a:spcBef>
               <a:buNone/>
             </a:pPr>
-            <a:r>
-              <a:t/>
-            </a:r>
             <a:endParaRPr/>
           </a:p>
         </p:txBody>
@@ -7700,18 +8054,18 @@
           <a:solidFill>
             <a:srgbClr val="000000"/>
           </a:solidFill>
-          <a:ln cap="flat" cmpd="sng" w="9525">
+          <a:ln w="9525" cap="flat" cmpd="sng">
             <a:solidFill>
               <a:schemeClr val="dk2"/>
             </a:solidFill>
             <a:prstDash val="solid"/>
             <a:round/>
-            <a:headEnd len="med" w="med" type="none"/>
-            <a:tailEnd len="med" w="med" type="none"/>
+            <a:headEnd type="none" w="med" len="med"/>
+            <a:tailEnd type="none" w="med" len="med"/>
           </a:ln>
         </p:spPr>
         <p:txBody>
-          <a:bodyPr anchorCtr="0" anchor="ctr" bIns="91425" lIns="91425" rIns="91425" tIns="91425">
+          <a:bodyPr lIns="91425" tIns="91425" rIns="91425" bIns="91425" anchor="ctr" anchorCtr="0">
             <a:noAutofit/>
           </a:bodyPr>
           <a:lstStyle/>
@@ -7722,9 +8076,6 @@
               </a:spcBef>
               <a:buNone/>
             </a:pPr>
-            <a:r>
-              <a:t/>
-            </a:r>
             <a:endParaRPr/>
           </a:p>
         </p:txBody>
@@ -7746,18 +8097,18 @@
           <a:solidFill>
             <a:srgbClr val="000000"/>
           </a:solidFill>
-          <a:ln cap="flat" cmpd="sng" w="9525">
+          <a:ln w="9525" cap="flat" cmpd="sng">
             <a:solidFill>
               <a:schemeClr val="dk2"/>
             </a:solidFill>
             <a:prstDash val="solid"/>
             <a:round/>
-            <a:headEnd len="med" w="med" type="none"/>
-            <a:tailEnd len="med" w="med" type="none"/>
+            <a:headEnd type="none" w="med" len="med"/>
+            <a:tailEnd type="none" w="med" len="med"/>
           </a:ln>
         </p:spPr>
         <p:txBody>
-          <a:bodyPr anchorCtr="0" anchor="ctr" bIns="91425" lIns="91425" rIns="91425" tIns="91425">
+          <a:bodyPr lIns="91425" tIns="91425" rIns="91425" bIns="91425" anchor="ctr" anchorCtr="0">
             <a:noAutofit/>
           </a:bodyPr>
           <a:lstStyle/>
@@ -7768,9 +8119,6 @@
               </a:spcBef>
               <a:buNone/>
             </a:pPr>
-            <a:r>
-              <a:t/>
-            </a:r>
             <a:endParaRPr/>
           </a:p>
         </p:txBody>
@@ -7792,18 +8140,18 @@
           <a:solidFill>
             <a:srgbClr val="000000"/>
           </a:solidFill>
-          <a:ln cap="flat" cmpd="sng" w="9525">
+          <a:ln w="9525" cap="flat" cmpd="sng">
             <a:solidFill>
               <a:schemeClr val="dk2"/>
             </a:solidFill>
             <a:prstDash val="solid"/>
             <a:round/>
-            <a:headEnd len="med" w="med" type="none"/>
-            <a:tailEnd len="med" w="med" type="none"/>
+            <a:headEnd type="none" w="med" len="med"/>
+            <a:tailEnd type="none" w="med" len="med"/>
           </a:ln>
         </p:spPr>
         <p:txBody>
-          <a:bodyPr anchorCtr="0" anchor="ctr" bIns="91425" lIns="91425" rIns="91425" tIns="91425">
+          <a:bodyPr lIns="91425" tIns="91425" rIns="91425" bIns="91425" anchor="ctr" anchorCtr="0">
             <a:noAutofit/>
           </a:bodyPr>
           <a:lstStyle/>
@@ -7814,9 +8162,6 @@
               </a:spcBef>
               <a:buNone/>
             </a:pPr>
-            <a:r>
-              <a:t/>
-            </a:r>
             <a:endParaRPr/>
           </a:p>
         </p:txBody>
@@ -7838,18 +8183,18 @@
           <a:solidFill>
             <a:srgbClr val="000000"/>
           </a:solidFill>
-          <a:ln cap="flat" cmpd="sng" w="9525">
+          <a:ln w="9525" cap="flat" cmpd="sng">
             <a:solidFill>
               <a:schemeClr val="dk2"/>
             </a:solidFill>
             <a:prstDash val="solid"/>
             <a:round/>
-            <a:headEnd len="med" w="med" type="none"/>
-            <a:tailEnd len="med" w="med" type="none"/>
+            <a:headEnd type="none" w="med" len="med"/>
+            <a:tailEnd type="none" w="med" len="med"/>
           </a:ln>
         </p:spPr>
         <p:txBody>
-          <a:bodyPr anchorCtr="0" anchor="ctr" bIns="91425" lIns="91425" rIns="91425" tIns="91425">
+          <a:bodyPr lIns="91425" tIns="91425" rIns="91425" bIns="91425" anchor="ctr" anchorCtr="0">
             <a:noAutofit/>
           </a:bodyPr>
           <a:lstStyle/>
@@ -7860,9 +8205,6 @@
               </a:spcBef>
               <a:buNone/>
             </a:pPr>
-            <a:r>
-              <a:t/>
-            </a:r>
             <a:endParaRPr/>
           </a:p>
         </p:txBody>
@@ -7870,7 +8212,9 @@
       <p:sp>
         <p:nvSpPr>
           <p:cNvPr id="197" name="Shape 197"/>
-          <p:cNvSpPr txBox="1"/>
+          <p:cNvSpPr txBox="1">
+            <a:spLocks noGrp="1"/>
+          </p:cNvSpPr>
           <p:nvPr>
             <p:ph type="title"/>
           </p:nvPr>
@@ -7885,12 +8229,12 @@
           </a:prstGeom>
         </p:spPr>
         <p:txBody>
-          <a:bodyPr anchorCtr="0" anchor="ctr" bIns="91425" lIns="91425" rIns="91425" tIns="91425">
+          <a:bodyPr lIns="91425" tIns="91425" rIns="91425" bIns="91425" anchor="ctr" anchorCtr="0">
             <a:noAutofit/>
           </a:bodyPr>
           <a:lstStyle/>
           <a:p>
-            <a:pPr indent="457200" lvl="0" marL="457200" rtl="0" algn="l">
+            <a:pPr marL="457200" lvl="0" indent="457200" algn="l" rtl="0">
               <a:spcBef>
                 <a:spcPts val="0"/>
               </a:spcBef>
@@ -7912,11 +8256,11 @@
 </file>
 
 <file path=ppt/slides/slide13.xml><?xml version="1.0" encoding="utf-8"?>
-<p:sld xmlns:a="http://schemas.openxmlformats.org/drawingml/2006/main" xmlns:r="http://schemas.openxmlformats.org/officeDocument/2006/relationships" xmlns:mc="http://schemas.openxmlformats.org/markup-compatibility/2006" xmlns:mv="urn:schemas-microsoft-com:mac:vml" xmlns:p="http://schemas.openxmlformats.org/presentationml/2006/main" xmlns:c="http://schemas.openxmlformats.org/drawingml/2006/chart" xmlns:dgm="http://schemas.openxmlformats.org/drawingml/2006/diagram" xmlns:o="urn:schemas-microsoft-com:office:office" xmlns:v="urn:schemas-microsoft-com:vml" xmlns:pvml="urn:schemas-microsoft-com:office:powerpoint" xmlns:com="http://schemas.openxmlformats.org/drawingml/2006/compatibility" xmlns:p14="http://schemas.microsoft.com/office/powerpoint/2010/main">
+<p:sld xmlns:a="http://schemas.openxmlformats.org/drawingml/2006/main" xmlns:r="http://schemas.openxmlformats.org/officeDocument/2006/relationships" xmlns:p="http://schemas.openxmlformats.org/presentationml/2006/main">
   <p:cSld>
     <p:spTree>
       <p:nvGrpSpPr>
-        <p:cNvPr id="201" name="Shape 201"/>
+        <p:cNvPr id="1" name="Shape 201"/>
         <p:cNvGrpSpPr/>
         <p:nvPr/>
       </p:nvGrpSpPr>
@@ -7931,14 +8275,16 @@
       <p:sp>
         <p:nvSpPr>
           <p:cNvPr id="202" name="Shape 202"/>
-          <p:cNvSpPr txBox="1"/>
+          <p:cNvSpPr txBox="1">
+            <a:spLocks noGrp="1"/>
+          </p:cNvSpPr>
           <p:nvPr>
             <p:ph type="title"/>
           </p:nvPr>
         </p:nvSpPr>
         <p:spPr>
           <a:xfrm>
-            <a:off x="311700" y="555600"/>
+            <a:off x="311700" y="332317"/>
             <a:ext cx="2807999" cy="755699"/>
           </a:xfrm>
           <a:prstGeom prst="rect">
@@ -7946,7 +8292,7 @@
           </a:prstGeom>
         </p:spPr>
         <p:txBody>
-          <a:bodyPr anchorCtr="0" anchor="b" bIns="91425" lIns="91425" rIns="91425" tIns="91425">
+          <a:bodyPr lIns="91425" tIns="91425" rIns="91425" bIns="91425" anchor="b" anchorCtr="0">
             <a:noAutofit/>
           </a:bodyPr>
           <a:lstStyle/>
@@ -7958,7 +8304,7 @@
               <a:buNone/>
             </a:pPr>
             <a:r>
-              <a:rPr lang="en"/>
+              <a:rPr lang="en" sz="3000" dirty="0"/>
               <a:t>Distance Energy</a:t>
             </a:r>
           </a:p>
@@ -7967,9 +8313,11 @@
       <p:sp>
         <p:nvSpPr>
           <p:cNvPr id="203" name="Shape 203"/>
-          <p:cNvSpPr txBox="1"/>
+          <p:cNvSpPr txBox="1">
+            <a:spLocks noGrp="1"/>
+          </p:cNvSpPr>
           <p:nvPr>
-            <p:ph idx="1" type="body"/>
+            <p:ph type="body" idx="1"/>
           </p:nvPr>
         </p:nvSpPr>
         <p:spPr>
@@ -7982,7 +8330,7 @@
           </a:prstGeom>
         </p:spPr>
         <p:txBody>
-          <a:bodyPr anchorCtr="0" anchor="t" bIns="91425" lIns="91425" rIns="91425" tIns="91425">
+          <a:bodyPr lIns="91425" tIns="91425" rIns="91425" bIns="91425" anchor="t" anchorCtr="0">
             <a:noAutofit/>
           </a:bodyPr>
           <a:lstStyle/>
@@ -7994,15 +8342,27 @@
               <a:buNone/>
             </a:pPr>
             <a:r>
-              <a:rPr lang="en" sz="1400"/>
+              <a:rPr lang="en" sz="1400" dirty="0">
+                <a:solidFill>
+                  <a:schemeClr val="tx1"/>
+                </a:solidFill>
+              </a:rPr>
               <a:t>The D-eigenvalues of a graph G are the eigenvalues of its distance matrix D , and the D-energy E</a:t>
             </a:r>
             <a:r>
-              <a:rPr baseline="-25000" lang="en" sz="1400"/>
+              <a:rPr lang="en" sz="1400" baseline="-25000" dirty="0">
+                <a:solidFill>
+                  <a:schemeClr val="tx1"/>
+                </a:solidFill>
+              </a:rPr>
               <a:t>D</a:t>
             </a:r>
             <a:r>
-              <a:rPr lang="en" sz="1400"/>
+              <a:rPr lang="en" sz="1400" dirty="0">
+                <a:solidFill>
+                  <a:schemeClr val="tx1"/>
+                </a:solidFill>
+              </a:rPr>
               <a:t>(G) is the sum of the absolute values of its D-eigenvalues. </a:t>
             </a:r>
           </a:p>
@@ -8014,13 +8374,17 @@
               <a:buNone/>
             </a:pPr>
             <a:r>
-              <a:rPr lang="en" sz="1400"/>
+              <a:rPr lang="en" sz="1400" dirty="0">
+                <a:solidFill>
+                  <a:schemeClr val="tx1"/>
+                </a:solidFill>
+              </a:rPr>
               <a:t>Two graphs are said to be D-equienergetic if they have the same D-energy. </a:t>
             </a:r>
             <a:r>
-              <a:rPr b="1" lang="en" sz="1400">
-                <a:solidFill>
-                  <a:srgbClr val="F3F3F3"/>
+              <a:rPr lang="en" sz="1400" b="1" dirty="0">
+                <a:solidFill>
+                  <a:schemeClr val="tx1"/>
                 </a:solidFill>
               </a:rPr>
               <a:t>It has been proved that there exist pairs of non-D-cospectral D-equienergetic graphs of order n for every n ≥ 6 .</a:t>
@@ -8030,7 +8394,7 @@
       </p:sp>
       <p:pic>
         <p:nvPicPr>
-          <p:cNvPr descr="Screenshot from 2016-11-23 01:04:54.png" id="204" name="Shape 204"/>
+          <p:cNvPr id="204" name="Shape 204" descr="Screenshot from 2016-11-23 01:04:54.png"/>
           <p:cNvPicPr preferRelativeResize="0"/>
           <p:nvPr/>
         </p:nvPicPr>
@@ -8058,7 +8422,7 @@
       </p:pic>
       <p:pic>
         <p:nvPicPr>
-          <p:cNvPr descr="Screenshot from 2016-11-23 01:07:03.png" id="205" name="Shape 205"/>
+          <p:cNvPr id="205" name="Shape 205" descr="Screenshot from 2016-11-23 01:07:03.png"/>
           <p:cNvPicPr preferRelativeResize="0"/>
           <p:nvPr/>
         </p:nvPicPr>
@@ -8086,7 +8450,7 @@
       </p:pic>
       <p:pic>
         <p:nvPicPr>
-          <p:cNvPr descr="Screenshot from 2016-11-23 01:08:19.png" id="206" name="Shape 206"/>
+          <p:cNvPr id="206" name="Shape 206" descr="Screenshot from 2016-11-23 01:08:19.png"/>
           <p:cNvPicPr preferRelativeResize="0"/>
           <p:nvPr/>
         </p:nvPicPr>
@@ -8121,11 +8485,11 @@
 </file>
 
 <file path=ppt/slides/slide14.xml><?xml version="1.0" encoding="utf-8"?>
-<p:sld xmlns:a="http://schemas.openxmlformats.org/drawingml/2006/main" xmlns:r="http://schemas.openxmlformats.org/officeDocument/2006/relationships" xmlns:mc="http://schemas.openxmlformats.org/markup-compatibility/2006" xmlns:mv="urn:schemas-microsoft-com:mac:vml" xmlns:p="http://schemas.openxmlformats.org/presentationml/2006/main" xmlns:c="http://schemas.openxmlformats.org/drawingml/2006/chart" xmlns:dgm="http://schemas.openxmlformats.org/drawingml/2006/diagram" xmlns:o="urn:schemas-microsoft-com:office:office" xmlns:v="urn:schemas-microsoft-com:vml" xmlns:pvml="urn:schemas-microsoft-com:office:powerpoint" xmlns:com="http://schemas.openxmlformats.org/drawingml/2006/compatibility" xmlns:p14="http://schemas.microsoft.com/office/powerpoint/2010/main">
+<p:sld xmlns:a="http://schemas.openxmlformats.org/drawingml/2006/main" xmlns:r="http://schemas.openxmlformats.org/officeDocument/2006/relationships" xmlns:p="http://schemas.openxmlformats.org/presentationml/2006/main">
   <p:cSld>
     <p:spTree>
       <p:nvGrpSpPr>
-        <p:cNvPr id="210" name="Shape 210"/>
+        <p:cNvPr id="1" name="Shape 210"/>
         <p:cNvGrpSpPr/>
         <p:nvPr/>
       </p:nvGrpSpPr>
@@ -8157,7 +8521,7 @@
           </a:ln>
         </p:spPr>
         <p:txBody>
-          <a:bodyPr anchorCtr="0" anchor="t" bIns="91425" lIns="91425" rIns="91425" tIns="91425">
+          <a:bodyPr lIns="91425" tIns="91425" rIns="91425" bIns="91425" anchor="t" anchorCtr="0">
             <a:noAutofit/>
           </a:bodyPr>
           <a:lstStyle/>
@@ -8203,7 +8567,7 @@
           </a:ln>
         </p:spPr>
         <p:txBody>
-          <a:bodyPr anchorCtr="0" anchor="t" bIns="91425" lIns="91425" rIns="91425" tIns="91425">
+          <a:bodyPr lIns="91425" tIns="91425" rIns="91425" bIns="91425" anchor="t" anchorCtr="0">
             <a:noAutofit/>
           </a:bodyPr>
           <a:lstStyle/>
@@ -8220,9 +8584,6 @@
               </a:spcAft>
               <a:buNone/>
             </a:pPr>
-            <a:r>
-              <a:t/>
-            </a:r>
             <a:endParaRPr sz="1900">
               <a:solidFill>
                 <a:srgbClr val="FFFFFF"/>
@@ -8237,7 +8598,7 @@
       </p:sp>
       <p:pic>
         <p:nvPicPr>
-          <p:cNvPr descr="Screenshot from 2016-11-23 01:11:33.png" id="213" name="Shape 213"/>
+          <p:cNvPr id="213" name="Shape 213" descr="Screenshot from 2016-11-23 01:11:33.png"/>
           <p:cNvPicPr preferRelativeResize="0"/>
           <p:nvPr/>
         </p:nvPicPr>
@@ -8271,8 +8632,8 @@
         </p:nvSpPr>
         <p:spPr>
           <a:xfrm>
-            <a:off x="2707350" y="4568875"/>
-            <a:ext cx="3729300" cy="216600"/>
+            <a:off x="2707350" y="4568874"/>
+            <a:ext cx="3729300" cy="343367"/>
           </a:xfrm>
           <a:prstGeom prst="rect">
             <a:avLst/>
@@ -8283,7 +8644,7 @@
           </a:ln>
         </p:spPr>
         <p:txBody>
-          <a:bodyPr anchorCtr="0" anchor="t" bIns="91425" lIns="91425" rIns="91425" tIns="91425">
+          <a:bodyPr lIns="91425" tIns="91425" rIns="91425" bIns="91425" anchor="t" anchorCtr="0">
             <a:noAutofit/>
           </a:bodyPr>
           <a:lstStyle/>
@@ -8295,9 +8656,9 @@
               <a:buNone/>
             </a:pPr>
             <a:r>
-              <a:rPr lang="en">
-                <a:solidFill>
-                  <a:srgbClr val="D9D9D9"/>
+              <a:rPr lang="en" dirty="0">
+                <a:solidFill>
+                  <a:schemeClr val="tx1"/>
                 </a:solidFill>
               </a:rPr>
               <a:t>Sample Computation for 5 particle system</a:t>
@@ -8314,11 +8675,11 @@
 </file>
 
 <file path=ppt/slides/slide15.xml><?xml version="1.0" encoding="utf-8"?>
-<p:sld xmlns:a="http://schemas.openxmlformats.org/drawingml/2006/main" xmlns:r="http://schemas.openxmlformats.org/officeDocument/2006/relationships" xmlns:mc="http://schemas.openxmlformats.org/markup-compatibility/2006" xmlns:mv="urn:schemas-microsoft-com:mac:vml" xmlns:p="http://schemas.openxmlformats.org/presentationml/2006/main" xmlns:c="http://schemas.openxmlformats.org/drawingml/2006/chart" xmlns:dgm="http://schemas.openxmlformats.org/drawingml/2006/diagram" xmlns:o="urn:schemas-microsoft-com:office:office" xmlns:v="urn:schemas-microsoft-com:vml" xmlns:pvml="urn:schemas-microsoft-com:office:powerpoint" xmlns:com="http://schemas.openxmlformats.org/drawingml/2006/compatibility" xmlns:p14="http://schemas.microsoft.com/office/powerpoint/2010/main">
+<p:sld xmlns:a="http://schemas.openxmlformats.org/drawingml/2006/main" xmlns:r="http://schemas.openxmlformats.org/officeDocument/2006/relationships" xmlns:p="http://schemas.openxmlformats.org/presentationml/2006/main">
   <p:cSld>
     <p:spTree>
       <p:nvGrpSpPr>
-        <p:cNvPr id="218" name="Shape 218"/>
+        <p:cNvPr id="1" name="Shape 218"/>
         <p:cNvGrpSpPr/>
         <p:nvPr/>
       </p:nvGrpSpPr>
@@ -8350,7 +8711,7 @@
           </a:ln>
         </p:spPr>
         <p:txBody>
-          <a:bodyPr anchorCtr="0" anchor="t" bIns="91425" lIns="91425" rIns="91425" tIns="91425">
+          <a:bodyPr lIns="91425" tIns="91425" rIns="91425" bIns="91425" anchor="t" anchorCtr="0">
             <a:noAutofit/>
           </a:bodyPr>
           <a:lstStyle/>
@@ -8362,7 +8723,7 @@
               <a:buNone/>
             </a:pPr>
             <a:r>
-              <a:rPr lang="en" sz="3000">
+              <a:rPr lang="en" sz="3000" dirty="0">
                 <a:solidFill>
                   <a:srgbClr val="FFFFFF"/>
                 </a:solidFill>
@@ -8371,7 +8732,7 @@
                 <a:cs typeface="Oswald"/>
                 <a:sym typeface="Oswald"/>
               </a:rPr>
-              <a:t>Crowding Factor Quantification</a:t>
+              <a:t>Need for Crowding Factor Quantification</a:t>
             </a:r>
           </a:p>
         </p:txBody>
@@ -8396,7 +8757,7 @@
           </a:ln>
         </p:spPr>
         <p:txBody>
-          <a:bodyPr anchorCtr="0" anchor="t" bIns="91425" lIns="91425" rIns="91425" tIns="91425">
+          <a:bodyPr lIns="91425" tIns="91425" rIns="91425" bIns="91425" anchor="t" anchorCtr="0">
             <a:noAutofit/>
           </a:bodyPr>
           <a:lstStyle/>
@@ -8413,9 +8774,6 @@
               </a:spcAft>
               <a:buNone/>
             </a:pPr>
-            <a:r>
-              <a:t/>
-            </a:r>
             <a:endParaRPr sz="1900">
               <a:solidFill>
                 <a:srgbClr val="FFFFFF"/>
@@ -8465,11 +8823,11 @@
 </file>
 
 <file path=ppt/slides/slide16.xml><?xml version="1.0" encoding="utf-8"?>
-<p:sld xmlns:a="http://schemas.openxmlformats.org/drawingml/2006/main" xmlns:r="http://schemas.openxmlformats.org/officeDocument/2006/relationships" xmlns:mc="http://schemas.openxmlformats.org/markup-compatibility/2006" xmlns:mv="urn:schemas-microsoft-com:mac:vml" xmlns:p="http://schemas.openxmlformats.org/presentationml/2006/main" xmlns:c="http://schemas.openxmlformats.org/drawingml/2006/chart" xmlns:dgm="http://schemas.openxmlformats.org/drawingml/2006/diagram" xmlns:o="urn:schemas-microsoft-com:office:office" xmlns:v="urn:schemas-microsoft-com:vml" xmlns:pvml="urn:schemas-microsoft-com:office:powerpoint" xmlns:com="http://schemas.openxmlformats.org/drawingml/2006/compatibility" xmlns:p14="http://schemas.microsoft.com/office/powerpoint/2010/main">
+<p:sld xmlns:a="http://schemas.openxmlformats.org/drawingml/2006/main" xmlns:r="http://schemas.openxmlformats.org/officeDocument/2006/relationships" xmlns:p="http://schemas.openxmlformats.org/presentationml/2006/main">
   <p:cSld>
     <p:spTree>
       <p:nvGrpSpPr>
-        <p:cNvPr id="225" name="Shape 225"/>
+        <p:cNvPr id="1" name="Shape 231"/>
         <p:cNvGrpSpPr/>
         <p:nvPr/>
       </p:nvGrpSpPr>
@@ -8483,15 +8841,17 @@
       </p:grpSpPr>
       <p:sp>
         <p:nvSpPr>
-          <p:cNvPr id="226" name="Shape 226"/>
-          <p:cNvSpPr txBox="1"/>
+          <p:cNvPr id="232" name="Shape 232"/>
+          <p:cNvSpPr txBox="1">
+            <a:spLocks noGrp="1"/>
+          </p:cNvSpPr>
           <p:nvPr>
             <p:ph type="title"/>
           </p:nvPr>
         </p:nvSpPr>
         <p:spPr>
           <a:xfrm>
-            <a:off x="311700" y="445025"/>
+            <a:off x="311700" y="235350"/>
             <a:ext cx="8520600" cy="572700"/>
           </a:xfrm>
           <a:prstGeom prst="rect">
@@ -8499,12 +8859,12 @@
           </a:prstGeom>
         </p:spPr>
         <p:txBody>
-          <a:bodyPr anchorCtr="0" anchor="t" bIns="91425" lIns="91425" rIns="91425" tIns="91425">
+          <a:bodyPr lIns="91425" tIns="91425" rIns="91425" bIns="91425" anchor="t" anchorCtr="0">
             <a:noAutofit/>
           </a:bodyPr>
           <a:lstStyle/>
           <a:p>
-            <a:pPr lvl="0">
+            <a:pPr lvl="0" rtl="0">
               <a:spcBef>
                 <a:spcPts val="0"/>
               </a:spcBef>
@@ -8512,91 +8872,245 @@
             </a:pPr>
             <a:r>
               <a:rPr lang="en"/>
-              <a:t>Procedure used for modelling	</a:t>
+              <a:t>Activities to be Followed</a:t>
             </a:r>
           </a:p>
         </p:txBody>
       </p:sp>
       <p:sp>
         <p:nvSpPr>
-          <p:cNvPr id="227" name="Shape 227"/>
-          <p:cNvSpPr txBox="1"/>
+          <p:cNvPr id="233" name="Shape 233"/>
+          <p:cNvSpPr txBox="1">
+            <a:spLocks noGrp="1"/>
+          </p:cNvSpPr>
           <p:nvPr>
-            <p:ph idx="1" type="body"/>
+            <p:ph type="body" idx="1"/>
           </p:nvPr>
         </p:nvSpPr>
         <p:spPr>
           <a:xfrm>
-            <a:off x="311700" y="1152475"/>
-            <a:ext cx="8520600" cy="3416400"/>
+            <a:off x="311700" y="808050"/>
+            <a:ext cx="8667900" cy="4139100"/>
           </a:xfrm>
           <a:prstGeom prst="rect">
             <a:avLst/>
           </a:prstGeom>
         </p:spPr>
         <p:txBody>
-          <a:bodyPr anchorCtr="0" anchor="t" bIns="91425" lIns="91425" rIns="91425" tIns="91425">
+          <a:bodyPr lIns="91425" tIns="91425" rIns="91425" bIns="91425" anchor="t" anchorCtr="0">
             <a:noAutofit/>
           </a:bodyPr>
           <a:lstStyle/>
           <a:p>
-            <a:pPr indent="-228600" lvl="0" marL="457200" rtl="0">
-              <a:spcBef>
-                <a:spcPts val="0"/>
-              </a:spcBef>
+            <a:pPr marL="457200" lvl="0" indent="-228600" rtl="0">
+              <a:lnSpc>
+                <a:spcPct val="100000"/>
+              </a:lnSpc>
+              <a:spcBef>
+                <a:spcPts val="0"/>
+              </a:spcBef>
+              <a:buClr>
+                <a:srgbClr val="FFFFFF"/>
+              </a:buClr>
               <a:buAutoNum type="arabicPeriod"/>
             </a:pPr>
             <a:r>
-              <a:rPr lang="en"/>
-              <a:t>Load the simulated data and corresponding images.</a:t>
+              <a:rPr lang="en" sz="1600" b="1" dirty="0">
+                <a:solidFill>
+                  <a:srgbClr val="FFFFFF"/>
+                </a:solidFill>
+              </a:rPr>
+              <a:t>Generation of large database</a:t>
             </a:r>
-          </a:p>
-          <a:p>
-            <a:pPr indent="-228600" lvl="0" marL="457200" rtl="0">
-              <a:spcBef>
-                <a:spcPts val="0"/>
-              </a:spcBef>
+            <a:r>
+              <a:rPr lang="en" sz="1600" dirty="0">
+                <a:solidFill>
+                  <a:srgbClr val="FFFFFF"/>
+                </a:solidFill>
+              </a:rPr>
+              <a:t> spanning across various types of materials with information about exact location of all particles.</a:t>
+            </a:r>
+          </a:p>
+          <a:p>
+            <a:pPr marL="457200" lvl="0" indent="-228600" rtl="0">
+              <a:lnSpc>
+                <a:spcPct val="100000"/>
+              </a:lnSpc>
+              <a:spcBef>
+                <a:spcPts val="0"/>
+              </a:spcBef>
+              <a:buClr>
+                <a:srgbClr val="FFFFFF"/>
+              </a:buClr>
               <a:buAutoNum type="arabicPeriod"/>
             </a:pPr>
             <a:r>
-              <a:rPr lang="en"/>
-              <a:t>Apply Image Processing technique on images to extract structure factor.</a:t>
+              <a:rPr lang="en" sz="1600" dirty="0">
+                <a:solidFill>
+                  <a:srgbClr val="FFFFFF"/>
+                </a:solidFill>
+              </a:rPr>
+              <a:t>Creation of a parameter to </a:t>
             </a:r>
-          </a:p>
-          <a:p>
-            <a:pPr indent="-228600" lvl="0" marL="457200" rtl="0">
-              <a:spcBef>
-                <a:spcPts val="0"/>
-              </a:spcBef>
+            <a:r>
+              <a:rPr lang="en" sz="1600" b="1" dirty="0">
+                <a:solidFill>
+                  <a:srgbClr val="FFFFFF"/>
+                </a:solidFill>
+              </a:rPr>
+              <a:t>quantify crowding of particles </a:t>
+            </a:r>
+            <a:r>
+              <a:rPr lang="en" sz="1600" dirty="0">
+                <a:solidFill>
+                  <a:srgbClr val="FFFFFF"/>
+                </a:solidFill>
+              </a:rPr>
+              <a:t>within a sample to distinguish between equi-energetic distributions. </a:t>
+            </a:r>
+          </a:p>
+          <a:p>
+            <a:pPr marL="457200" lvl="0" indent="-228600" rtl="0">
+              <a:lnSpc>
+                <a:spcPct val="100000"/>
+              </a:lnSpc>
+              <a:spcBef>
+                <a:spcPts val="0"/>
+              </a:spcBef>
+              <a:buClr>
+                <a:srgbClr val="FFFFFF"/>
+              </a:buClr>
               <a:buAutoNum type="arabicPeriod"/>
             </a:pPr>
             <a:r>
-              <a:rPr lang="en"/>
-              <a:t>Merge structure factor and simulated data.</a:t>
+              <a:rPr lang="en" sz="1600" dirty="0">
+                <a:solidFill>
+                  <a:srgbClr val="FFFFFF"/>
+                </a:solidFill>
+              </a:rPr>
+              <a:t>Implement </a:t>
             </a:r>
-          </a:p>
-          <a:p>
-            <a:pPr indent="-228600" lvl="0" marL="457200" rtl="0">
-              <a:spcBef>
-                <a:spcPts val="0"/>
-              </a:spcBef>
+            <a:r>
+              <a:rPr lang="en" sz="1600" b="1" dirty="0">
+                <a:solidFill>
+                  <a:srgbClr val="FFFFFF"/>
+                </a:solidFill>
+              </a:rPr>
+              <a:t>alternative definition of Structure Factor </a:t>
+            </a:r>
+            <a:r>
+              <a:rPr lang="en" sz="1600" dirty="0">
+                <a:solidFill>
+                  <a:srgbClr val="FFFFFF"/>
+                </a:solidFill>
+              </a:rPr>
+              <a:t>using Fourier transformation techniques to check if results improve.</a:t>
+            </a:r>
+          </a:p>
+          <a:p>
+            <a:pPr marL="457200" lvl="0" indent="-228600" rtl="0">
+              <a:lnSpc>
+                <a:spcPct val="100000"/>
+              </a:lnSpc>
+              <a:spcBef>
+                <a:spcPts val="0"/>
+              </a:spcBef>
+              <a:buClr>
+                <a:srgbClr val="FFFFFF"/>
+              </a:buClr>
               <a:buAutoNum type="arabicPeriod"/>
             </a:pPr>
             <a:r>
-              <a:rPr lang="en"/>
-              <a:t>Preprocess the data to make it model trainable.</a:t>
+              <a:rPr lang="en" sz="1600" b="1" dirty="0">
+                <a:solidFill>
+                  <a:srgbClr val="FFFFFF"/>
+                </a:solidFill>
+              </a:rPr>
+              <a:t>Validation of model </a:t>
             </a:r>
-          </a:p>
-          <a:p>
-            <a:pPr indent="-228600" lvl="0" marL="457200">
-              <a:spcBef>
-                <a:spcPts val="0"/>
-              </a:spcBef>
+            <a:r>
+              <a:rPr lang="en" sz="1600" dirty="0">
+                <a:solidFill>
+                  <a:srgbClr val="FFFFFF"/>
+                </a:solidFill>
+              </a:rPr>
+              <a:t>by comparison with direct FE simulation, according to an appropriate confidence interval band.</a:t>
+            </a:r>
+          </a:p>
+          <a:p>
+            <a:pPr marL="457200" lvl="0" indent="-228600" rtl="0">
+              <a:lnSpc>
+                <a:spcPct val="100000"/>
+              </a:lnSpc>
+              <a:spcBef>
+                <a:spcPts val="0"/>
+              </a:spcBef>
+              <a:buClr>
+                <a:srgbClr val="FFFFFF"/>
+              </a:buClr>
               <a:buAutoNum type="arabicPeriod"/>
             </a:pPr>
             <a:r>
-              <a:rPr lang="en"/>
-              <a:t>Apply machine learning techniques to predict stress.</a:t>
+              <a:rPr lang="en" sz="1600" dirty="0">
+                <a:solidFill>
+                  <a:srgbClr val="FFFFFF"/>
+                </a:solidFill>
+              </a:rPr>
+              <a:t>Generation of an </a:t>
+            </a:r>
+            <a:r>
+              <a:rPr lang="en" sz="1600" b="1" dirty="0">
+                <a:solidFill>
+                  <a:srgbClr val="FFFFFF"/>
+                </a:solidFill>
+              </a:rPr>
+              <a:t>Image-Processing based engine </a:t>
+            </a:r>
+            <a:r>
+              <a:rPr lang="en" sz="1600" dirty="0">
+                <a:solidFill>
+                  <a:srgbClr val="FFFFFF"/>
+                </a:solidFill>
+              </a:rPr>
+              <a:t>to directly identify all particles and their respective locations from image for inputting in the ML model.</a:t>
+            </a:r>
+          </a:p>
+          <a:p>
+            <a:pPr marL="457200" lvl="0" indent="-228600" rtl="0">
+              <a:lnSpc>
+                <a:spcPct val="100000"/>
+              </a:lnSpc>
+              <a:spcBef>
+                <a:spcPts val="0"/>
+              </a:spcBef>
+              <a:buClr>
+                <a:srgbClr val="FFFFFF"/>
+              </a:buClr>
+              <a:buAutoNum type="arabicPeriod"/>
+            </a:pPr>
+            <a:r>
+              <a:rPr lang="en" sz="1600" dirty="0">
+                <a:solidFill>
+                  <a:srgbClr val="FFFFFF"/>
+                </a:solidFill>
+              </a:rPr>
+              <a:t>Definition of </a:t>
+            </a:r>
+            <a:r>
+              <a:rPr lang="en" sz="1600" b="1" dirty="0">
+                <a:solidFill>
+                  <a:srgbClr val="FFFFFF"/>
+                </a:solidFill>
+              </a:rPr>
+              <a:t>Inverse Optimization techniques </a:t>
+            </a:r>
+            <a:r>
+              <a:rPr lang="en" sz="1600" dirty="0">
+                <a:solidFill>
+                  <a:srgbClr val="FFFFFF"/>
+                </a:solidFill>
+              </a:rPr>
+              <a:t>to recommend materials and particulate arrangement, given target properties such as strength or structure factor.</a:t>
             </a:r>
           </a:p>
         </p:txBody>
@@ -8610,11 +9124,11 @@
 </file>
 
 <file path=ppt/slides/slide17.xml><?xml version="1.0" encoding="utf-8"?>
-<p:sld xmlns:a="http://schemas.openxmlformats.org/drawingml/2006/main" xmlns:r="http://schemas.openxmlformats.org/officeDocument/2006/relationships" xmlns:mc="http://schemas.openxmlformats.org/markup-compatibility/2006" xmlns:mv="urn:schemas-microsoft-com:mac:vml" xmlns:p="http://schemas.openxmlformats.org/presentationml/2006/main" xmlns:c="http://schemas.openxmlformats.org/drawingml/2006/chart" xmlns:dgm="http://schemas.openxmlformats.org/drawingml/2006/diagram" xmlns:o="urn:schemas-microsoft-com:office:office" xmlns:v="urn:schemas-microsoft-com:vml" xmlns:pvml="urn:schemas-microsoft-com:office:powerpoint" xmlns:com="http://schemas.openxmlformats.org/drawingml/2006/compatibility" xmlns:p14="http://schemas.microsoft.com/office/powerpoint/2010/main">
+<p:sld xmlns:a="http://schemas.openxmlformats.org/drawingml/2006/main" xmlns:r="http://schemas.openxmlformats.org/officeDocument/2006/relationships" xmlns:p="http://schemas.openxmlformats.org/presentationml/2006/main">
   <p:cSld>
     <p:spTree>
       <p:nvGrpSpPr>
-        <p:cNvPr id="231" name="Shape 231"/>
+        <p:cNvPr id="1" name=""/>
         <p:cNvGrpSpPr/>
         <p:nvPr/>
       </p:nvGrpSpPr>
@@ -8628,195 +9142,103 @@
       </p:grpSpPr>
       <p:sp>
         <p:nvSpPr>
-          <p:cNvPr id="232" name="Shape 232"/>
-          <p:cNvSpPr txBox="1"/>
+          <p:cNvPr id="2" name="Title 1"/>
+          <p:cNvSpPr>
+            <a:spLocks noGrp="1"/>
+          </p:cNvSpPr>
           <p:nvPr>
             <p:ph type="title"/>
           </p:nvPr>
         </p:nvSpPr>
-        <p:spPr>
-          <a:xfrm>
-            <a:off x="311700" y="235350"/>
-            <a:ext cx="8520600" cy="572700"/>
-          </a:xfrm>
-          <a:prstGeom prst="rect">
-            <a:avLst/>
-          </a:prstGeom>
-        </p:spPr>
-        <p:txBody>
-          <a:bodyPr anchorCtr="0" anchor="t" bIns="91425" lIns="91425" rIns="91425" tIns="91425">
-            <a:noAutofit/>
-          </a:bodyPr>
+        <p:spPr/>
+        <p:txBody>
+          <a:bodyPr/>
           <a:lstStyle/>
           <a:p>
-            <a:pPr lvl="0" rtl="0">
-              <a:spcBef>
-                <a:spcPts val="0"/>
-              </a:spcBef>
-              <a:buNone/>
-            </a:pPr>
             <a:r>
-              <a:rPr lang="en"/>
-              <a:t>Activities to be Followed</a:t>
+              <a:rPr lang="en-US" dirty="0"/>
+              <a:t>Additional Help Required</a:t>
             </a:r>
           </a:p>
         </p:txBody>
       </p:sp>
       <p:sp>
         <p:nvSpPr>
-          <p:cNvPr id="233" name="Shape 233"/>
-          <p:cNvSpPr txBox="1"/>
+          <p:cNvPr id="3" name="Text Placeholder 2"/>
+          <p:cNvSpPr>
+            <a:spLocks noGrp="1"/>
+          </p:cNvSpPr>
           <p:nvPr>
-            <p:ph idx="1" type="body"/>
+            <p:ph type="body" idx="1"/>
           </p:nvPr>
         </p:nvSpPr>
-        <p:spPr>
-          <a:xfrm>
-            <a:off x="311700" y="905800"/>
-            <a:ext cx="8667900" cy="4139100"/>
-          </a:xfrm>
-          <a:prstGeom prst="rect">
-            <a:avLst/>
-          </a:prstGeom>
-        </p:spPr>
-        <p:txBody>
-          <a:bodyPr anchorCtr="0" anchor="t" bIns="91425" lIns="91425" rIns="91425" tIns="91425">
-            <a:noAutofit/>
-          </a:bodyPr>
+        <p:spPr/>
+        <p:txBody>
+          <a:bodyPr/>
           <a:lstStyle/>
           <a:p>
-            <a:pPr indent="-228600" lvl="0" marL="457200" rtl="0">
-              <a:spcBef>
-                <a:spcPts val="0"/>
-              </a:spcBef>
-              <a:buClr>
-                <a:srgbClr val="FFFFFF"/>
-              </a:buClr>
+            <a:pPr marL="342900" indent="-342900">
+              <a:buFont typeface="Average"/>
               <a:buAutoNum type="arabicPeriod"/>
             </a:pPr>
             <a:r>
-              <a:rPr lang="en">
-                <a:solidFill>
-                  <a:srgbClr val="FFFFFF"/>
+              <a:rPr lang="en-US" dirty="0">
+                <a:solidFill>
+                  <a:schemeClr val="tx1"/>
                 </a:solidFill>
               </a:rPr>
-              <a:t>Generation of large database spanning across various types of materials with information about exact location of all particles.</a:t>
+              <a:t>High performance workstations are a must for our efforts to fructify. We would need high parallel-computing power (available in our advisor’s office and at the ICC).</a:t>
             </a:r>
-          </a:p>
-          <a:p>
-            <a:pPr indent="-228600" lvl="0" marL="457200" rtl="0">
-              <a:spcBef>
-                <a:spcPts val="0"/>
-              </a:spcBef>
-              <a:buClr>
-                <a:srgbClr val="FFFFFF"/>
-              </a:buClr>
+            <a:endParaRPr lang="en-US" dirty="0">
+              <a:solidFill>
+                <a:schemeClr val="tx1"/>
+              </a:solidFill>
+            </a:endParaRPr>
+          </a:p>
+          <a:p>
+            <a:pPr marL="342900" indent="-342900">
               <a:buAutoNum type="arabicPeriod"/>
             </a:pPr>
             <a:r>
-              <a:rPr lang="en">
-                <a:solidFill>
-                  <a:srgbClr val="FFFFFF"/>
+              <a:rPr lang="en-US" dirty="0">
+                <a:solidFill>
+                  <a:schemeClr val="tx1"/>
                 </a:solidFill>
               </a:rPr>
-              <a:t>Creation of a parameter to quantify crowding of particles within a sample to distinguish between equi-energetic distributions. </a:t>
+              <a:t>Since the validation process comprises comparison with real data, we would need FE simulated data to compare the material properties with our predictions. Simulations would primarily be handled by our advisor.</a:t>
             </a:r>
           </a:p>
           <a:p>
-            <a:pPr indent="-228600" lvl="0" marL="457200" rtl="0">
-              <a:spcBef>
-                <a:spcPts val="0"/>
-              </a:spcBef>
-              <a:buClr>
-                <a:srgbClr val="FFFFFF"/>
-              </a:buClr>
+            <a:pPr marL="342900" indent="-342900">
               <a:buAutoNum type="arabicPeriod"/>
             </a:pPr>
             <a:r>
-              <a:rPr lang="en">
-                <a:solidFill>
-                  <a:srgbClr val="FFFFFF"/>
+              <a:rPr lang="en-US" dirty="0">
+                <a:solidFill>
+                  <a:schemeClr val="tx1"/>
                 </a:solidFill>
               </a:rPr>
-              <a:t>Implement alternative definition of Structure Factor using Fourier transformation techniques to check if results improve.</a:t>
+              <a:t>If time permits, we would also be doing experimental validation by testing on loaded materials in a laboratory.</a:t>
             </a:r>
           </a:p>
           <a:p>
-            <a:pPr indent="-228600" lvl="0" marL="457200" rtl="0">
-              <a:spcBef>
-                <a:spcPts val="0"/>
-              </a:spcBef>
-              <a:buClr>
-                <a:srgbClr val="FFFFFF"/>
-              </a:buClr>
+            <a:pPr marL="342900" indent="-342900">
               <a:buAutoNum type="arabicPeriod"/>
             </a:pPr>
-            <a:r>
-              <a:rPr lang="en">
-                <a:solidFill>
-                  <a:srgbClr val="FFFFFF"/>
-                </a:solidFill>
-              </a:rPr>
-              <a:t>Validation of model by comparison with direct FE simulation, according to an appropriate confidence interval band.</a:t>
-            </a:r>
-          </a:p>
-          <a:p>
-            <a:pPr indent="-228600" lvl="0" marL="457200" rtl="0">
-              <a:spcBef>
-                <a:spcPts val="0"/>
-              </a:spcBef>
-              <a:buClr>
-                <a:srgbClr val="FFFFFF"/>
-              </a:buClr>
-              <a:buAutoNum type="arabicPeriod"/>
-            </a:pPr>
-            <a:r>
-              <a:rPr lang="en">
-                <a:solidFill>
-                  <a:srgbClr val="FFFFFF"/>
-                </a:solidFill>
-              </a:rPr>
-              <a:t>Generation of an Image-Processing based engine to directly identify all particles and their respective locations from image for inputting in the ML model.</a:t>
-            </a:r>
-          </a:p>
-          <a:p>
-            <a:pPr indent="-228600" lvl="0" marL="457200" rtl="0">
-              <a:spcBef>
-                <a:spcPts val="0"/>
-              </a:spcBef>
-              <a:buClr>
-                <a:srgbClr val="FFFFFF"/>
-              </a:buClr>
-              <a:buAutoNum type="arabicPeriod"/>
-            </a:pPr>
-            <a:r>
-              <a:rPr lang="en">
-                <a:solidFill>
-                  <a:srgbClr val="FFFFFF"/>
-                </a:solidFill>
-              </a:rPr>
-              <a:t>Definition of Inverse Optimization techniques to recommend materials and particulate arrangement, given</a:t>
-            </a:r>
-            <a:r>
-              <a:rPr lang="en">
-                <a:solidFill>
-                  <a:srgbClr val="FFFFFF"/>
-                </a:solidFill>
-              </a:rPr>
-              <a:t> </a:t>
-            </a:r>
-            <a:r>
-              <a:rPr lang="en">
-                <a:solidFill>
-                  <a:srgbClr val="FFFFFF"/>
-                </a:solidFill>
-              </a:rPr>
-              <a:t>target properties such as strength or structure factor.</a:t>
-            </a:r>
+            <a:endParaRPr lang="en-US" dirty="0">
+              <a:solidFill>
+                <a:schemeClr val="tx1"/>
+              </a:solidFill>
+            </a:endParaRPr>
           </a:p>
         </p:txBody>
       </p:sp>
     </p:spTree>
+    <p:extLst>
+      <p:ext uri="{BB962C8B-B14F-4D97-AF65-F5344CB8AC3E}">
+        <p14:creationId xmlns:p14="http://schemas.microsoft.com/office/powerpoint/2010/main" val="924620732"/>
+      </p:ext>
+    </p:extLst>
   </p:cSld>
   <p:clrMapOvr>
     <a:masterClrMapping/>
@@ -8824,12 +9246,12 @@
 </p:sld>
 </file>
 
-<file path=ppt/slides/slide2.xml><?xml version="1.0" encoding="utf-8"?>
-<p:sld xmlns:a="http://schemas.openxmlformats.org/drawingml/2006/main" xmlns:r="http://schemas.openxmlformats.org/officeDocument/2006/relationships" xmlns:mc="http://schemas.openxmlformats.org/markup-compatibility/2006" xmlns:mv="urn:schemas-microsoft-com:mac:vml" xmlns:p="http://schemas.openxmlformats.org/presentationml/2006/main" xmlns:c="http://schemas.openxmlformats.org/drawingml/2006/chart" xmlns:dgm="http://schemas.openxmlformats.org/drawingml/2006/diagram" xmlns:o="urn:schemas-microsoft-com:office:office" xmlns:v="urn:schemas-microsoft-com:vml" xmlns:pvml="urn:schemas-microsoft-com:office:powerpoint" xmlns:com="http://schemas.openxmlformats.org/drawingml/2006/compatibility" xmlns:p14="http://schemas.microsoft.com/office/powerpoint/2010/main">
+<file path=ppt/slides/slide18.xml><?xml version="1.0" encoding="utf-8"?>
+<p:sld xmlns:a="http://schemas.openxmlformats.org/drawingml/2006/main" xmlns:r="http://schemas.openxmlformats.org/officeDocument/2006/relationships" xmlns:p="http://schemas.openxmlformats.org/presentationml/2006/main">
   <p:cSld>
     <p:spTree>
       <p:nvGrpSpPr>
-        <p:cNvPr id="66" name="Shape 66"/>
+        <p:cNvPr id="1" name=""/>
         <p:cNvGrpSpPr/>
         <p:nvPr/>
       </p:nvGrpSpPr>
@@ -8843,85 +9265,168 @@
       </p:grpSpPr>
       <p:sp>
         <p:nvSpPr>
-          <p:cNvPr id="67" name="Shape 67"/>
-          <p:cNvSpPr txBox="1"/>
+          <p:cNvPr id="2" name="Title 1"/>
+          <p:cNvSpPr>
+            <a:spLocks noGrp="1"/>
+          </p:cNvSpPr>
           <p:nvPr>
             <p:ph type="title"/>
           </p:nvPr>
         </p:nvSpPr>
-        <p:spPr>
-          <a:xfrm>
-            <a:off x="311700" y="445025"/>
-            <a:ext cx="8520600" cy="572700"/>
-          </a:xfrm>
-          <a:prstGeom prst="rect">
-            <a:avLst/>
-          </a:prstGeom>
-        </p:spPr>
-        <p:txBody>
-          <a:bodyPr anchorCtr="0" anchor="t" bIns="91425" lIns="91425" rIns="91425" tIns="91425">
-            <a:noAutofit/>
-          </a:bodyPr>
+        <p:spPr/>
+        <p:txBody>
+          <a:bodyPr/>
           <a:lstStyle/>
           <a:p>
-            <a:pPr lvl="0">
-              <a:spcBef>
-                <a:spcPts val="0"/>
-              </a:spcBef>
-              <a:buNone/>
-            </a:pPr>
             <a:r>
-              <a:rPr lang="en"/>
-              <a:t>Objective</a:t>
+              <a:rPr lang="en-US" dirty="0"/>
+              <a:t>References</a:t>
             </a:r>
           </a:p>
         </p:txBody>
       </p:sp>
       <p:sp>
         <p:nvSpPr>
-          <p:cNvPr id="68" name="Shape 68"/>
-          <p:cNvSpPr txBox="1"/>
+          <p:cNvPr id="3" name="Text Placeholder 2"/>
+          <p:cNvSpPr>
+            <a:spLocks noGrp="1"/>
+          </p:cNvSpPr>
           <p:nvPr>
-            <p:ph idx="1" type="body"/>
+            <p:ph type="body" idx="1"/>
           </p:nvPr>
         </p:nvSpPr>
-        <p:spPr>
-          <a:xfrm>
-            <a:off x="311700" y="1529475"/>
-            <a:ext cx="8520600" cy="3039299"/>
-          </a:xfrm>
-          <a:prstGeom prst="rect">
-            <a:avLst/>
-          </a:prstGeom>
-        </p:spPr>
-        <p:txBody>
-          <a:bodyPr anchorCtr="0" anchor="t" bIns="91425" lIns="91425" rIns="91425" tIns="91425">
-            <a:noAutofit/>
-          </a:bodyPr>
+        <p:spPr/>
+        <p:txBody>
+          <a:bodyPr/>
           <a:lstStyle/>
           <a:p>
-            <a:pPr lvl="0">
-              <a:spcBef>
-                <a:spcPts val="0"/>
-              </a:spcBef>
-              <a:buNone/>
+            <a:pPr marL="285750" indent="-285750">
+              <a:lnSpc>
+                <a:spcPct val="100000"/>
+              </a:lnSpc>
+              <a:buFont typeface="Arial" panose="020B0604020202020204" pitchFamily="34" charset="0"/>
+              <a:buChar char="•"/>
             </a:pPr>
             <a:r>
-              <a:rPr lang="en" sz="3600">
-                <a:solidFill>
-                  <a:srgbClr val="FFFFFF"/>
-                </a:solidFill>
-                <a:latin typeface="Oswald"/>
-                <a:ea typeface="Oswald"/>
-                <a:cs typeface="Oswald"/>
-                <a:sym typeface="Oswald"/>
+              <a:rPr lang="en-IN" sz="1600" dirty="0" err="1">
+                <a:solidFill>
+                  <a:schemeClr val="tx1"/>
+                </a:solidFill>
               </a:rPr>
-              <a:t>To develop an algorithmic framework to predict properties of composites to aid in meta-modelling process. </a:t>
+              <a:t>Balakrishnan</a:t>
             </a:r>
+            <a:r>
+              <a:rPr lang="en-IN" sz="1600" dirty="0">
+                <a:solidFill>
+                  <a:schemeClr val="tx1"/>
+                </a:solidFill>
+              </a:rPr>
+              <a:t> R., </a:t>
+            </a:r>
+            <a:r>
+              <a:rPr lang="en-IN" sz="1600" i="1" dirty="0">
+                <a:solidFill>
+                  <a:schemeClr val="tx1"/>
+                </a:solidFill>
+              </a:rPr>
+              <a:t>The Energy of a Graph Linear Algebra and Its Applications</a:t>
+            </a:r>
+            <a:r>
+              <a:rPr lang="en-IN" sz="1600" dirty="0">
+                <a:solidFill>
+                  <a:schemeClr val="tx1"/>
+                </a:solidFill>
+              </a:rPr>
+              <a:t>, 387, (2004), </a:t>
+            </a:r>
+            <a:r>
+              <a:rPr lang="en-US" sz="1600" dirty="0">
+                <a:solidFill>
+                  <a:schemeClr val="tx1"/>
+                </a:solidFill>
+              </a:rPr>
+              <a:t>287-295.</a:t>
+            </a:r>
+          </a:p>
+          <a:p>
+            <a:pPr marL="285750" indent="-285750">
+              <a:lnSpc>
+                <a:spcPct val="100000"/>
+              </a:lnSpc>
+              <a:buFont typeface="Arial" panose="020B0604020202020204" pitchFamily="34" charset="0"/>
+              <a:buChar char="•"/>
+            </a:pPr>
+            <a:r>
+              <a:rPr lang="en-IN" sz="1600" dirty="0">
+                <a:solidFill>
+                  <a:schemeClr val="tx1"/>
+                </a:solidFill>
+              </a:rPr>
+              <a:t>N. </a:t>
+            </a:r>
+            <a:r>
+              <a:rPr lang="en-IN" sz="1600" dirty="0" err="1">
+                <a:solidFill>
+                  <a:schemeClr val="tx1"/>
+                </a:solidFill>
+              </a:rPr>
+              <a:t>Murugesan</a:t>
+            </a:r>
+            <a:r>
+              <a:rPr lang="en-IN" sz="1600" dirty="0">
+                <a:solidFill>
+                  <a:schemeClr val="tx1"/>
+                </a:solidFill>
+              </a:rPr>
+              <a:t>, K. </a:t>
+            </a:r>
+            <a:r>
+              <a:rPr lang="en-IN" sz="1600" dirty="0" err="1">
+                <a:solidFill>
+                  <a:schemeClr val="tx1"/>
+                </a:solidFill>
+              </a:rPr>
+              <a:t>Meenakshi</a:t>
+            </a:r>
+            <a:r>
+              <a:rPr lang="en-IN" sz="1600" dirty="0">
+                <a:solidFill>
+                  <a:schemeClr val="tx1"/>
+                </a:solidFill>
+              </a:rPr>
+              <a:t>, </a:t>
+            </a:r>
+            <a:r>
+              <a:rPr lang="en-IN" sz="1600" i="1" dirty="0">
+                <a:solidFill>
+                  <a:schemeClr val="tx1"/>
+                </a:solidFill>
+              </a:rPr>
+              <a:t>Skew Energy of Digraphs and Relation Between Graph Energy and Distance Energy, International Journal of Combinatorial Graph Theory and Applications (2011), 161-174</a:t>
+            </a:r>
+          </a:p>
+          <a:p>
+            <a:pPr marL="285750" indent="-285750">
+              <a:lnSpc>
+                <a:spcPct val="100000"/>
+              </a:lnSpc>
+              <a:buFont typeface="Arial" panose="020B0604020202020204" pitchFamily="34" charset="0"/>
+              <a:buChar char="•"/>
+            </a:pPr>
+            <a:endParaRPr lang="en-US" sz="1600" dirty="0">
+              <a:solidFill>
+                <a:schemeClr val="tx1"/>
+              </a:solidFill>
+            </a:endParaRPr>
           </a:p>
         </p:txBody>
       </p:sp>
     </p:spTree>
+    <p:extLst>
+      <p:ext uri="{BB962C8B-B14F-4D97-AF65-F5344CB8AC3E}">
+        <p14:creationId xmlns:p14="http://schemas.microsoft.com/office/powerpoint/2010/main" val="388763263"/>
+      </p:ext>
+    </p:extLst>
   </p:cSld>
   <p:clrMapOvr>
     <a:masterClrMapping/>
@@ -8929,12 +9434,12 @@
 </p:sld>
 </file>
 
-<file path=ppt/slides/slide3.xml><?xml version="1.0" encoding="utf-8"?>
-<p:sld xmlns:a="http://schemas.openxmlformats.org/drawingml/2006/main" xmlns:r="http://schemas.openxmlformats.org/officeDocument/2006/relationships" xmlns:mc="http://schemas.openxmlformats.org/markup-compatibility/2006" xmlns:mv="urn:schemas-microsoft-com:mac:vml" xmlns:p="http://schemas.openxmlformats.org/presentationml/2006/main" xmlns:c="http://schemas.openxmlformats.org/drawingml/2006/chart" xmlns:dgm="http://schemas.openxmlformats.org/drawingml/2006/diagram" xmlns:o="urn:schemas-microsoft-com:office:office" xmlns:v="urn:schemas-microsoft-com:vml" xmlns:pvml="urn:schemas-microsoft-com:office:powerpoint" xmlns:com="http://schemas.openxmlformats.org/drawingml/2006/compatibility" xmlns:p14="http://schemas.microsoft.com/office/powerpoint/2010/main">
+<file path=ppt/slides/slide19.xml><?xml version="1.0" encoding="utf-8"?>
+<p:sld xmlns:a="http://schemas.openxmlformats.org/drawingml/2006/main" xmlns:r="http://schemas.openxmlformats.org/officeDocument/2006/relationships" xmlns:p="http://schemas.openxmlformats.org/presentationml/2006/main">
   <p:cSld>
     <p:spTree>
       <p:nvGrpSpPr>
-        <p:cNvPr id="72" name="Shape 72"/>
+        <p:cNvPr id="1" name="Shape 175"/>
         <p:cNvGrpSpPr/>
         <p:nvPr/>
       </p:nvGrpSpPr>
@@ -8948,29 +9453,50 @@
       </p:grpSpPr>
       <p:sp>
         <p:nvSpPr>
-          <p:cNvPr id="73" name="Shape 73"/>
-          <p:cNvSpPr txBox="1"/>
-          <p:nvPr/>
-        </p:nvSpPr>
-        <p:spPr>
-          <a:xfrm>
-            <a:off x="311700" y="445025"/>
-            <a:ext cx="8520600" cy="572700"/>
+          <p:cNvPr id="176" name="Shape 176"/>
+          <p:cNvSpPr txBox="1">
+            <a:spLocks noGrp="1"/>
+          </p:cNvSpPr>
+          <p:nvPr>
+            <p:ph type="title"/>
+          </p:nvPr>
+        </p:nvSpPr>
+        <p:spPr>
+          <a:xfrm>
+            <a:off x="645900" y="1372150"/>
+            <a:ext cx="7852200" cy="1836600"/>
           </a:xfrm>
           <a:prstGeom prst="rect">
             <a:avLst/>
           </a:prstGeom>
-          <a:noFill/>
-          <a:ln>
-            <a:noFill/>
-          </a:ln>
-        </p:spPr>
-        <p:txBody>
-          <a:bodyPr anchorCtr="0" anchor="t" bIns="91425" lIns="91425" rIns="91425" tIns="91425">
+        </p:spPr>
+        <p:txBody>
+          <a:bodyPr lIns="91425" tIns="91425" rIns="91425" bIns="91425" anchor="ctr" anchorCtr="0">
             <a:noAutofit/>
           </a:bodyPr>
           <a:lstStyle/>
           <a:p>
+            <a:pPr lvl="0">
+              <a:spcBef>
+                <a:spcPts val="0"/>
+              </a:spcBef>
+              <a:buNone/>
+            </a:pPr>
+            <a:r>
+              <a:rPr lang="en"/>
+              <a:t>Thank You!</a:t>
+            </a:r>
+          </a:p>
+          <a:p>
+            <a:pPr lvl="0">
+              <a:spcBef>
+                <a:spcPts val="0"/>
+              </a:spcBef>
+              <a:buNone/>
+            </a:pPr>
+            <a:endParaRPr/>
+          </a:p>
+          <a:p>
             <a:pPr lvl="0" rtl="0">
               <a:spcBef>
                 <a:spcPts val="0"/>
@@ -8978,129 +9504,18 @@
               <a:buNone/>
             </a:pPr>
             <a:r>
-              <a:rPr lang="en" sz="3000">
-                <a:solidFill>
-                  <a:srgbClr val="FFFFFF"/>
-                </a:solidFill>
-                <a:latin typeface="Oswald"/>
-                <a:ea typeface="Oswald"/>
-                <a:cs typeface="Oswald"/>
-                <a:sym typeface="Oswald"/>
-              </a:rPr>
-              <a:t>Introduction</a:t>
+              <a:rPr lang="en"/>
+              <a:t>Any Questions?</a:t>
             </a:r>
           </a:p>
         </p:txBody>
       </p:sp>
-      <p:sp>
-        <p:nvSpPr>
-          <p:cNvPr id="74" name="Shape 74"/>
-          <p:cNvSpPr txBox="1"/>
-          <p:nvPr/>
-        </p:nvSpPr>
-        <p:spPr>
-          <a:xfrm>
-            <a:off x="311700" y="1152475"/>
-            <a:ext cx="8520600" cy="3416400"/>
-          </a:xfrm>
-          <a:prstGeom prst="rect">
-            <a:avLst/>
-          </a:prstGeom>
-          <a:noFill/>
-          <a:ln>
-            <a:noFill/>
-          </a:ln>
-        </p:spPr>
-        <p:txBody>
-          <a:bodyPr anchorCtr="0" anchor="t" bIns="91425" lIns="91425" rIns="91425" tIns="91425">
-            <a:noAutofit/>
-          </a:bodyPr>
-          <a:lstStyle/>
-          <a:p>
-            <a:pPr lvl="0" rtl="0">
-              <a:lnSpc>
-                <a:spcPct val="115000"/>
-              </a:lnSpc>
-              <a:spcBef>
-                <a:spcPts val="0"/>
-              </a:spcBef>
-              <a:spcAft>
-                <a:spcPts val="1600"/>
-              </a:spcAft>
-              <a:buNone/>
-            </a:pPr>
-            <a:r>
-              <a:rPr b="1" lang="en" sz="1800">
-                <a:solidFill>
-                  <a:srgbClr val="FFFFFF"/>
-                </a:solidFill>
-                <a:latin typeface="Average"/>
-                <a:ea typeface="Average"/>
-                <a:cs typeface="Average"/>
-                <a:sym typeface="Average"/>
-              </a:rPr>
-              <a:t>Composites - </a:t>
-            </a:r>
-          </a:p>
-          <a:p>
-            <a:pPr indent="-342900" lvl="0" marL="457200" rtl="0">
-              <a:lnSpc>
-                <a:spcPct val="115000"/>
-              </a:lnSpc>
-              <a:spcBef>
-                <a:spcPts val="0"/>
-              </a:spcBef>
-              <a:spcAft>
-                <a:spcPts val="1600"/>
-              </a:spcAft>
-              <a:buClr>
-                <a:srgbClr val="FFFFFF"/>
-              </a:buClr>
-              <a:buSzPct val="100000"/>
-              <a:buFont typeface="Average"/>
-            </a:pPr>
-            <a:r>
-              <a:rPr lang="en" sz="1800">
-                <a:solidFill>
-                  <a:srgbClr val="FFFFFF"/>
-                </a:solidFill>
-                <a:latin typeface="Average"/>
-                <a:ea typeface="Average"/>
-                <a:cs typeface="Average"/>
-                <a:sym typeface="Average"/>
-              </a:rPr>
-              <a:t>Composites are made by combining two or more natural or artificial materials to maximize their useful properties and minimize their weaknesses. One of the oldest and best-known composites, glass-fiber reinforced plastic (GRP), combines glass fibers (which are strong but brittle) with plastic (which is flexible) to make a composite material that is tough but not brittle. Composites are typically used in place of metals because they are equally strong but much lighter.</a:t>
-            </a:r>
-          </a:p>
-          <a:p>
-            <a:pPr lvl="0" rtl="0">
-              <a:lnSpc>
-                <a:spcPct val="115000"/>
-              </a:lnSpc>
-              <a:spcBef>
-                <a:spcPts val="0"/>
-              </a:spcBef>
-              <a:spcAft>
-                <a:spcPts val="1600"/>
-              </a:spcAft>
-              <a:buNone/>
-            </a:pPr>
-            <a:r>
-              <a:rPr lang="en" sz="1800">
-                <a:solidFill>
-                  <a:srgbClr val="FFFFFF"/>
-                </a:solidFill>
-                <a:latin typeface="Average"/>
-                <a:ea typeface="Average"/>
-                <a:cs typeface="Average"/>
-                <a:sym typeface="Average"/>
-              </a:rPr>
-              <a:t>	</a:t>
-            </a:r>
-          </a:p>
-        </p:txBody>
-      </p:sp>
     </p:spTree>
+    <p:extLst>
+      <p:ext uri="{BB962C8B-B14F-4D97-AF65-F5344CB8AC3E}">
+        <p14:creationId xmlns:p14="http://schemas.microsoft.com/office/powerpoint/2010/main" val="1845042524"/>
+      </p:ext>
+    </p:extLst>
   </p:cSld>
   <p:clrMapOvr>
     <a:masterClrMapping/>
@@ -9108,12 +9523,12 @@
 </p:sld>
 </file>
 
-<file path=ppt/slides/slide4.xml><?xml version="1.0" encoding="utf-8"?>
-<p:sld xmlns:a="http://schemas.openxmlformats.org/drawingml/2006/main" xmlns:r="http://schemas.openxmlformats.org/officeDocument/2006/relationships" xmlns:mc="http://schemas.openxmlformats.org/markup-compatibility/2006" xmlns:mv="urn:schemas-microsoft-com:mac:vml" xmlns:p="http://schemas.openxmlformats.org/presentationml/2006/main" xmlns:c="http://schemas.openxmlformats.org/drawingml/2006/chart" xmlns:dgm="http://schemas.openxmlformats.org/drawingml/2006/diagram" xmlns:o="urn:schemas-microsoft-com:office:office" xmlns:v="urn:schemas-microsoft-com:vml" xmlns:pvml="urn:schemas-microsoft-com:office:powerpoint" xmlns:com="http://schemas.openxmlformats.org/drawingml/2006/compatibility" xmlns:p14="http://schemas.microsoft.com/office/powerpoint/2010/main">
+<file path=ppt/slides/slide2.xml><?xml version="1.0" encoding="utf-8"?>
+<p:sld xmlns:a="http://schemas.openxmlformats.org/drawingml/2006/main" xmlns:r="http://schemas.openxmlformats.org/officeDocument/2006/relationships" xmlns:p="http://schemas.openxmlformats.org/presentationml/2006/main">
   <p:cSld>
     <p:spTree>
       <p:nvGrpSpPr>
-        <p:cNvPr id="78" name="Shape 78"/>
+        <p:cNvPr id="1" name="Shape 66"/>
         <p:cNvGrpSpPr/>
         <p:nvPr/>
       </p:nvGrpSpPr>
@@ -9127,8 +9542,10 @@
       </p:grpSpPr>
       <p:sp>
         <p:nvSpPr>
-          <p:cNvPr id="79" name="Shape 79"/>
-          <p:cNvSpPr txBox="1"/>
+          <p:cNvPr id="67" name="Shape 67"/>
+          <p:cNvSpPr txBox="1">
+            <a:spLocks noGrp="1"/>
+          </p:cNvSpPr>
           <p:nvPr>
             <p:ph type="title"/>
           </p:nvPr>
@@ -9143,7 +9560,295 @@
           </a:prstGeom>
         </p:spPr>
         <p:txBody>
-          <a:bodyPr anchorCtr="0" anchor="t" bIns="91425" lIns="91425" rIns="91425" tIns="91425">
+          <a:bodyPr lIns="91425" tIns="91425" rIns="91425" bIns="91425" anchor="t" anchorCtr="0">
+            <a:noAutofit/>
+          </a:bodyPr>
+          <a:lstStyle/>
+          <a:p>
+            <a:pPr lvl="0">
+              <a:spcBef>
+                <a:spcPts val="0"/>
+              </a:spcBef>
+              <a:buNone/>
+            </a:pPr>
+            <a:r>
+              <a:rPr lang="en"/>
+              <a:t>Objective</a:t>
+            </a:r>
+          </a:p>
+        </p:txBody>
+      </p:sp>
+      <p:sp>
+        <p:nvSpPr>
+          <p:cNvPr id="68" name="Shape 68"/>
+          <p:cNvSpPr txBox="1">
+            <a:spLocks noGrp="1"/>
+          </p:cNvSpPr>
+          <p:nvPr>
+            <p:ph type="body" idx="1"/>
+          </p:nvPr>
+        </p:nvSpPr>
+        <p:spPr>
+          <a:xfrm>
+            <a:off x="311700" y="1529475"/>
+            <a:ext cx="8520600" cy="3039299"/>
+          </a:xfrm>
+          <a:prstGeom prst="rect">
+            <a:avLst/>
+          </a:prstGeom>
+        </p:spPr>
+        <p:txBody>
+          <a:bodyPr lIns="91425" tIns="91425" rIns="91425" bIns="91425" anchor="t" anchorCtr="0">
+            <a:noAutofit/>
+          </a:bodyPr>
+          <a:lstStyle/>
+          <a:p>
+            <a:pPr lvl="0">
+              <a:spcBef>
+                <a:spcPts val="0"/>
+              </a:spcBef>
+              <a:buNone/>
+            </a:pPr>
+            <a:r>
+              <a:rPr lang="en" sz="3600">
+                <a:solidFill>
+                  <a:srgbClr val="FFFFFF"/>
+                </a:solidFill>
+                <a:latin typeface="Oswald"/>
+                <a:ea typeface="Oswald"/>
+                <a:cs typeface="Oswald"/>
+                <a:sym typeface="Oswald"/>
+              </a:rPr>
+              <a:t>To develop an algorithmic framework to predict properties of composites to aid in meta-modelling process. </a:t>
+            </a:r>
+          </a:p>
+        </p:txBody>
+      </p:sp>
+    </p:spTree>
+  </p:cSld>
+  <p:clrMapOvr>
+    <a:masterClrMapping/>
+  </p:clrMapOvr>
+</p:sld>
+</file>
+
+<file path=ppt/slides/slide3.xml><?xml version="1.0" encoding="utf-8"?>
+<p:sld xmlns:a="http://schemas.openxmlformats.org/drawingml/2006/main" xmlns:r="http://schemas.openxmlformats.org/officeDocument/2006/relationships" xmlns:p="http://schemas.openxmlformats.org/presentationml/2006/main">
+  <p:cSld>
+    <p:spTree>
+      <p:nvGrpSpPr>
+        <p:cNvPr id="1" name="Shape 72"/>
+        <p:cNvGrpSpPr/>
+        <p:nvPr/>
+      </p:nvGrpSpPr>
+      <p:grpSpPr>
+        <a:xfrm>
+          <a:off x="0" y="0"/>
+          <a:ext cx="0" cy="0"/>
+          <a:chOff x="0" y="0"/>
+          <a:chExt cx="0" cy="0"/>
+        </a:xfrm>
+      </p:grpSpPr>
+      <p:sp>
+        <p:nvSpPr>
+          <p:cNvPr id="73" name="Shape 73"/>
+          <p:cNvSpPr txBox="1"/>
+          <p:nvPr/>
+        </p:nvSpPr>
+        <p:spPr>
+          <a:xfrm>
+            <a:off x="311700" y="445025"/>
+            <a:ext cx="8520600" cy="572700"/>
+          </a:xfrm>
+          <a:prstGeom prst="rect">
+            <a:avLst/>
+          </a:prstGeom>
+          <a:noFill/>
+          <a:ln>
+            <a:noFill/>
+          </a:ln>
+        </p:spPr>
+        <p:txBody>
+          <a:bodyPr lIns="91425" tIns="91425" rIns="91425" bIns="91425" anchor="t" anchorCtr="0">
+            <a:noAutofit/>
+          </a:bodyPr>
+          <a:lstStyle/>
+          <a:p>
+            <a:pPr lvl="0" rtl="0">
+              <a:spcBef>
+                <a:spcPts val="0"/>
+              </a:spcBef>
+              <a:buNone/>
+            </a:pPr>
+            <a:r>
+              <a:rPr lang="en" sz="3000">
+                <a:solidFill>
+                  <a:srgbClr val="FFFFFF"/>
+                </a:solidFill>
+                <a:latin typeface="Oswald"/>
+                <a:ea typeface="Oswald"/>
+                <a:cs typeface="Oswald"/>
+                <a:sym typeface="Oswald"/>
+              </a:rPr>
+              <a:t>Introduction</a:t>
+            </a:r>
+          </a:p>
+        </p:txBody>
+      </p:sp>
+      <p:sp>
+        <p:nvSpPr>
+          <p:cNvPr id="74" name="Shape 74"/>
+          <p:cNvSpPr txBox="1"/>
+          <p:nvPr/>
+        </p:nvSpPr>
+        <p:spPr>
+          <a:xfrm>
+            <a:off x="311700" y="1152475"/>
+            <a:ext cx="8520600" cy="3416400"/>
+          </a:xfrm>
+          <a:prstGeom prst="rect">
+            <a:avLst/>
+          </a:prstGeom>
+          <a:noFill/>
+          <a:ln>
+            <a:noFill/>
+          </a:ln>
+        </p:spPr>
+        <p:txBody>
+          <a:bodyPr lIns="91425" tIns="91425" rIns="91425" bIns="91425" anchor="t" anchorCtr="0">
+            <a:noAutofit/>
+          </a:bodyPr>
+          <a:lstStyle/>
+          <a:p>
+            <a:pPr lvl="0" rtl="0">
+              <a:lnSpc>
+                <a:spcPct val="115000"/>
+              </a:lnSpc>
+              <a:spcBef>
+                <a:spcPts val="0"/>
+              </a:spcBef>
+              <a:spcAft>
+                <a:spcPts val="1600"/>
+              </a:spcAft>
+              <a:buNone/>
+            </a:pPr>
+            <a:r>
+              <a:rPr lang="en" sz="1800" b="1">
+                <a:solidFill>
+                  <a:srgbClr val="FFFFFF"/>
+                </a:solidFill>
+                <a:latin typeface="Average"/>
+                <a:ea typeface="Average"/>
+                <a:cs typeface="Average"/>
+                <a:sym typeface="Average"/>
+              </a:rPr>
+              <a:t>Composites - </a:t>
+            </a:r>
+          </a:p>
+          <a:p>
+            <a:pPr marL="457200" lvl="0" indent="-342900" rtl="0">
+              <a:lnSpc>
+                <a:spcPct val="115000"/>
+              </a:lnSpc>
+              <a:spcBef>
+                <a:spcPts val="0"/>
+              </a:spcBef>
+              <a:spcAft>
+                <a:spcPts val="1600"/>
+              </a:spcAft>
+              <a:buClr>
+                <a:srgbClr val="FFFFFF"/>
+              </a:buClr>
+              <a:buSzPct val="100000"/>
+              <a:buFont typeface="Average"/>
+            </a:pPr>
+            <a:r>
+              <a:rPr lang="en" sz="1800">
+                <a:solidFill>
+                  <a:srgbClr val="FFFFFF"/>
+                </a:solidFill>
+                <a:latin typeface="Average"/>
+                <a:ea typeface="Average"/>
+                <a:cs typeface="Average"/>
+                <a:sym typeface="Average"/>
+              </a:rPr>
+              <a:t>Composites are made by combining two or more natural or artificial materials to maximize their useful properties and minimize their weaknesses. One of the oldest and best-known composites, glass-fiber reinforced plastic (GRP), combines glass fibers (which are strong but brittle) with plastic (which is flexible) to make a composite material that is tough but not brittle. Composites are typically used in place of metals because they are equally strong but much lighter.</a:t>
+            </a:r>
+          </a:p>
+          <a:p>
+            <a:pPr lvl="0" rtl="0">
+              <a:lnSpc>
+                <a:spcPct val="115000"/>
+              </a:lnSpc>
+              <a:spcBef>
+                <a:spcPts val="0"/>
+              </a:spcBef>
+              <a:spcAft>
+                <a:spcPts val="1600"/>
+              </a:spcAft>
+              <a:buNone/>
+            </a:pPr>
+            <a:r>
+              <a:rPr lang="en" sz="1800">
+                <a:solidFill>
+                  <a:srgbClr val="FFFFFF"/>
+                </a:solidFill>
+                <a:latin typeface="Average"/>
+                <a:ea typeface="Average"/>
+                <a:cs typeface="Average"/>
+                <a:sym typeface="Average"/>
+              </a:rPr>
+              <a:t>	</a:t>
+            </a:r>
+          </a:p>
+        </p:txBody>
+      </p:sp>
+    </p:spTree>
+  </p:cSld>
+  <p:clrMapOvr>
+    <a:masterClrMapping/>
+  </p:clrMapOvr>
+</p:sld>
+</file>
+
+<file path=ppt/slides/slide4.xml><?xml version="1.0" encoding="utf-8"?>
+<p:sld xmlns:a="http://schemas.openxmlformats.org/drawingml/2006/main" xmlns:r="http://schemas.openxmlformats.org/officeDocument/2006/relationships" xmlns:p="http://schemas.openxmlformats.org/presentationml/2006/main">
+  <p:cSld>
+    <p:spTree>
+      <p:nvGrpSpPr>
+        <p:cNvPr id="1" name="Shape 78"/>
+        <p:cNvGrpSpPr/>
+        <p:nvPr/>
+      </p:nvGrpSpPr>
+      <p:grpSpPr>
+        <a:xfrm>
+          <a:off x="0" y="0"/>
+          <a:ext cx="0" cy="0"/>
+          <a:chOff x="0" y="0"/>
+          <a:chExt cx="0" cy="0"/>
+        </a:xfrm>
+      </p:grpSpPr>
+      <p:sp>
+        <p:nvSpPr>
+          <p:cNvPr id="79" name="Shape 79"/>
+          <p:cNvSpPr txBox="1">
+            <a:spLocks noGrp="1"/>
+          </p:cNvSpPr>
+          <p:nvPr>
+            <p:ph type="title"/>
+          </p:nvPr>
+        </p:nvSpPr>
+        <p:spPr>
+          <a:xfrm>
+            <a:off x="311700" y="445025"/>
+            <a:ext cx="8520600" cy="572700"/>
+          </a:xfrm>
+          <a:prstGeom prst="rect">
+            <a:avLst/>
+          </a:prstGeom>
+        </p:spPr>
+        <p:txBody>
+          <a:bodyPr lIns="91425" tIns="91425" rIns="91425" bIns="91425" anchor="t" anchorCtr="0">
             <a:noAutofit/>
           </a:bodyPr>
           <a:lstStyle/>
@@ -9197,7 +9902,7 @@
             </a:ln>
           </p:spPr>
           <p:txBody>
-            <a:bodyPr anchorCtr="0" anchor="ctr" bIns="91425" lIns="91425" rIns="91425" tIns="91425">
+            <a:bodyPr lIns="91425" tIns="91425" rIns="91425" bIns="91425" anchor="ctr" anchorCtr="0">
               <a:noAutofit/>
             </a:bodyPr>
             <a:lstStyle/>
@@ -9208,9 +9913,6 @@
                 </a:spcBef>
                 <a:buNone/>
               </a:pPr>
-              <a:r>
-                <a:t/>
-              </a:r>
               <a:endParaRPr/>
             </a:p>
           </p:txBody>
@@ -9230,18 +9932,18 @@
               <a:avLst/>
             </a:prstGeom>
             <a:noFill/>
-            <a:ln cap="flat" cmpd="sng" w="9525">
+            <a:ln w="9525" cap="flat" cmpd="sng">
               <a:solidFill>
                 <a:schemeClr val="dk1"/>
               </a:solidFill>
               <a:prstDash val="solid"/>
               <a:round/>
-              <a:headEnd len="med" w="med" type="none"/>
-              <a:tailEnd len="med" w="med" type="none"/>
+              <a:headEnd type="none" w="med" len="med"/>
+              <a:tailEnd type="none" w="med" len="med"/>
             </a:ln>
           </p:spPr>
           <p:txBody>
-            <a:bodyPr anchorCtr="0" anchor="ctr" bIns="91425" lIns="91425" rIns="91425" tIns="91425">
+            <a:bodyPr lIns="91425" tIns="91425" rIns="91425" bIns="91425" anchor="ctr" anchorCtr="0">
               <a:noAutofit/>
             </a:bodyPr>
             <a:lstStyle/>
@@ -9252,9 +9954,6 @@
                 </a:spcBef>
                 <a:buNone/>
               </a:pPr>
-              <a:r>
-                <a:t/>
-              </a:r>
               <a:endParaRPr/>
             </a:p>
           </p:txBody>
@@ -9263,9 +9962,11 @@
       <p:sp>
         <p:nvSpPr>
           <p:cNvPr id="83" name="Shape 83"/>
-          <p:cNvSpPr txBox="1"/>
+          <p:cNvSpPr txBox="1">
+            <a:spLocks noGrp="1"/>
+          </p:cNvSpPr>
           <p:nvPr>
-            <p:ph idx="4294967295" type="body"/>
+            <p:ph type="body" idx="4294967295"/>
           </p:nvPr>
         </p:nvSpPr>
         <p:spPr>
@@ -9278,7 +9979,7 @@
           </a:prstGeom>
         </p:spPr>
         <p:txBody>
-          <a:bodyPr anchorCtr="0" anchor="t" bIns="91425" lIns="91425" rIns="91425" tIns="91425">
+          <a:bodyPr lIns="91425" tIns="91425" rIns="91425" bIns="91425" anchor="t" anchorCtr="0">
             <a:noAutofit/>
           </a:bodyPr>
           <a:lstStyle/>
@@ -9306,9 +10007,11 @@
       <p:sp>
         <p:nvSpPr>
           <p:cNvPr id="84" name="Shape 84"/>
-          <p:cNvSpPr txBox="1"/>
+          <p:cNvSpPr txBox="1">
+            <a:spLocks noGrp="1"/>
+          </p:cNvSpPr>
           <p:nvPr>
-            <p:ph idx="4294967295" type="body"/>
+            <p:ph type="body" idx="4294967295"/>
           </p:nvPr>
         </p:nvSpPr>
         <p:spPr>
@@ -9321,7 +10024,7 @@
           </a:prstGeom>
         </p:spPr>
         <p:txBody>
-          <a:bodyPr anchorCtr="0" anchor="t" bIns="91425" lIns="91425" rIns="91425" tIns="91425">
+          <a:bodyPr lIns="91425" tIns="91425" rIns="91425" bIns="91425" anchor="t" anchorCtr="0">
             <a:noAutofit/>
           </a:bodyPr>
           <a:lstStyle/>
@@ -9345,7 +10048,7 @@
       </p:sp>
       <p:pic>
         <p:nvPicPr>
-          <p:cNvPr descr="downloadpic.php" id="85" name="Shape 85"/>
+          <p:cNvPr id="85" name="Shape 85" descr="downloadpic.php"/>
           <p:cNvPicPr preferRelativeResize="0"/>
           <p:nvPr/>
         </p:nvPicPr>
@@ -9380,11 +10083,11 @@
 </file>
 
 <file path=ppt/slides/slide5.xml><?xml version="1.0" encoding="utf-8"?>
-<p:sld xmlns:a="http://schemas.openxmlformats.org/drawingml/2006/main" xmlns:r="http://schemas.openxmlformats.org/officeDocument/2006/relationships" xmlns:mc="http://schemas.openxmlformats.org/markup-compatibility/2006" xmlns:mv="urn:schemas-microsoft-com:mac:vml" xmlns:p="http://schemas.openxmlformats.org/presentationml/2006/main" xmlns:c="http://schemas.openxmlformats.org/drawingml/2006/chart" xmlns:dgm="http://schemas.openxmlformats.org/drawingml/2006/diagram" xmlns:o="urn:schemas-microsoft-com:office:office" xmlns:v="urn:schemas-microsoft-com:vml" xmlns:pvml="urn:schemas-microsoft-com:office:powerpoint" xmlns:com="http://schemas.openxmlformats.org/drawingml/2006/compatibility" xmlns:p14="http://schemas.microsoft.com/office/powerpoint/2010/main">
+<p:sld xmlns:a="http://schemas.openxmlformats.org/drawingml/2006/main" xmlns:r="http://schemas.openxmlformats.org/officeDocument/2006/relationships" xmlns:p="http://schemas.openxmlformats.org/presentationml/2006/main">
   <p:cSld>
     <p:spTree>
       <p:nvGrpSpPr>
-        <p:cNvPr id="89" name="Shape 89"/>
+        <p:cNvPr id="1" name="Shape 89"/>
         <p:cNvGrpSpPr/>
         <p:nvPr/>
       </p:nvGrpSpPr>
@@ -9399,7 +10102,9 @@
       <p:sp>
         <p:nvSpPr>
           <p:cNvPr id="90" name="Shape 90"/>
-          <p:cNvSpPr txBox="1"/>
+          <p:cNvSpPr txBox="1">
+            <a:spLocks noGrp="1"/>
+          </p:cNvSpPr>
           <p:nvPr>
             <p:ph type="title"/>
           </p:nvPr>
@@ -9414,7 +10119,7 @@
           </a:prstGeom>
         </p:spPr>
         <p:txBody>
-          <a:bodyPr anchorCtr="0" anchor="t" bIns="91425" lIns="91425" rIns="91425" tIns="91425">
+          <a:bodyPr lIns="91425" tIns="91425" rIns="91425" bIns="91425" anchor="t" anchorCtr="0">
             <a:noAutofit/>
           </a:bodyPr>
           <a:lstStyle/>
@@ -9468,7 +10173,7 @@
             </a:ln>
           </p:spPr>
           <p:txBody>
-            <a:bodyPr anchorCtr="0" anchor="ctr" bIns="91425" lIns="91425" rIns="91425" tIns="91425">
+            <a:bodyPr lIns="91425" tIns="91425" rIns="91425" bIns="91425" anchor="ctr" anchorCtr="0">
               <a:noAutofit/>
             </a:bodyPr>
             <a:lstStyle/>
@@ -9479,9 +10184,6 @@
                 </a:spcBef>
                 <a:buNone/>
               </a:pPr>
-              <a:r>
-                <a:t/>
-              </a:r>
               <a:endParaRPr/>
             </a:p>
           </p:txBody>
@@ -9501,18 +10203,18 @@
               <a:avLst/>
             </a:prstGeom>
             <a:noFill/>
-            <a:ln cap="flat" cmpd="sng" w="9525">
+            <a:ln w="9525" cap="flat" cmpd="sng">
               <a:solidFill>
                 <a:schemeClr val="dk1"/>
               </a:solidFill>
               <a:prstDash val="solid"/>
               <a:round/>
-              <a:headEnd len="med" w="med" type="none"/>
-              <a:tailEnd len="med" w="med" type="none"/>
+              <a:headEnd type="none" w="med" len="med"/>
+              <a:tailEnd type="none" w="med" len="med"/>
             </a:ln>
           </p:spPr>
           <p:txBody>
-            <a:bodyPr anchorCtr="0" anchor="ctr" bIns="91425" lIns="91425" rIns="91425" tIns="91425">
+            <a:bodyPr lIns="91425" tIns="91425" rIns="91425" bIns="91425" anchor="ctr" anchorCtr="0">
               <a:noAutofit/>
             </a:bodyPr>
             <a:lstStyle/>
@@ -9523,9 +10225,6 @@
                 </a:spcBef>
                 <a:buNone/>
               </a:pPr>
-              <a:r>
-                <a:t/>
-              </a:r>
               <a:endParaRPr/>
             </a:p>
           </p:txBody>
@@ -9534,9 +10233,11 @@
       <p:sp>
         <p:nvSpPr>
           <p:cNvPr id="94" name="Shape 94"/>
-          <p:cNvSpPr txBox="1"/>
+          <p:cNvSpPr txBox="1">
+            <a:spLocks noGrp="1"/>
+          </p:cNvSpPr>
           <p:nvPr>
-            <p:ph idx="4294967295" type="body"/>
+            <p:ph type="body" idx="4294967295"/>
           </p:nvPr>
         </p:nvSpPr>
         <p:spPr>
@@ -9549,7 +10250,7 @@
           </a:prstGeom>
         </p:spPr>
         <p:txBody>
-          <a:bodyPr anchorCtr="0" anchor="t" bIns="91425" lIns="91425" rIns="91425" tIns="91425">
+          <a:bodyPr lIns="91425" tIns="91425" rIns="91425" bIns="91425" anchor="t" anchorCtr="0">
             <a:noAutofit/>
           </a:bodyPr>
           <a:lstStyle/>
@@ -9577,9 +10278,11 @@
       <p:sp>
         <p:nvSpPr>
           <p:cNvPr id="95" name="Shape 95"/>
-          <p:cNvSpPr txBox="1"/>
+          <p:cNvSpPr txBox="1">
+            <a:spLocks noGrp="1"/>
+          </p:cNvSpPr>
           <p:nvPr>
-            <p:ph idx="4294967295" type="body"/>
+            <p:ph type="body" idx="4294967295"/>
           </p:nvPr>
         </p:nvSpPr>
         <p:spPr>
@@ -9592,7 +10295,7 @@
           </a:prstGeom>
         </p:spPr>
         <p:txBody>
-          <a:bodyPr anchorCtr="0" anchor="t" bIns="91425" lIns="91425" rIns="91425" tIns="91425">
+          <a:bodyPr lIns="91425" tIns="91425" rIns="91425" bIns="91425" anchor="t" anchorCtr="0">
             <a:noAutofit/>
           </a:bodyPr>
           <a:lstStyle/>
@@ -9616,7 +10319,7 @@
       </p:sp>
       <p:pic>
         <p:nvPicPr>
-          <p:cNvPr descr="Øresund_Bridge_from_the_air_in_September_2015.jpg" id="96" name="Shape 96"/>
+          <p:cNvPr id="96" name="Shape 96" descr="Øresund_Bridge_from_the_air_in_September_2015.jpg"/>
           <p:cNvPicPr preferRelativeResize="0"/>
           <p:nvPr/>
         </p:nvPicPr>
@@ -9651,11 +10354,11 @@
 </file>
 
 <file path=ppt/slides/slide6.xml><?xml version="1.0" encoding="utf-8"?>
-<p:sld xmlns:a="http://schemas.openxmlformats.org/drawingml/2006/main" xmlns:r="http://schemas.openxmlformats.org/officeDocument/2006/relationships" xmlns:mc="http://schemas.openxmlformats.org/markup-compatibility/2006" xmlns:mv="urn:schemas-microsoft-com:mac:vml" xmlns:p="http://schemas.openxmlformats.org/presentationml/2006/main" xmlns:c="http://schemas.openxmlformats.org/drawingml/2006/chart" xmlns:dgm="http://schemas.openxmlformats.org/drawingml/2006/diagram" xmlns:o="urn:schemas-microsoft-com:office:office" xmlns:v="urn:schemas-microsoft-com:vml" xmlns:pvml="urn:schemas-microsoft-com:office:powerpoint" xmlns:com="http://schemas.openxmlformats.org/drawingml/2006/compatibility" xmlns:p14="http://schemas.microsoft.com/office/powerpoint/2010/main">
+<p:sld xmlns:a="http://schemas.openxmlformats.org/drawingml/2006/main" xmlns:r="http://schemas.openxmlformats.org/officeDocument/2006/relationships" xmlns:p="http://schemas.openxmlformats.org/presentationml/2006/main">
   <p:cSld>
     <p:spTree>
       <p:nvGrpSpPr>
-        <p:cNvPr id="100" name="Shape 100"/>
+        <p:cNvPr id="1" name="Shape 100"/>
         <p:cNvGrpSpPr/>
         <p:nvPr/>
       </p:nvGrpSpPr>
@@ -9670,7 +10373,9 @@
       <p:sp>
         <p:nvSpPr>
           <p:cNvPr id="101" name="Shape 101"/>
-          <p:cNvSpPr txBox="1"/>
+          <p:cNvSpPr txBox="1">
+            <a:spLocks noGrp="1"/>
+          </p:cNvSpPr>
           <p:nvPr>
             <p:ph type="title"/>
           </p:nvPr>
@@ -9685,7 +10390,7 @@
           </a:prstGeom>
         </p:spPr>
         <p:txBody>
-          <a:bodyPr anchorCtr="0" anchor="t" bIns="91425" lIns="91425" rIns="91425" tIns="91425">
+          <a:bodyPr lIns="91425" tIns="91425" rIns="91425" bIns="91425" anchor="t" anchorCtr="0">
             <a:noAutofit/>
           </a:bodyPr>
           <a:lstStyle/>
@@ -9739,7 +10444,7 @@
             </a:ln>
           </p:spPr>
           <p:txBody>
-            <a:bodyPr anchorCtr="0" anchor="ctr" bIns="91425" lIns="91425" rIns="91425" tIns="91425">
+            <a:bodyPr lIns="91425" tIns="91425" rIns="91425" bIns="91425" anchor="ctr" anchorCtr="0">
               <a:noAutofit/>
             </a:bodyPr>
             <a:lstStyle/>
@@ -9750,9 +10455,6 @@
                 </a:spcBef>
                 <a:buNone/>
               </a:pPr>
-              <a:r>
-                <a:t/>
-              </a:r>
               <a:endParaRPr/>
             </a:p>
           </p:txBody>
@@ -9772,18 +10474,18 @@
               <a:avLst/>
             </a:prstGeom>
             <a:noFill/>
-            <a:ln cap="flat" cmpd="sng" w="9525">
+            <a:ln w="9525" cap="flat" cmpd="sng">
               <a:solidFill>
                 <a:schemeClr val="dk1"/>
               </a:solidFill>
               <a:prstDash val="solid"/>
               <a:round/>
-              <a:headEnd len="med" w="med" type="none"/>
-              <a:tailEnd len="med" w="med" type="none"/>
+              <a:headEnd type="none" w="med" len="med"/>
+              <a:tailEnd type="none" w="med" len="med"/>
             </a:ln>
           </p:spPr>
           <p:txBody>
-            <a:bodyPr anchorCtr="0" anchor="ctr" bIns="91425" lIns="91425" rIns="91425" tIns="91425">
+            <a:bodyPr lIns="91425" tIns="91425" rIns="91425" bIns="91425" anchor="ctr" anchorCtr="0">
               <a:noAutofit/>
             </a:bodyPr>
             <a:lstStyle/>
@@ -9794,9 +10496,6 @@
                 </a:spcBef>
                 <a:buNone/>
               </a:pPr>
-              <a:r>
-                <a:t/>
-              </a:r>
               <a:endParaRPr/>
             </a:p>
           </p:txBody>
@@ -9805,9 +10504,11 @@
       <p:sp>
         <p:nvSpPr>
           <p:cNvPr id="105" name="Shape 105"/>
-          <p:cNvSpPr txBox="1"/>
+          <p:cNvSpPr txBox="1">
+            <a:spLocks noGrp="1"/>
+          </p:cNvSpPr>
           <p:nvPr>
-            <p:ph idx="4294967295" type="body"/>
+            <p:ph type="body" idx="4294967295"/>
           </p:nvPr>
         </p:nvSpPr>
         <p:spPr>
@@ -9820,7 +10521,7 @@
           </a:prstGeom>
         </p:spPr>
         <p:txBody>
-          <a:bodyPr anchorCtr="0" anchor="t" bIns="91425" lIns="91425" rIns="91425" tIns="91425">
+          <a:bodyPr lIns="91425" tIns="91425" rIns="91425" bIns="91425" anchor="t" anchorCtr="0">
             <a:noAutofit/>
           </a:bodyPr>
           <a:lstStyle/>
@@ -9848,9 +10549,11 @@
       <p:sp>
         <p:nvSpPr>
           <p:cNvPr id="106" name="Shape 106"/>
-          <p:cNvSpPr txBox="1"/>
+          <p:cNvSpPr txBox="1">
+            <a:spLocks noGrp="1"/>
+          </p:cNvSpPr>
           <p:nvPr>
-            <p:ph idx="4294967295" type="body"/>
+            <p:ph type="body" idx="4294967295"/>
           </p:nvPr>
         </p:nvSpPr>
         <p:spPr>
@@ -9863,7 +10566,7 @@
           </a:prstGeom>
         </p:spPr>
         <p:txBody>
-          <a:bodyPr anchorCtr="0" anchor="t" bIns="91425" lIns="91425" rIns="91425" tIns="91425">
+          <a:bodyPr lIns="91425" tIns="91425" rIns="91425" bIns="91425" anchor="t" anchorCtr="0">
             <a:noAutofit/>
           </a:bodyPr>
           <a:lstStyle/>
@@ -9887,7 +10590,7 @@
       </p:sp>
       <p:pic>
         <p:nvPicPr>
-          <p:cNvPr descr="wind-farm-sunset-2.jpg" id="107" name="Shape 107"/>
+          <p:cNvPr id="107" name="Shape 107" descr="wind-farm-sunset-2.jpg"/>
           <p:cNvPicPr preferRelativeResize="0"/>
           <p:nvPr/>
         </p:nvPicPr>
@@ -9922,11 +10625,11 @@
 </file>
 
 <file path=ppt/slides/slide7.xml><?xml version="1.0" encoding="utf-8"?>
-<p:sld xmlns:a="http://schemas.openxmlformats.org/drawingml/2006/main" xmlns:r="http://schemas.openxmlformats.org/officeDocument/2006/relationships" xmlns:mc="http://schemas.openxmlformats.org/markup-compatibility/2006" xmlns:mv="urn:schemas-microsoft-com:mac:vml" xmlns:p="http://schemas.openxmlformats.org/presentationml/2006/main" xmlns:c="http://schemas.openxmlformats.org/drawingml/2006/chart" xmlns:dgm="http://schemas.openxmlformats.org/drawingml/2006/diagram" xmlns:o="urn:schemas-microsoft-com:office:office" xmlns:v="urn:schemas-microsoft-com:vml" xmlns:pvml="urn:schemas-microsoft-com:office:powerpoint" xmlns:com="http://schemas.openxmlformats.org/drawingml/2006/compatibility" xmlns:p14="http://schemas.microsoft.com/office/powerpoint/2010/main">
+<p:sld xmlns:a="http://schemas.openxmlformats.org/drawingml/2006/main" xmlns:r="http://schemas.openxmlformats.org/officeDocument/2006/relationships" xmlns:p="http://schemas.openxmlformats.org/presentationml/2006/main">
   <p:cSld>
     <p:spTree>
       <p:nvGrpSpPr>
-        <p:cNvPr id="111" name="Shape 111"/>
+        <p:cNvPr id="1" name="Shape 111"/>
         <p:cNvGrpSpPr/>
         <p:nvPr/>
       </p:nvGrpSpPr>
@@ -9958,7 +10661,7 @@
           </a:ln>
         </p:spPr>
         <p:txBody>
-          <a:bodyPr anchorCtr="0" anchor="t" bIns="91425" lIns="91425" rIns="91425" tIns="91425">
+          <a:bodyPr lIns="91425" tIns="91425" rIns="91425" bIns="91425" anchor="t" anchorCtr="0">
             <a:noAutofit/>
           </a:bodyPr>
           <a:lstStyle/>
@@ -9993,7 +10696,7 @@
         <p:spPr>
           <a:xfrm>
             <a:off x="311700" y="1152475"/>
-            <a:ext cx="8520600" cy="3416400"/>
+            <a:ext cx="8520600" cy="3706604"/>
           </a:xfrm>
           <a:prstGeom prst="rect">
             <a:avLst/>
@@ -10004,12 +10707,12 @@
           </a:ln>
         </p:spPr>
         <p:txBody>
-          <a:bodyPr anchorCtr="0" anchor="t" bIns="91425" lIns="91425" rIns="91425" tIns="91425">
+          <a:bodyPr lIns="91425" tIns="91425" rIns="91425" bIns="91425" anchor="t" anchorCtr="0">
             <a:noAutofit/>
           </a:bodyPr>
           <a:lstStyle/>
           <a:p>
-            <a:pPr indent="-349250" lvl="0" marL="457200" rtl="0">
+            <a:pPr marL="457200" lvl="0" indent="-349250" rtl="0">
               <a:lnSpc>
                 <a:spcPct val="115000"/>
               </a:lnSpc>
@@ -10027,7 +10730,7 @@
               <a:buAutoNum type="arabicPeriod"/>
             </a:pPr>
             <a:r>
-              <a:rPr lang="en" sz="1900">
+              <a:rPr lang="en" sz="1800" dirty="0">
                 <a:solidFill>
                   <a:srgbClr val="FFFFFF"/>
                 </a:solidFill>
@@ -10040,7 +10743,7 @@
             </a:r>
           </a:p>
           <a:p>
-            <a:pPr indent="-349250" lvl="0" marL="457200" rtl="0">
+            <a:pPr marL="457200" lvl="0" indent="-349250" rtl="0">
               <a:lnSpc>
                 <a:spcPct val="115000"/>
               </a:lnSpc>
@@ -10058,7 +10761,7 @@
               <a:buAutoNum type="arabicPeriod"/>
             </a:pPr>
             <a:r>
-              <a:rPr lang="en" sz="1900">
+              <a:rPr lang="en" sz="1800" dirty="0">
                 <a:solidFill>
                   <a:srgbClr val="FFFFFF"/>
                 </a:solidFill>
@@ -10071,7 +10774,7 @@
             </a:r>
           </a:p>
           <a:p>
-            <a:pPr indent="-349250" lvl="0" marL="457200" rtl="0">
+            <a:pPr marL="457200" lvl="0" indent="-349250" rtl="0">
               <a:lnSpc>
                 <a:spcPct val="115000"/>
               </a:lnSpc>
@@ -10089,7 +10792,7 @@
               <a:buAutoNum type="arabicPeriod"/>
             </a:pPr>
             <a:r>
-              <a:rPr lang="en" sz="1900">
+              <a:rPr lang="en" sz="1800" dirty="0">
                 <a:solidFill>
                   <a:srgbClr val="FFFFFF"/>
                 </a:solidFill>
@@ -10102,7 +10805,7 @@
             </a:r>
           </a:p>
           <a:p>
-            <a:pPr indent="-349250" lvl="0" marL="457200" rtl="0">
+            <a:pPr marL="457200" lvl="0" indent="-349250" rtl="0">
               <a:lnSpc>
                 <a:spcPct val="115000"/>
               </a:lnSpc>
@@ -10120,7 +10823,7 @@
               <a:buAutoNum type="arabicPeriod"/>
             </a:pPr>
             <a:r>
-              <a:rPr lang="en" sz="1900">
+              <a:rPr lang="en" sz="1800" dirty="0">
                 <a:solidFill>
                   <a:srgbClr val="FFFFFF"/>
                 </a:solidFill>
@@ -10133,7 +10836,7 @@
             </a:r>
           </a:p>
           <a:p>
-            <a:pPr indent="-349250" lvl="0" marL="457200" rtl="0">
+            <a:pPr marL="457200" lvl="0" indent="-349250" rtl="0">
               <a:lnSpc>
                 <a:spcPct val="115000"/>
               </a:lnSpc>
@@ -10151,7 +10854,7 @@
               <a:buAutoNum type="arabicPeriod"/>
             </a:pPr>
             <a:r>
-              <a:rPr lang="en" sz="1900">
+              <a:rPr lang="en" sz="1800" dirty="0">
                 <a:solidFill>
                   <a:srgbClr val="FFFFFF"/>
                 </a:solidFill>
@@ -10164,7 +10867,7 @@
             </a:r>
           </a:p>
           <a:p>
-            <a:pPr indent="-349250" lvl="0" marL="457200" rtl="0">
+            <a:pPr marL="457200" lvl="0" indent="-349250" rtl="0">
               <a:lnSpc>
                 <a:spcPct val="115000"/>
               </a:lnSpc>
@@ -10182,7 +10885,7 @@
               <a:buAutoNum type="arabicPeriod"/>
             </a:pPr>
             <a:r>
-              <a:rPr lang="en" sz="1900">
+              <a:rPr lang="en" sz="1800" dirty="0">
                 <a:solidFill>
                   <a:srgbClr val="FFFFFF"/>
                 </a:solidFill>
@@ -10205,11 +10908,11 @@
 </file>
 
 <file path=ppt/slides/slide8.xml><?xml version="1.0" encoding="utf-8"?>
-<p:sld xmlns:a="http://schemas.openxmlformats.org/drawingml/2006/main" xmlns:r="http://schemas.openxmlformats.org/officeDocument/2006/relationships" xmlns:mc="http://schemas.openxmlformats.org/markup-compatibility/2006" xmlns:mv="urn:schemas-microsoft-com:mac:vml" xmlns:p="http://schemas.openxmlformats.org/presentationml/2006/main" xmlns:c="http://schemas.openxmlformats.org/drawingml/2006/chart" xmlns:dgm="http://schemas.openxmlformats.org/drawingml/2006/diagram" xmlns:o="urn:schemas-microsoft-com:office:office" xmlns:v="urn:schemas-microsoft-com:vml" xmlns:pvml="urn:schemas-microsoft-com:office:powerpoint" xmlns:com="http://schemas.openxmlformats.org/drawingml/2006/compatibility" xmlns:p14="http://schemas.microsoft.com/office/powerpoint/2010/main">
+<p:sld xmlns:a="http://schemas.openxmlformats.org/drawingml/2006/main" xmlns:r="http://schemas.openxmlformats.org/officeDocument/2006/relationships" xmlns:p="http://schemas.openxmlformats.org/presentationml/2006/main">
   <p:cSld>
     <p:spTree>
       <p:nvGrpSpPr>
-        <p:cNvPr id="117" name="Shape 117"/>
+        <p:cNvPr id="1" name="Shape 117"/>
         <p:cNvGrpSpPr/>
         <p:nvPr/>
       </p:nvGrpSpPr>
@@ -10236,20 +10939,22 @@
             <a:avLst/>
           </a:prstGeom>
           <a:solidFill>
-            <a:srgbClr val="B7B7B7"/>
+            <a:schemeClr val="accent3">
+              <a:lumMod val="50000"/>
+            </a:schemeClr>
           </a:solidFill>
-          <a:ln cap="flat" cmpd="sng" w="9525">
+          <a:ln w="9525" cap="flat" cmpd="sng">
             <a:solidFill>
               <a:srgbClr val="CCCCCC"/>
             </a:solidFill>
             <a:prstDash val="solid"/>
             <a:round/>
-            <a:headEnd len="med" w="med" type="none"/>
-            <a:tailEnd len="med" w="med" type="none"/>
+            <a:headEnd type="none" w="med" len="med"/>
+            <a:tailEnd type="none" w="med" len="med"/>
           </a:ln>
         </p:spPr>
         <p:txBody>
-          <a:bodyPr anchorCtr="0" anchor="t" bIns="91425" lIns="91425" rIns="91425" tIns="91425">
+          <a:bodyPr lIns="91425" tIns="91425" rIns="91425" bIns="91425" anchor="t" anchorCtr="0">
             <a:noAutofit/>
           </a:bodyPr>
           <a:lstStyle/>
@@ -10261,13 +10966,13 @@
               <a:buNone/>
             </a:pPr>
             <a:r>
-              <a:rPr lang="en"/>
-              <a:t>1. (b) </a:t>
+              <a:rPr lang="en">
+                <a:solidFill>
+                  <a:schemeClr val="tx1"/>
+                </a:solidFill>
+              </a:rPr>
+              <a:t>1. (b) Simulated Data</a:t>
             </a:r>
-            <a:r>
-              <a:rPr lang="en"/>
-              <a:t>Simulated Data</a:t>
-            </a:r>
           </a:p>
           <a:p>
             <a:pPr lvl="0" algn="ctr">
@@ -10276,10 +10981,11 @@
               </a:spcBef>
               <a:buNone/>
             </a:pPr>
-            <a:r>
-              <a:t/>
-            </a:r>
-            <a:endParaRPr/>
+            <a:endParaRPr>
+              <a:solidFill>
+                <a:schemeClr val="tx1"/>
+              </a:solidFill>
+            </a:endParaRPr>
           </a:p>
         </p:txBody>
       </p:sp>
@@ -10298,37 +11004,39 @@
             <a:avLst/>
           </a:prstGeom>
           <a:solidFill>
-            <a:srgbClr val="B7B7B7"/>
+            <a:schemeClr val="accent3">
+              <a:lumMod val="50000"/>
+            </a:schemeClr>
           </a:solidFill>
-          <a:ln cap="flat" cmpd="sng" w="9525">
+          <a:ln w="9525" cap="flat" cmpd="sng">
             <a:solidFill>
               <a:srgbClr val="CCCCCC"/>
             </a:solidFill>
             <a:prstDash val="solid"/>
             <a:round/>
-            <a:headEnd len="med" w="med" type="none"/>
-            <a:tailEnd len="med" w="med" type="none"/>
+            <a:headEnd type="none" w="med" len="med"/>
+            <a:tailEnd type="none" w="med" len="med"/>
           </a:ln>
         </p:spPr>
         <p:txBody>
-          <a:bodyPr anchorCtr="0" anchor="t" bIns="91425" lIns="91425" rIns="91425" tIns="91425">
+          <a:bodyPr lIns="91425" tIns="91425" rIns="91425" bIns="91425" anchor="t" anchorCtr="0">
             <a:noAutofit/>
           </a:bodyPr>
           <a:lstStyle/>
           <a:p>
-            <a:pPr lvl="0" rtl="0" algn="ctr">
+            <a:pPr lvl="0" algn="ctr" rtl="0">
               <a:spcBef>
                 <a:spcPts val="0"/>
               </a:spcBef>
               <a:buNone/>
             </a:pPr>
             <a:r>
-              <a:rPr lang="en"/>
-              <a:t>1. (a) </a:t>
-            </a:r>
-            <a:r>
-              <a:rPr lang="en"/>
-              <a:t>Images</a:t>
+              <a:rPr lang="en">
+                <a:solidFill>
+                  <a:schemeClr val="tx1"/>
+                </a:solidFill>
+              </a:rPr>
+              <a:t>1. (a) Images</a:t>
             </a:r>
           </a:p>
         </p:txBody>
@@ -10348,32 +11056,38 @@
             <a:avLst/>
           </a:prstGeom>
           <a:solidFill>
-            <a:srgbClr val="B7B7B7"/>
+            <a:schemeClr val="accent3">
+              <a:lumMod val="50000"/>
+            </a:schemeClr>
           </a:solidFill>
-          <a:ln cap="flat" cmpd="sng" w="9525">
+          <a:ln w="9525" cap="flat" cmpd="sng">
             <a:solidFill>
               <a:srgbClr val="CCCCCC"/>
             </a:solidFill>
             <a:prstDash val="solid"/>
             <a:round/>
-            <a:headEnd len="med" w="med" type="none"/>
-            <a:tailEnd len="med" w="med" type="none"/>
+            <a:headEnd type="none" w="med" len="med"/>
+            <a:tailEnd type="none" w="med" len="med"/>
           </a:ln>
         </p:spPr>
         <p:txBody>
-          <a:bodyPr anchorCtr="0" anchor="t" bIns="91425" lIns="91425" rIns="91425" tIns="91425">
+          <a:bodyPr lIns="91425" tIns="91425" rIns="91425" bIns="91425" anchor="t" anchorCtr="0">
             <a:noAutofit/>
           </a:bodyPr>
           <a:lstStyle/>
           <a:p>
-            <a:pPr lvl="0" rtl="0" algn="ctr">
+            <a:pPr lvl="0" algn="ctr" rtl="0">
               <a:spcBef>
                 <a:spcPts val="0"/>
               </a:spcBef>
               <a:buNone/>
             </a:pPr>
             <a:r>
-              <a:rPr lang="en"/>
+              <a:rPr lang="en">
+                <a:solidFill>
+                  <a:schemeClr val="tx1"/>
+                </a:solidFill>
+              </a:rPr>
               <a:t>2. Structure Factor</a:t>
             </a:r>
           </a:p>
@@ -10394,32 +11108,38 @@
             <a:avLst/>
           </a:prstGeom>
           <a:solidFill>
-            <a:srgbClr val="B7B7B7"/>
+            <a:schemeClr val="accent3">
+              <a:lumMod val="50000"/>
+            </a:schemeClr>
           </a:solidFill>
-          <a:ln cap="flat" cmpd="sng" w="9525">
+          <a:ln w="9525" cap="flat" cmpd="sng">
             <a:solidFill>
               <a:srgbClr val="CCCCCC"/>
             </a:solidFill>
             <a:prstDash val="solid"/>
             <a:round/>
-            <a:headEnd len="med" w="med" type="none"/>
-            <a:tailEnd len="med" w="med" type="none"/>
+            <a:headEnd type="none" w="med" len="med"/>
+            <a:tailEnd type="none" w="med" len="med"/>
           </a:ln>
         </p:spPr>
         <p:txBody>
-          <a:bodyPr anchorCtr="0" anchor="t" bIns="91425" lIns="91425" rIns="91425" tIns="91425">
+          <a:bodyPr lIns="91425" tIns="91425" rIns="91425" bIns="91425" anchor="t" anchorCtr="0">
             <a:noAutofit/>
           </a:bodyPr>
           <a:lstStyle/>
           <a:p>
-            <a:pPr lvl="0" rtl="0" algn="ctr">
+            <a:pPr lvl="0" algn="ctr" rtl="0">
               <a:spcBef>
                 <a:spcPts val="0"/>
               </a:spcBef>
               <a:buNone/>
             </a:pPr>
             <a:r>
-              <a:rPr lang="en"/>
+              <a:rPr lang="en">
+                <a:solidFill>
+                  <a:schemeClr val="tx1"/>
+                </a:solidFill>
+              </a:rPr>
               <a:t>3. Master Data</a:t>
             </a:r>
           </a:p>
@@ -10443,14 +11163,14 @@
             <a:avLst/>
           </a:prstGeom>
           <a:noFill/>
-          <a:ln cap="flat" cmpd="sng" w="9525">
+          <a:ln w="9525" cap="flat" cmpd="sng">
             <a:solidFill>
               <a:schemeClr val="dk2"/>
             </a:solidFill>
             <a:prstDash val="solid"/>
             <a:round/>
-            <a:headEnd len="lg" w="lg" type="none"/>
-            <a:tailEnd len="lg" w="lg" type="triangle"/>
+            <a:headEnd type="none" w="lg" len="lg"/>
+            <a:tailEnd type="triangle" w="lg" len="lg"/>
           </a:ln>
         </p:spPr>
       </p:cxnSp>
@@ -10469,37 +11189,39 @@
             <a:avLst/>
           </a:prstGeom>
           <a:solidFill>
-            <a:srgbClr val="B7B7B7"/>
+            <a:schemeClr val="accent3">
+              <a:lumMod val="50000"/>
+            </a:schemeClr>
           </a:solidFill>
-          <a:ln cap="flat" cmpd="sng" w="9525">
+          <a:ln w="9525" cap="flat" cmpd="sng">
             <a:solidFill>
               <a:srgbClr val="CCCCCC"/>
             </a:solidFill>
             <a:prstDash val="solid"/>
             <a:round/>
-            <a:headEnd len="med" w="med" type="none"/>
-            <a:tailEnd len="med" w="med" type="none"/>
+            <a:headEnd type="none" w="med" len="med"/>
+            <a:tailEnd type="none" w="med" len="med"/>
           </a:ln>
         </p:spPr>
         <p:txBody>
-          <a:bodyPr anchorCtr="0" anchor="t" bIns="91425" lIns="91425" rIns="91425" tIns="91425">
+          <a:bodyPr lIns="91425" tIns="91425" rIns="91425" bIns="91425" anchor="t" anchorCtr="0">
             <a:noAutofit/>
           </a:bodyPr>
           <a:lstStyle/>
           <a:p>
-            <a:pPr lvl="0" rtl="0" algn="ctr">
+            <a:pPr lvl="0" algn="ctr" rtl="0">
               <a:spcBef>
                 <a:spcPts val="0"/>
               </a:spcBef>
               <a:buNone/>
             </a:pPr>
             <a:r>
-              <a:rPr lang="en" sz="1200"/>
-              <a:t>4. </a:t>
-            </a:r>
-            <a:r>
-              <a:rPr lang="en" sz="1200"/>
-              <a:t>Preprocessed Data</a:t>
+              <a:rPr lang="en" sz="1200">
+                <a:solidFill>
+                  <a:schemeClr val="tx1"/>
+                </a:solidFill>
+              </a:rPr>
+              <a:t>4. Preprocessed Data</a:t>
             </a:r>
           </a:p>
         </p:txBody>
@@ -10519,32 +11241,38 @@
             <a:avLst/>
           </a:prstGeom>
           <a:solidFill>
-            <a:srgbClr val="B7B7B7"/>
+            <a:schemeClr val="accent3">
+              <a:lumMod val="50000"/>
+            </a:schemeClr>
           </a:solidFill>
-          <a:ln cap="flat" cmpd="sng" w="9525">
+          <a:ln w="9525" cap="flat" cmpd="sng">
             <a:solidFill>
               <a:srgbClr val="CCCCCC"/>
             </a:solidFill>
             <a:prstDash val="solid"/>
             <a:round/>
-            <a:headEnd len="med" w="med" type="none"/>
-            <a:tailEnd len="med" w="med" type="none"/>
+            <a:headEnd type="none" w="med" len="med"/>
+            <a:tailEnd type="none" w="med" len="med"/>
           </a:ln>
         </p:spPr>
         <p:txBody>
-          <a:bodyPr anchorCtr="0" anchor="t" bIns="91425" lIns="91425" rIns="91425" tIns="91425">
+          <a:bodyPr lIns="91425" tIns="91425" rIns="91425" bIns="91425" anchor="t" anchorCtr="0">
             <a:noAutofit/>
           </a:bodyPr>
           <a:lstStyle/>
           <a:p>
-            <a:pPr lvl="0" rtl="0" algn="ctr">
+            <a:pPr lvl="0" algn="ctr" rtl="0">
               <a:spcBef>
                 <a:spcPts val="0"/>
               </a:spcBef>
               <a:buNone/>
             </a:pPr>
             <a:r>
-              <a:rPr lang="en"/>
+              <a:rPr lang="en">
+                <a:solidFill>
+                  <a:schemeClr val="tx1"/>
+                </a:solidFill>
+              </a:rPr>
               <a:t>5. Machine Learning</a:t>
             </a:r>
           </a:p>
@@ -10565,32 +11293,38 @@
             <a:avLst/>
           </a:prstGeom>
           <a:solidFill>
-            <a:srgbClr val="B7B7B7"/>
+            <a:schemeClr val="accent3">
+              <a:lumMod val="50000"/>
+            </a:schemeClr>
           </a:solidFill>
-          <a:ln cap="flat" cmpd="sng" w="9525">
+          <a:ln w="9525" cap="flat" cmpd="sng">
             <a:solidFill>
               <a:srgbClr val="CCCCCC"/>
             </a:solidFill>
             <a:prstDash val="solid"/>
             <a:round/>
-            <a:headEnd len="med" w="med" type="none"/>
-            <a:tailEnd len="med" w="med" type="none"/>
+            <a:headEnd type="none" w="med" len="med"/>
+            <a:tailEnd type="none" w="med" len="med"/>
           </a:ln>
         </p:spPr>
         <p:txBody>
-          <a:bodyPr anchorCtr="0" anchor="t" bIns="91425" lIns="91425" rIns="91425" tIns="91425">
+          <a:bodyPr lIns="91425" tIns="91425" rIns="91425" bIns="91425" anchor="t" anchorCtr="0">
             <a:noAutofit/>
           </a:bodyPr>
           <a:lstStyle/>
           <a:p>
-            <a:pPr lvl="0" rtl="0" algn="ctr">
+            <a:pPr lvl="0" algn="ctr" rtl="0">
               <a:spcBef>
                 <a:spcPts val="0"/>
               </a:spcBef>
               <a:buNone/>
             </a:pPr>
             <a:r>
-              <a:rPr lang="en"/>
+              <a:rPr lang="en">
+                <a:solidFill>
+                  <a:schemeClr val="tx1"/>
+                </a:solidFill>
+              </a:rPr>
               <a:t>6. Trained Model</a:t>
             </a:r>
           </a:p>
@@ -10611,32 +11345,38 @@
             <a:avLst/>
           </a:prstGeom>
           <a:solidFill>
-            <a:srgbClr val="B7B7B7"/>
+            <a:schemeClr val="accent3">
+              <a:lumMod val="50000"/>
+            </a:schemeClr>
           </a:solidFill>
-          <a:ln cap="flat" cmpd="sng" w="9525">
+          <a:ln w="9525" cap="flat" cmpd="sng">
             <a:solidFill>
               <a:srgbClr val="CCCCCC"/>
             </a:solidFill>
             <a:prstDash val="solid"/>
             <a:round/>
-            <a:headEnd len="med" w="med" type="none"/>
-            <a:tailEnd len="med" w="med" type="none"/>
+            <a:headEnd type="none" w="med" len="med"/>
+            <a:tailEnd type="none" w="med" len="med"/>
           </a:ln>
         </p:spPr>
         <p:txBody>
-          <a:bodyPr anchorCtr="0" anchor="t" bIns="91425" lIns="91425" rIns="91425" tIns="91425">
+          <a:bodyPr lIns="91425" tIns="91425" rIns="91425" bIns="91425" anchor="t" anchorCtr="0">
             <a:noAutofit/>
           </a:bodyPr>
           <a:lstStyle/>
           <a:p>
-            <a:pPr lvl="0" rtl="0" algn="ctr">
+            <a:pPr lvl="0" algn="ctr" rtl="0">
               <a:spcBef>
                 <a:spcPts val="0"/>
               </a:spcBef>
               <a:buNone/>
             </a:pPr>
             <a:r>
-              <a:rPr lang="en"/>
+              <a:rPr lang="en">
+                <a:solidFill>
+                  <a:schemeClr val="tx1"/>
+                </a:solidFill>
+              </a:rPr>
               <a:t>7. Predictions</a:t>
             </a:r>
           </a:p>
@@ -10657,32 +11397,38 @@
             <a:avLst/>
           </a:prstGeom>
           <a:solidFill>
-            <a:srgbClr val="B7B7B7"/>
+            <a:schemeClr val="accent3">
+              <a:lumMod val="50000"/>
+            </a:schemeClr>
           </a:solidFill>
-          <a:ln cap="flat" cmpd="sng" w="9525">
+          <a:ln w="9525" cap="flat" cmpd="sng">
             <a:solidFill>
               <a:srgbClr val="CCCCCC"/>
             </a:solidFill>
             <a:prstDash val="solid"/>
             <a:round/>
-            <a:headEnd len="med" w="med" type="none"/>
-            <a:tailEnd len="med" w="med" type="none"/>
+            <a:headEnd type="none" w="med" len="med"/>
+            <a:tailEnd type="none" w="med" len="med"/>
           </a:ln>
         </p:spPr>
         <p:txBody>
-          <a:bodyPr anchorCtr="0" anchor="t" bIns="91425" lIns="91425" rIns="91425" tIns="91425">
+          <a:bodyPr lIns="91425" tIns="91425" rIns="91425" bIns="91425" anchor="t" anchorCtr="0">
             <a:noAutofit/>
           </a:bodyPr>
           <a:lstStyle/>
           <a:p>
-            <a:pPr lvl="0" rtl="0" algn="ctr">
+            <a:pPr lvl="0" algn="ctr" rtl="0">
               <a:spcBef>
                 <a:spcPts val="0"/>
               </a:spcBef>
               <a:buNone/>
             </a:pPr>
             <a:r>
-              <a:rPr lang="en"/>
+              <a:rPr lang="en">
+                <a:solidFill>
+                  <a:schemeClr val="tx1"/>
+                </a:solidFill>
+              </a:rPr>
               <a:t>8. Validation</a:t>
             </a:r>
           </a:p>
@@ -10706,14 +11452,14 @@
             <a:avLst/>
           </a:prstGeom>
           <a:noFill/>
-          <a:ln cap="flat" cmpd="sng" w="9525">
+          <a:ln w="9525" cap="flat" cmpd="sng">
             <a:solidFill>
               <a:schemeClr val="dk2"/>
             </a:solidFill>
             <a:prstDash val="solid"/>
             <a:round/>
-            <a:headEnd len="lg" w="lg" type="none"/>
-            <a:tailEnd len="lg" w="lg" type="triangle"/>
+            <a:headEnd type="none" w="lg" len="lg"/>
+            <a:tailEnd type="triangle" w="lg" len="lg"/>
           </a:ln>
         </p:spPr>
       </p:cxnSp>
@@ -10735,14 +11481,14 @@
             <a:avLst/>
           </a:prstGeom>
           <a:noFill/>
-          <a:ln cap="flat" cmpd="sng" w="9525">
+          <a:ln w="9525" cap="flat" cmpd="sng">
             <a:solidFill>
               <a:schemeClr val="dk2"/>
             </a:solidFill>
             <a:prstDash val="solid"/>
             <a:round/>
-            <a:headEnd len="lg" w="lg" type="none"/>
-            <a:tailEnd len="lg" w="lg" type="triangle"/>
+            <a:headEnd type="none" w="lg" len="lg"/>
+            <a:tailEnd type="triangle" w="lg" len="lg"/>
           </a:ln>
         </p:spPr>
       </p:cxnSp>
@@ -10756,7 +11502,7 @@
           <p:nvPr/>
         </p:nvCxnSpPr>
         <p:spPr>
-          <a:xfrm flipH="1" rot="10800000">
+          <a:xfrm rot="10800000" flipH="1">
             <a:off x="4189125" y="1883812"/>
             <a:ext cx="2709300" cy="537600"/>
           </a:xfrm>
@@ -10764,14 +11510,14 @@
             <a:avLst/>
           </a:prstGeom>
           <a:noFill/>
-          <a:ln cap="flat" cmpd="sng" w="9525">
+          <a:ln w="9525" cap="flat" cmpd="sng">
             <a:solidFill>
               <a:schemeClr val="dk2"/>
             </a:solidFill>
             <a:prstDash val="solid"/>
             <a:round/>
-            <a:headEnd len="lg" w="lg" type="none"/>
-            <a:tailEnd len="lg" w="lg" type="triangle"/>
+            <a:headEnd type="none" w="lg" len="lg"/>
+            <a:tailEnd type="triangle" w="lg" len="lg"/>
           </a:ln>
         </p:spPr>
       </p:cxnSp>
@@ -10793,14 +11539,14 @@
             <a:avLst/>
           </a:prstGeom>
           <a:noFill/>
-          <a:ln cap="flat" cmpd="sng" w="9525">
+          <a:ln w="9525" cap="flat" cmpd="sng">
             <a:solidFill>
               <a:schemeClr val="dk2"/>
             </a:solidFill>
             <a:prstDash val="solid"/>
             <a:round/>
-            <a:headEnd len="lg" w="lg" type="none"/>
-            <a:tailEnd len="lg" w="lg" type="triangle"/>
+            <a:headEnd type="none" w="lg" len="lg"/>
+            <a:tailEnd type="triangle" w="lg" len="lg"/>
           </a:ln>
         </p:spPr>
       </p:cxnSp>
@@ -10822,14 +11568,14 @@
             <a:avLst/>
           </a:prstGeom>
           <a:noFill/>
-          <a:ln cap="flat" cmpd="sng" w="9525">
+          <a:ln w="9525" cap="flat" cmpd="sng">
             <a:solidFill>
               <a:schemeClr val="dk2"/>
             </a:solidFill>
             <a:prstDash val="solid"/>
             <a:round/>
-            <a:headEnd len="lg" w="lg" type="none"/>
-            <a:tailEnd len="lg" w="lg" type="triangle"/>
+            <a:headEnd type="none" w="lg" len="lg"/>
+            <a:tailEnd type="triangle" w="lg" len="lg"/>
           </a:ln>
         </p:spPr>
       </p:cxnSp>
@@ -10851,14 +11597,14 @@
             <a:avLst/>
           </a:prstGeom>
           <a:noFill/>
-          <a:ln cap="flat" cmpd="sng" w="9525">
+          <a:ln w="9525" cap="flat" cmpd="sng">
             <a:solidFill>
               <a:schemeClr val="dk2"/>
             </a:solidFill>
             <a:prstDash val="solid"/>
             <a:round/>
-            <a:headEnd len="lg" w="lg" type="none"/>
-            <a:tailEnd len="lg" w="lg" type="triangle"/>
+            <a:headEnd type="none" w="lg" len="lg"/>
+            <a:tailEnd type="triangle" w="lg" len="lg"/>
           </a:ln>
         </p:spPr>
       </p:cxnSp>
@@ -10880,23 +11626,25 @@
             <a:avLst/>
           </a:prstGeom>
           <a:noFill/>
-          <a:ln cap="flat" cmpd="sng" w="9525">
+          <a:ln w="9525" cap="flat" cmpd="sng">
             <a:solidFill>
               <a:schemeClr val="dk2"/>
             </a:solidFill>
             <a:prstDash val="solid"/>
             <a:round/>
-            <a:headEnd len="lg" w="lg" type="none"/>
-            <a:tailEnd len="lg" w="lg" type="triangle"/>
+            <a:headEnd type="none" w="lg" len="lg"/>
+            <a:tailEnd type="triangle" w="lg" len="lg"/>
           </a:ln>
         </p:spPr>
       </p:cxnSp>
       <p:sp>
         <p:nvSpPr>
           <p:cNvPr id="135" name="Shape 135"/>
-          <p:cNvSpPr txBox="1"/>
+          <p:cNvSpPr txBox="1">
+            <a:spLocks noGrp="1"/>
+          </p:cNvSpPr>
           <p:nvPr>
-            <p:ph idx="4294967295" type="title"/>
+            <p:ph type="title" idx="4294967295"/>
           </p:nvPr>
         </p:nvSpPr>
         <p:spPr>
@@ -10909,7 +11657,7 @@
           </a:prstGeom>
         </p:spPr>
         <p:txBody>
-          <a:bodyPr anchorCtr="0" anchor="t" bIns="91425" lIns="91425" rIns="91425" tIns="91425">
+          <a:bodyPr lIns="91425" tIns="91425" rIns="91425" bIns="91425" anchor="t" anchorCtr="0">
             <a:noAutofit/>
           </a:bodyPr>
           <a:lstStyle/>
@@ -10936,11 +11684,11 @@
 </file>
 
 <file path=ppt/slides/slide9.xml><?xml version="1.0" encoding="utf-8"?>
-<p:sld xmlns:a="http://schemas.openxmlformats.org/drawingml/2006/main" xmlns:r="http://schemas.openxmlformats.org/officeDocument/2006/relationships" xmlns:mc="http://schemas.openxmlformats.org/markup-compatibility/2006" xmlns:mv="urn:schemas-microsoft-com:mac:vml" xmlns:p="http://schemas.openxmlformats.org/presentationml/2006/main" xmlns:c="http://schemas.openxmlformats.org/drawingml/2006/chart" xmlns:dgm="http://schemas.openxmlformats.org/drawingml/2006/diagram" xmlns:o="urn:schemas-microsoft-com:office:office" xmlns:v="urn:schemas-microsoft-com:vml" xmlns:pvml="urn:schemas-microsoft-com:office:powerpoint" xmlns:com="http://schemas.openxmlformats.org/drawingml/2006/compatibility" xmlns:p14="http://schemas.microsoft.com/office/powerpoint/2010/main">
+<p:sld xmlns:a="http://schemas.openxmlformats.org/drawingml/2006/main" xmlns:r="http://schemas.openxmlformats.org/officeDocument/2006/relationships" xmlns:p="http://schemas.openxmlformats.org/presentationml/2006/main">
   <p:cSld>
     <p:spTree>
       <p:nvGrpSpPr>
-        <p:cNvPr id="139" name="Shape 139"/>
+        <p:cNvPr id="1" name="Shape 139"/>
         <p:cNvGrpSpPr/>
         <p:nvPr/>
       </p:nvGrpSpPr>
@@ -10955,7 +11703,9 @@
       <p:sp>
         <p:nvSpPr>
           <p:cNvPr id="140" name="Shape 140"/>
-          <p:cNvSpPr txBox="1"/>
+          <p:cNvSpPr txBox="1">
+            <a:spLocks noGrp="1"/>
+          </p:cNvSpPr>
           <p:nvPr>
             <p:ph type="title"/>
           </p:nvPr>
@@ -10970,7 +11720,7 @@
           </a:prstGeom>
         </p:spPr>
         <p:txBody>
-          <a:bodyPr anchorCtr="0" anchor="t" bIns="91425" lIns="91425" rIns="91425" tIns="91425">
+          <a:bodyPr lIns="91425" tIns="91425" rIns="91425" bIns="91425" anchor="t" anchorCtr="0">
             <a:noAutofit/>
           </a:bodyPr>
           <a:lstStyle/>
@@ -11004,8 +11754,8 @@
         </p:blipFill>
         <p:spPr>
           <a:xfrm>
-            <a:off x="848801" y="783649"/>
-            <a:ext cx="7446400" cy="4100300"/>
+            <a:off x="311700" y="783649"/>
+            <a:ext cx="8520600" cy="4192388"/>
           </a:xfrm>
           <a:prstGeom prst="rect">
             <a:avLst/>
@@ -11025,7 +11775,288 @@
 </file>
 
 <file path=ppt/theme/theme1.xml><?xml version="1.0" encoding="utf-8"?>
-<a:theme xmlns:a="http://schemas.openxmlformats.org/drawingml/2006/main" xmlns:r="http://schemas.openxmlformats.org/officeDocument/2006/relationships" name="Custom Theme">
+<a:theme xmlns:a="http://schemas.openxmlformats.org/drawingml/2006/main" name="slate">
+  <a:themeElements>
+    <a:clrScheme name="Slate">
+      <a:dk1>
+        <a:srgbClr val="FFFFFF"/>
+      </a:dk1>
+      <a:lt1>
+        <a:srgbClr val="37474F"/>
+      </a:lt1>
+      <a:dk2>
+        <a:srgbClr val="9E9E9E"/>
+      </a:dk2>
+      <a:lt2>
+        <a:srgbClr val="E0E0E0"/>
+      </a:lt2>
+      <a:accent1>
+        <a:srgbClr val="616161"/>
+      </a:accent1>
+      <a:accent2>
+        <a:srgbClr val="78909C"/>
+      </a:accent2>
+      <a:accent3>
+        <a:srgbClr val="CACACA"/>
+      </a:accent3>
+      <a:accent4>
+        <a:srgbClr val="64FFDA"/>
+      </a:accent4>
+      <a:accent5>
+        <a:srgbClr val="FFD966"/>
+      </a:accent5>
+      <a:accent6>
+        <a:srgbClr val="F5F5F5"/>
+      </a:accent6>
+      <a:hlink>
+        <a:srgbClr val="FFD966"/>
+      </a:hlink>
+      <a:folHlink>
+        <a:srgbClr val="FFD966"/>
+      </a:folHlink>
+    </a:clrScheme>
+    <a:fontScheme name="Office">
+      <a:majorFont>
+        <a:latin typeface="Arial"/>
+        <a:ea typeface=""/>
+        <a:cs typeface=""/>
+        <a:font script="Jpan" typeface="ＭＳ Ｐゴシック"/>
+        <a:font script="Hang" typeface="맑은 고딕"/>
+        <a:font script="Hans" typeface="宋体"/>
+        <a:font script="Hant" typeface="新細明體"/>
+        <a:font script="Arab" typeface="Times New Roman"/>
+        <a:font script="Hebr" typeface="Times New Roman"/>
+        <a:font script="Thai" typeface="Angsana New"/>
+        <a:font script="Ethi" typeface="Nyala"/>
+        <a:font script="Beng" typeface="Vrinda"/>
+        <a:font script="Gujr" typeface="Shruti"/>
+        <a:font script="Khmr" typeface="MoolBoran"/>
+        <a:font script="Knda" typeface="Tunga"/>
+        <a:font script="Guru" typeface="Raavi"/>
+        <a:font script="Cans" typeface="Euphemia"/>
+        <a:font script="Cher" typeface="Plantagenet Cherokee"/>
+        <a:font script="Yiii" typeface="Microsoft Yi Baiti"/>
+        <a:font script="Tibt" typeface="Microsoft Himalaya"/>
+        <a:font script="Thaa" typeface="MV Boli"/>
+        <a:font script="Deva" typeface="Mangal"/>
+        <a:font script="Telu" typeface="Gautami"/>
+        <a:font script="Taml" typeface="Latha"/>
+        <a:font script="Syrc" typeface="Estrangelo Edessa"/>
+        <a:font script="Orya" typeface="Kalinga"/>
+        <a:font script="Mlym" typeface="Kartika"/>
+        <a:font script="Laoo" typeface="DokChampa"/>
+        <a:font script="Sinh" typeface="Iskoola Pota"/>
+        <a:font script="Mong" typeface="Mongolian Baiti"/>
+        <a:font script="Viet" typeface="Times New Roman"/>
+        <a:font script="Uigh" typeface="Microsoft Uighur"/>
+        <a:font script="Geor" typeface="Sylfaen"/>
+      </a:majorFont>
+      <a:minorFont>
+        <a:latin typeface="Arial"/>
+        <a:ea typeface=""/>
+        <a:cs typeface=""/>
+        <a:font script="Jpan" typeface="ＭＳ Ｐゴシック"/>
+        <a:font script="Hang" typeface="맑은 고딕"/>
+        <a:font script="Hans" typeface="宋体"/>
+        <a:font script="Hant" typeface="新細明體"/>
+        <a:font script="Arab" typeface="Arial"/>
+        <a:font script="Hebr" typeface="Arial"/>
+        <a:font script="Thai" typeface="Cordia New"/>
+        <a:font script="Ethi" typeface="Nyala"/>
+        <a:font script="Beng" typeface="Vrinda"/>
+        <a:font script="Gujr" typeface="Shruti"/>
+        <a:font script="Khmr" typeface="DaunPenh"/>
+        <a:font script="Knda" typeface="Tunga"/>
+        <a:font script="Guru" typeface="Raavi"/>
+        <a:font script="Cans" typeface="Euphemia"/>
+        <a:font script="Cher" typeface="Plantagenet Cherokee"/>
+        <a:font script="Yiii" typeface="Microsoft Yi Baiti"/>
+        <a:font script="Tibt" typeface="Microsoft Himalaya"/>
+        <a:font script="Thaa" typeface="MV Boli"/>
+        <a:font script="Deva" typeface="Mangal"/>
+        <a:font script="Telu" typeface="Gautami"/>
+        <a:font script="Taml" typeface="Latha"/>
+        <a:font script="Syrc" typeface="Estrangelo Edessa"/>
+        <a:font script="Orya" typeface="Kalinga"/>
+        <a:font script="Mlym" typeface="Kartika"/>
+        <a:font script="Laoo" typeface="DokChampa"/>
+        <a:font script="Sinh" typeface="Iskoola Pota"/>
+        <a:font script="Mong" typeface="Mongolian Baiti"/>
+        <a:font script="Viet" typeface="Arial"/>
+        <a:font script="Uigh" typeface="Microsoft Uighur"/>
+        <a:font script="Geor" typeface="Sylfaen"/>
+      </a:minorFont>
+    </a:fontScheme>
+    <a:fmtScheme name="Office">
+      <a:fillStyleLst>
+        <a:solidFill>
+          <a:schemeClr val="phClr"/>
+        </a:solidFill>
+        <a:gradFill rotWithShape="1">
+          <a:gsLst>
+            <a:gs pos="0">
+              <a:schemeClr val="phClr">
+                <a:tint val="50000"/>
+                <a:satMod val="300000"/>
+              </a:schemeClr>
+            </a:gs>
+            <a:gs pos="35000">
+              <a:schemeClr val="phClr">
+                <a:tint val="37000"/>
+                <a:satMod val="300000"/>
+              </a:schemeClr>
+            </a:gs>
+            <a:gs pos="100000">
+              <a:schemeClr val="phClr">
+                <a:tint val="15000"/>
+                <a:satMod val="350000"/>
+              </a:schemeClr>
+            </a:gs>
+          </a:gsLst>
+          <a:lin ang="16200000" scaled="1"/>
+        </a:gradFill>
+        <a:gradFill rotWithShape="1">
+          <a:gsLst>
+            <a:gs pos="0">
+              <a:schemeClr val="phClr">
+                <a:tint val="100000"/>
+                <a:shade val="100000"/>
+                <a:satMod val="130000"/>
+              </a:schemeClr>
+            </a:gs>
+            <a:gs pos="100000">
+              <a:schemeClr val="phClr">
+                <a:tint val="50000"/>
+                <a:shade val="100000"/>
+                <a:satMod val="350000"/>
+              </a:schemeClr>
+            </a:gs>
+          </a:gsLst>
+          <a:lin ang="16200000" scaled="0"/>
+        </a:gradFill>
+      </a:fillStyleLst>
+      <a:lnStyleLst>
+        <a:ln w="9525" cap="flat" cmpd="sng" algn="ctr">
+          <a:solidFill>
+            <a:schemeClr val="phClr">
+              <a:shade val="95000"/>
+              <a:satMod val="105000"/>
+            </a:schemeClr>
+          </a:solidFill>
+          <a:prstDash val="solid"/>
+        </a:ln>
+        <a:ln w="25400" cap="flat" cmpd="sng" algn="ctr">
+          <a:solidFill>
+            <a:schemeClr val="phClr"/>
+          </a:solidFill>
+          <a:prstDash val="solid"/>
+        </a:ln>
+        <a:ln w="38100" cap="flat" cmpd="sng" algn="ctr">
+          <a:solidFill>
+            <a:schemeClr val="phClr"/>
+          </a:solidFill>
+          <a:prstDash val="solid"/>
+        </a:ln>
+      </a:lnStyleLst>
+      <a:effectStyleLst>
+        <a:effectStyle>
+          <a:effectLst>
+            <a:outerShdw blurRad="40000" dist="20000" dir="5400000" rotWithShape="0">
+              <a:srgbClr val="000000">
+                <a:alpha val="38000"/>
+              </a:srgbClr>
+            </a:outerShdw>
+          </a:effectLst>
+        </a:effectStyle>
+        <a:effectStyle>
+          <a:effectLst>
+            <a:outerShdw blurRad="40000" dist="23000" dir="5400000" rotWithShape="0">
+              <a:srgbClr val="000000">
+                <a:alpha val="35000"/>
+              </a:srgbClr>
+            </a:outerShdw>
+          </a:effectLst>
+        </a:effectStyle>
+        <a:effectStyle>
+          <a:effectLst>
+            <a:outerShdw blurRad="40000" dist="23000" dir="5400000" rotWithShape="0">
+              <a:srgbClr val="000000">
+                <a:alpha val="35000"/>
+              </a:srgbClr>
+            </a:outerShdw>
+          </a:effectLst>
+          <a:scene3d>
+            <a:camera prst="orthographicFront">
+              <a:rot lat="0" lon="0" rev="0"/>
+            </a:camera>
+            <a:lightRig rig="threePt" dir="t">
+              <a:rot lat="0" lon="0" rev="1200000"/>
+            </a:lightRig>
+          </a:scene3d>
+          <a:sp3d>
+            <a:bevelT w="63500" h="25400"/>
+          </a:sp3d>
+        </a:effectStyle>
+      </a:effectStyleLst>
+      <a:bgFillStyleLst>
+        <a:solidFill>
+          <a:schemeClr val="phClr"/>
+        </a:solidFill>
+        <a:gradFill rotWithShape="1">
+          <a:gsLst>
+            <a:gs pos="0">
+              <a:schemeClr val="phClr">
+                <a:tint val="40000"/>
+                <a:satMod val="350000"/>
+              </a:schemeClr>
+            </a:gs>
+            <a:gs pos="40000">
+              <a:schemeClr val="phClr">
+                <a:tint val="45000"/>
+                <a:shade val="99000"/>
+                <a:satMod val="350000"/>
+              </a:schemeClr>
+            </a:gs>
+            <a:gs pos="100000">
+              <a:schemeClr val="phClr">
+                <a:shade val="20000"/>
+                <a:satMod val="255000"/>
+              </a:schemeClr>
+            </a:gs>
+          </a:gsLst>
+          <a:path path="circle">
+            <a:fillToRect l="50000" t="-80000" r="50000" b="180000"/>
+          </a:path>
+        </a:gradFill>
+        <a:gradFill rotWithShape="1">
+          <a:gsLst>
+            <a:gs pos="0">
+              <a:schemeClr val="phClr">
+                <a:tint val="80000"/>
+                <a:satMod val="300000"/>
+              </a:schemeClr>
+            </a:gs>
+            <a:gs pos="100000">
+              <a:schemeClr val="phClr">
+                <a:shade val="30000"/>
+                <a:satMod val="200000"/>
+              </a:schemeClr>
+            </a:gs>
+          </a:gsLst>
+          <a:path path="circle">
+            <a:fillToRect l="50000" t="50000" r="50000" b="50000"/>
+          </a:path>
+        </a:gradFill>
+      </a:bgFillStyleLst>
+    </a:fmtScheme>
+  </a:themeElements>
+  <a:objectDefaults/>
+  <a:extraClrSchemeLst/>
+</a:theme>
+</file>
+
+<file path=ppt/theme/theme2.xml><?xml version="1.0" encoding="utf-8"?>
+<a:theme xmlns:a="http://schemas.openxmlformats.org/drawingml/2006/main" name="Custom Theme">
   <a:themeElements>
     <a:clrScheme name="Default">
       <a:dk1>
@@ -11300,284 +12331,7 @@
       </a:bgFillStyleLst>
     </a:fmtScheme>
   </a:themeElements>
-</a:theme>
-</file>
-
-<file path=ppt/theme/theme2.xml><?xml version="1.0" encoding="utf-8"?>
-<a:theme xmlns:a="http://schemas.openxmlformats.org/drawingml/2006/main" xmlns:r="http://schemas.openxmlformats.org/officeDocument/2006/relationships" name="slate">
-  <a:themeElements>
-    <a:clrScheme name="Slate">
-      <a:dk1>
-        <a:srgbClr val="FFFFFF"/>
-      </a:dk1>
-      <a:lt1>
-        <a:srgbClr val="37474F"/>
-      </a:lt1>
-      <a:dk2>
-        <a:srgbClr val="9E9E9E"/>
-      </a:dk2>
-      <a:lt2>
-        <a:srgbClr val="E0E0E0"/>
-      </a:lt2>
-      <a:accent1>
-        <a:srgbClr val="616161"/>
-      </a:accent1>
-      <a:accent2>
-        <a:srgbClr val="78909C"/>
-      </a:accent2>
-      <a:accent3>
-        <a:srgbClr val="CACACA"/>
-      </a:accent3>
-      <a:accent4>
-        <a:srgbClr val="64FFDA"/>
-      </a:accent4>
-      <a:accent5>
-        <a:srgbClr val="FFD966"/>
-      </a:accent5>
-      <a:accent6>
-        <a:srgbClr val="F5F5F5"/>
-      </a:accent6>
-      <a:hlink>
-        <a:srgbClr val="FFD966"/>
-      </a:hlink>
-      <a:folHlink>
-        <a:srgbClr val="FFD966"/>
-      </a:folHlink>
-    </a:clrScheme>
-    <a:fontScheme name="Office">
-      <a:majorFont>
-        <a:latin typeface="Arial"/>
-        <a:ea typeface=""/>
-        <a:cs typeface=""/>
-        <a:font script="Jpan" typeface="ＭＳ Ｐゴシック"/>
-        <a:font script="Hang" typeface="맑은 고딕"/>
-        <a:font script="Hans" typeface="宋体"/>
-        <a:font script="Hant" typeface="新細明體"/>
-        <a:font script="Arab" typeface="Times New Roman"/>
-        <a:font script="Hebr" typeface="Times New Roman"/>
-        <a:font script="Thai" typeface="Angsana New"/>
-        <a:font script="Ethi" typeface="Nyala"/>
-        <a:font script="Beng" typeface="Vrinda"/>
-        <a:font script="Gujr" typeface="Shruti"/>
-        <a:font script="Khmr" typeface="MoolBoran"/>
-        <a:font script="Knda" typeface="Tunga"/>
-        <a:font script="Guru" typeface="Raavi"/>
-        <a:font script="Cans" typeface="Euphemia"/>
-        <a:font script="Cher" typeface="Plantagenet Cherokee"/>
-        <a:font script="Yiii" typeface="Microsoft Yi Baiti"/>
-        <a:font script="Tibt" typeface="Microsoft Himalaya"/>
-        <a:font script="Thaa" typeface="MV Boli"/>
-        <a:font script="Deva" typeface="Mangal"/>
-        <a:font script="Telu" typeface="Gautami"/>
-        <a:font script="Taml" typeface="Latha"/>
-        <a:font script="Syrc" typeface="Estrangelo Edessa"/>
-        <a:font script="Orya" typeface="Kalinga"/>
-        <a:font script="Mlym" typeface="Kartika"/>
-        <a:font script="Laoo" typeface="DokChampa"/>
-        <a:font script="Sinh" typeface="Iskoola Pota"/>
-        <a:font script="Mong" typeface="Mongolian Baiti"/>
-        <a:font script="Viet" typeface="Times New Roman"/>
-        <a:font script="Uigh" typeface="Microsoft Uighur"/>
-        <a:font script="Geor" typeface="Sylfaen"/>
-      </a:majorFont>
-      <a:minorFont>
-        <a:latin typeface="Arial"/>
-        <a:ea typeface=""/>
-        <a:cs typeface=""/>
-        <a:font script="Jpan" typeface="ＭＳ Ｐゴシック"/>
-        <a:font script="Hang" typeface="맑은 고딕"/>
-        <a:font script="Hans" typeface="宋体"/>
-        <a:font script="Hant" typeface="新細明體"/>
-        <a:font script="Arab" typeface="Arial"/>
-        <a:font script="Hebr" typeface="Arial"/>
-        <a:font script="Thai" typeface="Cordia New"/>
-        <a:font script="Ethi" typeface="Nyala"/>
-        <a:font script="Beng" typeface="Vrinda"/>
-        <a:font script="Gujr" typeface="Shruti"/>
-        <a:font script="Khmr" typeface="DaunPenh"/>
-        <a:font script="Knda" typeface="Tunga"/>
-        <a:font script="Guru" typeface="Raavi"/>
-        <a:font script="Cans" typeface="Euphemia"/>
-        <a:font script="Cher" typeface="Plantagenet Cherokee"/>
-        <a:font script="Yiii" typeface="Microsoft Yi Baiti"/>
-        <a:font script="Tibt" typeface="Microsoft Himalaya"/>
-        <a:font script="Thaa" typeface="MV Boli"/>
-        <a:font script="Deva" typeface="Mangal"/>
-        <a:font script="Telu" typeface="Gautami"/>
-        <a:font script="Taml" typeface="Latha"/>
-        <a:font script="Syrc" typeface="Estrangelo Edessa"/>
-        <a:font script="Orya" typeface="Kalinga"/>
-        <a:font script="Mlym" typeface="Kartika"/>
-        <a:font script="Laoo" typeface="DokChampa"/>
-        <a:font script="Sinh" typeface="Iskoola Pota"/>
-        <a:font script="Mong" typeface="Mongolian Baiti"/>
-        <a:font script="Viet" typeface="Arial"/>
-        <a:font script="Uigh" typeface="Microsoft Uighur"/>
-        <a:font script="Geor" typeface="Sylfaen"/>
-      </a:minorFont>
-    </a:fontScheme>
-    <a:fmtScheme name="Office">
-      <a:fillStyleLst>
-        <a:solidFill>
-          <a:schemeClr val="phClr"/>
-        </a:solidFill>
-        <a:gradFill rotWithShape="1">
-          <a:gsLst>
-            <a:gs pos="0">
-              <a:schemeClr val="phClr">
-                <a:tint val="50000"/>
-                <a:satMod val="300000"/>
-              </a:schemeClr>
-            </a:gs>
-            <a:gs pos="35000">
-              <a:schemeClr val="phClr">
-                <a:tint val="37000"/>
-                <a:satMod val="300000"/>
-              </a:schemeClr>
-            </a:gs>
-            <a:gs pos="100000">
-              <a:schemeClr val="phClr">
-                <a:tint val="15000"/>
-                <a:satMod val="350000"/>
-              </a:schemeClr>
-            </a:gs>
-          </a:gsLst>
-          <a:lin ang="16200000" scaled="1"/>
-        </a:gradFill>
-        <a:gradFill rotWithShape="1">
-          <a:gsLst>
-            <a:gs pos="0">
-              <a:schemeClr val="phClr">
-                <a:tint val="100000"/>
-                <a:shade val="100000"/>
-                <a:satMod val="130000"/>
-              </a:schemeClr>
-            </a:gs>
-            <a:gs pos="100000">
-              <a:schemeClr val="phClr">
-                <a:tint val="50000"/>
-                <a:shade val="100000"/>
-                <a:satMod val="350000"/>
-              </a:schemeClr>
-            </a:gs>
-          </a:gsLst>
-          <a:lin ang="16200000" scaled="0"/>
-        </a:gradFill>
-      </a:fillStyleLst>
-      <a:lnStyleLst>
-        <a:ln w="9525" cap="flat" cmpd="sng" algn="ctr">
-          <a:solidFill>
-            <a:schemeClr val="phClr">
-              <a:shade val="95000"/>
-              <a:satMod val="105000"/>
-            </a:schemeClr>
-          </a:solidFill>
-          <a:prstDash val="solid"/>
-        </a:ln>
-        <a:ln w="25400" cap="flat" cmpd="sng" algn="ctr">
-          <a:solidFill>
-            <a:schemeClr val="phClr"/>
-          </a:solidFill>
-          <a:prstDash val="solid"/>
-        </a:ln>
-        <a:ln w="38100" cap="flat" cmpd="sng" algn="ctr">
-          <a:solidFill>
-            <a:schemeClr val="phClr"/>
-          </a:solidFill>
-          <a:prstDash val="solid"/>
-        </a:ln>
-      </a:lnStyleLst>
-      <a:effectStyleLst>
-        <a:effectStyle>
-          <a:effectLst>
-            <a:outerShdw blurRad="40000" dist="20000" dir="5400000" rotWithShape="0">
-              <a:srgbClr val="000000">
-                <a:alpha val="38000"/>
-              </a:srgbClr>
-            </a:outerShdw>
-          </a:effectLst>
-        </a:effectStyle>
-        <a:effectStyle>
-          <a:effectLst>
-            <a:outerShdw blurRad="40000" dist="23000" dir="5400000" rotWithShape="0">
-              <a:srgbClr val="000000">
-                <a:alpha val="35000"/>
-              </a:srgbClr>
-            </a:outerShdw>
-          </a:effectLst>
-        </a:effectStyle>
-        <a:effectStyle>
-          <a:effectLst>
-            <a:outerShdw blurRad="40000" dist="23000" dir="5400000" rotWithShape="0">
-              <a:srgbClr val="000000">
-                <a:alpha val="35000"/>
-              </a:srgbClr>
-            </a:outerShdw>
-          </a:effectLst>
-          <a:scene3d>
-            <a:camera prst="orthographicFront">
-              <a:rot lat="0" lon="0" rev="0"/>
-            </a:camera>
-            <a:lightRig rig="threePt" dir="t">
-              <a:rot lat="0" lon="0" rev="1200000"/>
-            </a:lightRig>
-          </a:scene3d>
-          <a:sp3d>
-            <a:bevelT w="63500" h="25400"/>
-          </a:sp3d>
-        </a:effectStyle>
-      </a:effectStyleLst>
-      <a:bgFillStyleLst>
-        <a:solidFill>
-          <a:schemeClr val="phClr"/>
-        </a:solidFill>
-        <a:gradFill rotWithShape="1">
-          <a:gsLst>
-            <a:gs pos="0">
-              <a:schemeClr val="phClr">
-                <a:tint val="40000"/>
-                <a:satMod val="350000"/>
-              </a:schemeClr>
-            </a:gs>
-            <a:gs pos="40000">
-              <a:schemeClr val="phClr">
-                <a:tint val="45000"/>
-                <a:shade val="99000"/>
-                <a:satMod val="350000"/>
-              </a:schemeClr>
-            </a:gs>
-            <a:gs pos="100000">
-              <a:schemeClr val="phClr">
-                <a:shade val="20000"/>
-                <a:satMod val="255000"/>
-              </a:schemeClr>
-            </a:gs>
-          </a:gsLst>
-          <a:path path="circle">
-            <a:fillToRect l="50000" t="-80000" r="50000" b="180000"/>
-          </a:path>
-        </a:gradFill>
-        <a:gradFill rotWithShape="1">
-          <a:gsLst>
-            <a:gs pos="0">
-              <a:schemeClr val="phClr">
-                <a:tint val="80000"/>
-                <a:satMod val="300000"/>
-              </a:schemeClr>
-            </a:gs>
-            <a:gs pos="100000">
-              <a:schemeClr val="phClr">
-                <a:shade val="30000"/>
-                <a:satMod val="200000"/>
-              </a:schemeClr>
-            </a:gs>
-          </a:gsLst>
-          <a:path path="circle">
-            <a:fillToRect l="50000" t="50000" r="50000" b="50000"/>
-          </a:path>
-        </a:gradFill>
-      </a:bgFillStyleLst>
-    </a:fmtScheme>
-  </a:themeElements>
+  <a:objectDefaults/>
+  <a:extraClrSchemeLst/>
 </a:theme>
 </file>